--- a/Lecture07_08：JavaScript/JavaScript01.pptx
+++ b/Lecture07_08：JavaScript/JavaScript01.pptx
@@ -5,59 +5,60 @@
     <p:sldMasterId id="2147483648" r:id="rId1"/>
   </p:sldMasterIdLst>
   <p:handoutMasterIdLst>
-    <p:handoutMasterId r:id="rId52"/>
+    <p:handoutMasterId r:id="rId53"/>
   </p:handoutMasterIdLst>
   <p:sldIdLst>
     <p:sldId id="256" r:id="rId2"/>
-    <p:sldId id="257" r:id="rId3"/>
-    <p:sldId id="258" r:id="rId4"/>
-    <p:sldId id="259" r:id="rId5"/>
-    <p:sldId id="260" r:id="rId6"/>
-    <p:sldId id="261" r:id="rId7"/>
-    <p:sldId id="262" r:id="rId8"/>
-    <p:sldId id="263" r:id="rId9"/>
-    <p:sldId id="280" r:id="rId10"/>
-    <p:sldId id="264" r:id="rId11"/>
-    <p:sldId id="265" r:id="rId12"/>
-    <p:sldId id="266" r:id="rId13"/>
-    <p:sldId id="267" r:id="rId14"/>
-    <p:sldId id="268" r:id="rId15"/>
-    <p:sldId id="281" r:id="rId16"/>
-    <p:sldId id="284" r:id="rId17"/>
-    <p:sldId id="269" r:id="rId18"/>
-    <p:sldId id="282" r:id="rId19"/>
-    <p:sldId id="283" r:id="rId20"/>
-    <p:sldId id="270" r:id="rId21"/>
-    <p:sldId id="285" r:id="rId22"/>
-    <p:sldId id="271" r:id="rId23"/>
-    <p:sldId id="286" r:id="rId24"/>
-    <p:sldId id="287" r:id="rId25"/>
-    <p:sldId id="275" r:id="rId26"/>
-    <p:sldId id="272" r:id="rId27"/>
-    <p:sldId id="273" r:id="rId28"/>
-    <p:sldId id="274" r:id="rId29"/>
-    <p:sldId id="276" r:id="rId30"/>
-    <p:sldId id="277" r:id="rId31"/>
-    <p:sldId id="278" r:id="rId32"/>
-    <p:sldId id="288" r:id="rId33"/>
-    <p:sldId id="289" r:id="rId34"/>
-    <p:sldId id="290" r:id="rId35"/>
-    <p:sldId id="291" r:id="rId36"/>
-    <p:sldId id="292" r:id="rId37"/>
-    <p:sldId id="293" r:id="rId38"/>
-    <p:sldId id="302" r:id="rId39"/>
-    <p:sldId id="295" r:id="rId40"/>
-    <p:sldId id="296" r:id="rId41"/>
-    <p:sldId id="297" r:id="rId42"/>
-    <p:sldId id="307" r:id="rId43"/>
-    <p:sldId id="298" r:id="rId44"/>
-    <p:sldId id="303" r:id="rId45"/>
-    <p:sldId id="305" r:id="rId46"/>
-    <p:sldId id="304" r:id="rId47"/>
-    <p:sldId id="306" r:id="rId48"/>
-    <p:sldId id="308" r:id="rId49"/>
-    <p:sldId id="309" r:id="rId50"/>
-    <p:sldId id="315" r:id="rId51"/>
+    <p:sldId id="316" r:id="rId3"/>
+    <p:sldId id="257" r:id="rId4"/>
+    <p:sldId id="258" r:id="rId5"/>
+    <p:sldId id="259" r:id="rId6"/>
+    <p:sldId id="260" r:id="rId7"/>
+    <p:sldId id="261" r:id="rId8"/>
+    <p:sldId id="262" r:id="rId9"/>
+    <p:sldId id="263" r:id="rId10"/>
+    <p:sldId id="280" r:id="rId11"/>
+    <p:sldId id="264" r:id="rId12"/>
+    <p:sldId id="265" r:id="rId13"/>
+    <p:sldId id="266" r:id="rId14"/>
+    <p:sldId id="267" r:id="rId15"/>
+    <p:sldId id="268" r:id="rId16"/>
+    <p:sldId id="281" r:id="rId17"/>
+    <p:sldId id="284" r:id="rId18"/>
+    <p:sldId id="269" r:id="rId19"/>
+    <p:sldId id="282" r:id="rId20"/>
+    <p:sldId id="283" r:id="rId21"/>
+    <p:sldId id="270" r:id="rId22"/>
+    <p:sldId id="285" r:id="rId23"/>
+    <p:sldId id="271" r:id="rId24"/>
+    <p:sldId id="286" r:id="rId25"/>
+    <p:sldId id="287" r:id="rId26"/>
+    <p:sldId id="275" r:id="rId27"/>
+    <p:sldId id="272" r:id="rId28"/>
+    <p:sldId id="273" r:id="rId29"/>
+    <p:sldId id="274" r:id="rId30"/>
+    <p:sldId id="276" r:id="rId31"/>
+    <p:sldId id="277" r:id="rId32"/>
+    <p:sldId id="278" r:id="rId33"/>
+    <p:sldId id="288" r:id="rId34"/>
+    <p:sldId id="289" r:id="rId35"/>
+    <p:sldId id="290" r:id="rId36"/>
+    <p:sldId id="291" r:id="rId37"/>
+    <p:sldId id="292" r:id="rId38"/>
+    <p:sldId id="293" r:id="rId39"/>
+    <p:sldId id="302" r:id="rId40"/>
+    <p:sldId id="295" r:id="rId41"/>
+    <p:sldId id="296" r:id="rId42"/>
+    <p:sldId id="297" r:id="rId43"/>
+    <p:sldId id="307" r:id="rId44"/>
+    <p:sldId id="298" r:id="rId45"/>
+    <p:sldId id="303" r:id="rId46"/>
+    <p:sldId id="305" r:id="rId47"/>
+    <p:sldId id="304" r:id="rId48"/>
+    <p:sldId id="306" r:id="rId49"/>
+    <p:sldId id="308" r:id="rId50"/>
+    <p:sldId id="309" r:id="rId51"/>
+    <p:sldId id="315" r:id="rId52"/>
   </p:sldIdLst>
   <p:sldSz cx="12192000" cy="6858000"/>
   <p:notesSz cx="6858000" cy="9144000"/>
@@ -261,7 +262,7 @@
           <a:p>
             <a:fld id="{BF2C732C-AFA6-4F90-A0E9-B142D0AE8612}" type="datetimeFigureOut">
               <a:rPr lang="zh-TW" altLang="en-US" smtClean="0"/>
-              <a:t>2025/1/31</a:t>
+              <a:t>2025/2/8</a:t>
             </a:fld>
             <a:endParaRPr lang="zh-TW" altLang="en-US"/>
           </a:p>
@@ -3090,6 +3091,273 @@
           <a:lstStyle/>
           <a:p>
             <a:r>
+              <a:rPr lang="en-US" altLang="zh-TW" sz="1800" dirty="0">
+                <a:latin typeface="Times New Roman" panose="02020603050405020304" pitchFamily="18" charset="0"/>
+                <a:ea typeface="標楷體" panose="03000509000000000000" pitchFamily="65" charset="-120"/>
+                <a:cs typeface="王漢宗顏楷體"/>
+                <a:sym typeface="王漢宗顏楷體"/>
+              </a:rPr>
+              <a:t>Closure</a:t>
+            </a:r>
+            <a:r>
+              <a:rPr lang="zh-TW" altLang="en-US" sz="1800" dirty="0">
+                <a:latin typeface="Times New Roman" panose="02020603050405020304" pitchFamily="18" charset="0"/>
+                <a:ea typeface="標楷體" panose="03000509000000000000" pitchFamily="65" charset="-120"/>
+                <a:cs typeface="王漢宗顏楷體"/>
+                <a:sym typeface="王漢宗顏楷體"/>
+              </a:rPr>
+              <a:t>：是指在函式內部返回另一個函式時，內部函式可以「記住」外部函式的變數，即使外部函式已經執行完畢。</a:t>
+            </a:r>
+            <a:endParaRPr lang="en-US" altLang="zh-TW" sz="1800" dirty="0">
+              <a:latin typeface="Times New Roman" panose="02020603050405020304" pitchFamily="18" charset="0"/>
+              <a:ea typeface="標楷體" panose="03000509000000000000" pitchFamily="65" charset="-120"/>
+              <a:cs typeface="王漢宗顏楷體"/>
+              <a:sym typeface="王漢宗顏楷體"/>
+            </a:endParaRPr>
+          </a:p>
+          <a:p>
+            <a:pPr lvl="1"/>
+            <a:r>
+              <a:rPr lang="zh-TW" altLang="en-US" dirty="0"/>
+              <a:t>資料封裝：可以建立私有變數，避免外部存取。</a:t>
+            </a:r>
+            <a:endParaRPr lang="en-US" altLang="zh-TW" dirty="0"/>
+          </a:p>
+          <a:p>
+            <a:pPr lvl="1"/>
+            <a:r>
+              <a:rPr lang="zh-TW" altLang="en-US" dirty="0"/>
+              <a:t>延長變數的生命週期：外部函式執行完畢後，變數仍然存在。</a:t>
+            </a:r>
+            <a:endParaRPr lang="en-US" altLang="zh-TW" dirty="0"/>
+          </a:p>
+          <a:p>
+            <a:pPr lvl="1"/>
+            <a:r>
+              <a:rPr lang="zh-TW" altLang="en-US" dirty="0"/>
+              <a:t>減少全域變數污染：只將需要的變數暴露給內部函式。</a:t>
+            </a:r>
+          </a:p>
+        </p:txBody>
+      </p:sp>
+      <p:sp>
+        <p:nvSpPr>
+          <p:cNvPr id="3" name="標題 2">
+            <a:extLst>
+              <a:ext uri="{FF2B5EF4-FFF2-40B4-BE49-F238E27FC236}">
+                <a16:creationId xmlns:a16="http://schemas.microsoft.com/office/drawing/2014/main" id="{735162D7-DC09-4C97-8788-D34DA27A7FE9}"/>
+              </a:ext>
+            </a:extLst>
+          </p:cNvPr>
+          <p:cNvSpPr>
+            <a:spLocks noGrp="1"/>
+          </p:cNvSpPr>
+          <p:nvPr>
+            <p:ph type="title"/>
+          </p:nvPr>
+        </p:nvSpPr>
+        <p:spPr/>
+        <p:txBody>
+          <a:bodyPr>
+            <a:normAutofit fontScale="90000"/>
+          </a:bodyPr>
+          <a:lstStyle/>
+          <a:p>
+            <a:r>
+              <a:rPr lang="en-US" altLang="zh-TW" sz="6000" dirty="0">
+                <a:solidFill>
+                  <a:srgbClr val="FFFFFF"/>
+                </a:solidFill>
+                <a:latin typeface="Times New Roman" panose="02020603050405020304" pitchFamily="18" charset="0"/>
+                <a:ea typeface="標楷體" panose="03000509000000000000" pitchFamily="65" charset="-120"/>
+                <a:cs typeface="Times New Roman" panose="02020603050405020304" pitchFamily="18" charset="0"/>
+                <a:sym typeface="王漢宗顏楷體"/>
+              </a:rPr>
+              <a:t>Closure</a:t>
+            </a:r>
+            <a:r>
+              <a:rPr lang="zh-TW" altLang="en-US" sz="6000" dirty="0">
+                <a:solidFill>
+                  <a:srgbClr val="FFFFFF"/>
+                </a:solidFill>
+                <a:latin typeface="Times New Roman" panose="02020603050405020304" pitchFamily="18" charset="0"/>
+                <a:ea typeface="標楷體" panose="03000509000000000000" pitchFamily="65" charset="-120"/>
+                <a:cs typeface="Times New Roman" panose="02020603050405020304" pitchFamily="18" charset="0"/>
+                <a:sym typeface="王漢宗顏楷體"/>
+              </a:rPr>
+              <a:t> </a:t>
+            </a:r>
+            <a:r>
+              <a:rPr lang="en-US" altLang="zh-TW" sz="6000" dirty="0">
+                <a:solidFill>
+                  <a:srgbClr val="FFFFFF"/>
+                </a:solidFill>
+                <a:latin typeface="Times New Roman" panose="02020603050405020304" pitchFamily="18" charset="0"/>
+                <a:ea typeface="標楷體" panose="03000509000000000000" pitchFamily="65" charset="-120"/>
+                <a:cs typeface="Times New Roman" panose="02020603050405020304" pitchFamily="18" charset="0"/>
+                <a:sym typeface="王漢宗顏楷體"/>
+              </a:rPr>
+              <a:t>(</a:t>
+            </a:r>
+            <a:r>
+              <a:rPr lang="zh-TW" altLang="en-US" sz="6000" dirty="0">
+                <a:solidFill>
+                  <a:srgbClr val="FFFFFF"/>
+                </a:solidFill>
+                <a:latin typeface="Times New Roman" panose="02020603050405020304" pitchFamily="18" charset="0"/>
+                <a:ea typeface="標楷體" panose="03000509000000000000" pitchFamily="65" charset="-120"/>
+                <a:cs typeface="Times New Roman" panose="02020603050405020304" pitchFamily="18" charset="0"/>
+                <a:sym typeface="王漢宗顏楷體"/>
+              </a:rPr>
+              <a:t>閉包</a:t>
+            </a:r>
+            <a:r>
+              <a:rPr lang="en-US" altLang="zh-TW" sz="6000" dirty="0">
+                <a:solidFill>
+                  <a:srgbClr val="FFFFFF"/>
+                </a:solidFill>
+                <a:latin typeface="Times New Roman" panose="02020603050405020304" pitchFamily="18" charset="0"/>
+                <a:ea typeface="標楷體" panose="03000509000000000000" pitchFamily="65" charset="-120"/>
+                <a:cs typeface="Times New Roman" panose="02020603050405020304" pitchFamily="18" charset="0"/>
+                <a:sym typeface="王漢宗顏楷體"/>
+              </a:rPr>
+              <a:t>) </a:t>
+            </a:r>
+            <a:r>
+              <a:rPr lang="zh-TW" altLang="en-US" dirty="0">
+                <a:solidFill>
+                  <a:srgbClr val="FFFFFF"/>
+                </a:solidFill>
+                <a:cs typeface="Times New Roman" panose="02020603050405020304" pitchFamily="18" charset="0"/>
+                <a:sym typeface="王漢宗顏楷體"/>
+              </a:rPr>
+              <a:t>、</a:t>
+            </a:r>
+            <a:r>
+              <a:rPr lang="en-US" altLang="zh-TW" sz="6000" dirty="0">
+                <a:solidFill>
+                  <a:srgbClr val="FFFFFF"/>
+                </a:solidFill>
+                <a:latin typeface="Times New Roman" panose="02020603050405020304" pitchFamily="18" charset="0"/>
+                <a:ea typeface="標楷體" panose="03000509000000000000" pitchFamily="65" charset="-120"/>
+                <a:cs typeface="Times New Roman" panose="02020603050405020304" pitchFamily="18" charset="0"/>
+                <a:sym typeface="王漢宗顏楷體"/>
+              </a:rPr>
+              <a:t>Currying</a:t>
+            </a:r>
+            <a:endParaRPr lang="zh-TW" altLang="en-US" dirty="0"/>
+          </a:p>
+        </p:txBody>
+      </p:sp>
+      <p:sp>
+        <p:nvSpPr>
+          <p:cNvPr id="4" name="文字版面配置區 3">
+            <a:extLst>
+              <a:ext uri="{FF2B5EF4-FFF2-40B4-BE49-F238E27FC236}">
+                <a16:creationId xmlns:a16="http://schemas.microsoft.com/office/drawing/2014/main" id="{04276CA9-1A5B-45AF-9188-BD92D1B6607D}"/>
+              </a:ext>
+            </a:extLst>
+          </p:cNvPr>
+          <p:cNvSpPr>
+            <a:spLocks noGrp="1"/>
+          </p:cNvSpPr>
+          <p:nvPr>
+            <p:ph type="body" sz="quarter" idx="11"/>
+          </p:nvPr>
+        </p:nvSpPr>
+        <p:spPr/>
+        <p:txBody>
+          <a:bodyPr>
+            <a:normAutofit lnSpcReduction="10000"/>
+          </a:bodyPr>
+          <a:lstStyle/>
+          <a:p>
+            <a:endParaRPr lang="zh-TW" altLang="en-US"/>
+          </a:p>
+        </p:txBody>
+      </p:sp>
+      <p:pic>
+        <p:nvPicPr>
+          <p:cNvPr id="7" name="圖片 6">
+            <a:extLst>
+              <a:ext uri="{FF2B5EF4-FFF2-40B4-BE49-F238E27FC236}">
+                <a16:creationId xmlns:a16="http://schemas.microsoft.com/office/drawing/2014/main" id="{EA9CFEE6-6D45-4947-8811-1E7AC5D25BA7}"/>
+              </a:ext>
+            </a:extLst>
+          </p:cNvPr>
+          <p:cNvPicPr>
+            <a:picLocks noChangeAspect="1"/>
+          </p:cNvPicPr>
+          <p:nvPr/>
+        </p:nvPicPr>
+        <p:blipFill>
+          <a:blip r:embed="rId2"/>
+          <a:stretch>
+            <a:fillRect/>
+          </a:stretch>
+        </p:blipFill>
+        <p:spPr>
+          <a:xfrm>
+            <a:off x="256786" y="2442930"/>
+            <a:ext cx="7085133" cy="4234095"/>
+          </a:xfrm>
+          <a:prstGeom prst="rect">
+            <a:avLst/>
+          </a:prstGeom>
+        </p:spPr>
+      </p:pic>
+    </p:spTree>
+    <p:extLst>
+      <p:ext uri="{BB962C8B-B14F-4D97-AF65-F5344CB8AC3E}">
+        <p14:creationId xmlns:p14="http://schemas.microsoft.com/office/powerpoint/2010/main" val="950486002"/>
+      </p:ext>
+    </p:extLst>
+  </p:cSld>
+  <p:clrMapOvr>
+    <a:masterClrMapping/>
+  </p:clrMapOvr>
+</p:sld>
+</file>
+
+<file path=ppt/slides/slide11.xml><?xml version="1.0" encoding="utf-8"?>
+<p:sld xmlns:a="http://schemas.openxmlformats.org/drawingml/2006/main" xmlns:r="http://schemas.openxmlformats.org/officeDocument/2006/relationships" xmlns:p="http://schemas.openxmlformats.org/presentationml/2006/main">
+  <p:cSld>
+    <p:spTree>
+      <p:nvGrpSpPr>
+        <p:cNvPr id="1" name=""/>
+        <p:cNvGrpSpPr/>
+        <p:nvPr/>
+      </p:nvGrpSpPr>
+      <p:grpSpPr>
+        <a:xfrm>
+          <a:off x="0" y="0"/>
+          <a:ext cx="0" cy="0"/>
+          <a:chOff x="0" y="0"/>
+          <a:chExt cx="0" cy="0"/>
+        </a:xfrm>
+      </p:grpSpPr>
+      <p:sp>
+        <p:nvSpPr>
+          <p:cNvPr id="2" name="內容版面配置區 1">
+            <a:extLst>
+              <a:ext uri="{FF2B5EF4-FFF2-40B4-BE49-F238E27FC236}">
+                <a16:creationId xmlns:a16="http://schemas.microsoft.com/office/drawing/2014/main" id="{802C0A02-2C75-4047-AD2D-1172F37A2AE6}"/>
+              </a:ext>
+            </a:extLst>
+          </p:cNvPr>
+          <p:cNvSpPr>
+            <a:spLocks noGrp="1"/>
+          </p:cNvSpPr>
+          <p:nvPr>
+            <p:ph sz="quarter" idx="12"/>
+          </p:nvPr>
+        </p:nvSpPr>
+        <p:spPr/>
+        <p:txBody>
+          <a:bodyPr/>
+          <a:lstStyle/>
+          <a:p>
+            <a:r>
               <a:rPr lang="en-US" altLang="zh-TW" dirty="0"/>
               <a:t>Currying</a:t>
             </a:r>
@@ -3332,7 +3600,7 @@
 </p:sld>
 </file>
 
-<file path=ppt/slides/slide11.xml><?xml version="1.0" encoding="utf-8"?>
+<file path=ppt/slides/slide12.xml><?xml version="1.0" encoding="utf-8"?>
 <p:sld xmlns:a="http://schemas.openxmlformats.org/drawingml/2006/main" xmlns:r="http://schemas.openxmlformats.org/officeDocument/2006/relationships" xmlns:p="http://schemas.openxmlformats.org/presentationml/2006/main">
   <p:cSld>
     <p:spTree>
@@ -3529,7 +3797,7 @@
 </p:sld>
 </file>
 
-<file path=ppt/slides/slide12.xml><?xml version="1.0" encoding="utf-8"?>
+<file path=ppt/slides/slide13.xml><?xml version="1.0" encoding="utf-8"?>
 <p:sld xmlns:a="http://schemas.openxmlformats.org/drawingml/2006/main" xmlns:r="http://schemas.openxmlformats.org/officeDocument/2006/relationships" xmlns:p="http://schemas.openxmlformats.org/presentationml/2006/main">
   <p:cSld>
     <p:spTree>
@@ -3906,7 +4174,7 @@
 </p:sld>
 </file>
 
-<file path=ppt/slides/slide13.xml><?xml version="1.0" encoding="utf-8"?>
+<file path=ppt/slides/slide14.xml><?xml version="1.0" encoding="utf-8"?>
 <p:sld xmlns:a="http://schemas.openxmlformats.org/drawingml/2006/main" xmlns:r="http://schemas.openxmlformats.org/officeDocument/2006/relationships" xmlns:p="http://schemas.openxmlformats.org/presentationml/2006/main">
   <p:cSld>
     <p:spTree>
@@ -4315,7 +4583,7 @@
 </p:sld>
 </file>
 
-<file path=ppt/slides/slide14.xml><?xml version="1.0" encoding="utf-8"?>
+<file path=ppt/slides/slide15.xml><?xml version="1.0" encoding="utf-8"?>
 <p:sld xmlns:a="http://schemas.openxmlformats.org/drawingml/2006/main" xmlns:r="http://schemas.openxmlformats.org/officeDocument/2006/relationships" xmlns:p="http://schemas.openxmlformats.org/presentationml/2006/main">
   <p:cSld>
     <p:spTree>
@@ -4509,7 +4777,7 @@
 </p:sld>
 </file>
 
-<file path=ppt/slides/slide15.xml><?xml version="1.0" encoding="utf-8"?>
+<file path=ppt/slides/slide16.xml><?xml version="1.0" encoding="utf-8"?>
 <p:sld xmlns:a="http://schemas.openxmlformats.org/drawingml/2006/main" xmlns:r="http://schemas.openxmlformats.org/officeDocument/2006/relationships" xmlns:p="http://schemas.openxmlformats.org/presentationml/2006/main">
   <p:cSld>
     <p:spTree>
@@ -4700,7 +4968,7 @@
 </p:sld>
 </file>
 
-<file path=ppt/slides/slide16.xml><?xml version="1.0" encoding="utf-8"?>
+<file path=ppt/slides/slide17.xml><?xml version="1.0" encoding="utf-8"?>
 <p:sld xmlns:a="http://schemas.openxmlformats.org/drawingml/2006/main" xmlns:r="http://schemas.openxmlformats.org/officeDocument/2006/relationships" xmlns:p="http://schemas.openxmlformats.org/presentationml/2006/main">
   <p:cSld>
     <p:spTree>
@@ -4915,7 +5183,7 @@
 </p:sld>
 </file>
 
-<file path=ppt/slides/slide17.xml><?xml version="1.0" encoding="utf-8"?>
+<file path=ppt/slides/slide18.xml><?xml version="1.0" encoding="utf-8"?>
 <p:sld xmlns:a="http://schemas.openxmlformats.org/drawingml/2006/main" xmlns:r="http://schemas.openxmlformats.org/officeDocument/2006/relationships" xmlns:p="http://schemas.openxmlformats.org/presentationml/2006/main">
   <p:cSld>
     <p:spTree>
@@ -5103,7 +5371,7 @@
 </p:sld>
 </file>
 
-<file path=ppt/slides/slide18.xml><?xml version="1.0" encoding="utf-8"?>
+<file path=ppt/slides/slide19.xml><?xml version="1.0" encoding="utf-8"?>
 <p:sld xmlns:a="http://schemas.openxmlformats.org/drawingml/2006/main" xmlns:r="http://schemas.openxmlformats.org/officeDocument/2006/relationships" xmlns:p="http://schemas.openxmlformats.org/presentationml/2006/main">
   <p:cSld>
     <p:spTree>
@@ -5313,7 +5581,147 @@
 </p:sld>
 </file>
 
-<file path=ppt/slides/slide19.xml><?xml version="1.0" encoding="utf-8"?>
+<file path=ppt/slides/slide2.xml><?xml version="1.0" encoding="utf-8"?>
+<p:sld xmlns:a="http://schemas.openxmlformats.org/drawingml/2006/main" xmlns:r="http://schemas.openxmlformats.org/officeDocument/2006/relationships" xmlns:p="http://schemas.openxmlformats.org/presentationml/2006/main">
+  <p:cSld>
+    <p:spTree>
+      <p:nvGrpSpPr>
+        <p:cNvPr id="1" name=""/>
+        <p:cNvGrpSpPr/>
+        <p:nvPr/>
+      </p:nvGrpSpPr>
+      <p:grpSpPr>
+        <a:xfrm>
+          <a:off x="0" y="0"/>
+          <a:ext cx="0" cy="0"/>
+          <a:chOff x="0" y="0"/>
+          <a:chExt cx="0" cy="0"/>
+        </a:xfrm>
+      </p:grpSpPr>
+      <p:sp>
+        <p:nvSpPr>
+          <p:cNvPr id="2" name="內容版面配置區 1">
+            <a:extLst>
+              <a:ext uri="{FF2B5EF4-FFF2-40B4-BE49-F238E27FC236}">
+                <a16:creationId xmlns:a16="http://schemas.microsoft.com/office/drawing/2014/main" id="{660B9AC9-14CF-4100-82E1-75E6F9EFB328}"/>
+              </a:ext>
+            </a:extLst>
+          </p:cNvPr>
+          <p:cNvSpPr>
+            <a:spLocks noGrp="1"/>
+          </p:cNvSpPr>
+          <p:nvPr>
+            <p:ph sz="quarter" idx="12"/>
+          </p:nvPr>
+        </p:nvSpPr>
+        <p:spPr/>
+        <p:txBody>
+          <a:bodyPr/>
+          <a:lstStyle/>
+          <a:p>
+            <a:r>
+              <a:rPr lang="zh-TW" altLang="zh-TW" sz="1800" kern="1200" baseline="0" dirty="0">
+                <a:solidFill>
+                  <a:srgbClr val="000000"/>
+                </a:solidFill>
+                <a:effectLst/>
+                <a:latin typeface="Times New Roman" panose="02020603050405020304" pitchFamily="18" charset="0"/>
+                <a:ea typeface="標楷體" panose="03000509000000000000" pitchFamily="65" charset="-120"/>
+                <a:cs typeface="+mn-cs"/>
+              </a:rPr>
+              <a:t>課程相關所有範例：</a:t>
+            </a:r>
+            <a:r>
+              <a:rPr lang="en-US" altLang="zh-TW" sz="1800" kern="1200" baseline="0" dirty="0">
+                <a:solidFill>
+                  <a:srgbClr val="000000"/>
+                </a:solidFill>
+                <a:effectLst/>
+                <a:latin typeface="Times New Roman" panose="02020603050405020304" pitchFamily="18" charset="0"/>
+                <a:ea typeface="標楷體" panose="03000509000000000000" pitchFamily="65" charset="-120"/>
+                <a:cs typeface="+mn-cs"/>
+              </a:rPr>
+              <a:t>https://github.com/kcwc1029/blog-web.git</a:t>
+            </a:r>
+            <a:endParaRPr lang="zh-TW" altLang="zh-TW" sz="1800">
+              <a:effectLst/>
+            </a:endParaRPr>
+          </a:p>
+          <a:p>
+            <a:endParaRPr lang="zh-TW" altLang="en-US"/>
+          </a:p>
+        </p:txBody>
+      </p:sp>
+      <p:sp>
+        <p:nvSpPr>
+          <p:cNvPr id="3" name="標題 2">
+            <a:extLst>
+              <a:ext uri="{FF2B5EF4-FFF2-40B4-BE49-F238E27FC236}">
+                <a16:creationId xmlns:a16="http://schemas.microsoft.com/office/drawing/2014/main" id="{CDA9C043-C5BA-43C3-9169-52E7D89B06D2}"/>
+              </a:ext>
+            </a:extLst>
+          </p:cNvPr>
+          <p:cNvSpPr>
+            <a:spLocks noGrp="1"/>
+          </p:cNvSpPr>
+          <p:nvPr>
+            <p:ph type="title"/>
+          </p:nvPr>
+        </p:nvSpPr>
+        <p:spPr/>
+        <p:txBody>
+          <a:bodyPr>
+            <a:normAutofit fontScale="90000"/>
+          </a:bodyPr>
+          <a:lstStyle/>
+          <a:p>
+            <a:r>
+              <a:rPr lang="en-US" altLang="zh-TW" dirty="0"/>
+              <a:t>Note</a:t>
+            </a:r>
+            <a:endParaRPr lang="zh-TW" altLang="en-US" dirty="0"/>
+          </a:p>
+        </p:txBody>
+      </p:sp>
+      <p:sp>
+        <p:nvSpPr>
+          <p:cNvPr id="4" name="文字版面配置區 3">
+            <a:extLst>
+              <a:ext uri="{FF2B5EF4-FFF2-40B4-BE49-F238E27FC236}">
+                <a16:creationId xmlns:a16="http://schemas.microsoft.com/office/drawing/2014/main" id="{E92B9B17-BE2F-4303-8686-8D12C108BA01}"/>
+              </a:ext>
+            </a:extLst>
+          </p:cNvPr>
+          <p:cNvSpPr>
+            <a:spLocks noGrp="1"/>
+          </p:cNvSpPr>
+          <p:nvPr>
+            <p:ph type="body" sz="quarter" idx="11"/>
+          </p:nvPr>
+        </p:nvSpPr>
+        <p:spPr/>
+        <p:txBody>
+          <a:bodyPr/>
+          <a:lstStyle/>
+          <a:p>
+            <a:endParaRPr lang="zh-TW" altLang="en-US"/>
+          </a:p>
+        </p:txBody>
+      </p:sp>
+    </p:spTree>
+    <p:extLst>
+      <p:ext uri="{BB962C8B-B14F-4D97-AF65-F5344CB8AC3E}">
+        <p14:creationId xmlns:p14="http://schemas.microsoft.com/office/powerpoint/2010/main" val="2269411448"/>
+      </p:ext>
+    </p:extLst>
+  </p:cSld>
+  <p:clrMapOvr>
+    <a:masterClrMapping/>
+  </p:clrMapOvr>
+</p:sld>
+</file>
+
+<file path=ppt/slides/slide20.xml><?xml version="1.0" encoding="utf-8"?>
 <p:sld xmlns:a="http://schemas.openxmlformats.org/drawingml/2006/main" xmlns:r="http://schemas.openxmlformats.org/officeDocument/2006/relationships" xmlns:p="http://schemas.openxmlformats.org/presentationml/2006/main">
   <p:cSld>
     <p:spTree>
@@ -5519,208 +5927,7 @@
 </p:sld>
 </file>
 
-<file path=ppt/slides/slide2.xml><?xml version="1.0" encoding="utf-8"?>
-<p:sld xmlns:a="http://schemas.openxmlformats.org/drawingml/2006/main" xmlns:r="http://schemas.openxmlformats.org/officeDocument/2006/relationships" xmlns:p="http://schemas.openxmlformats.org/presentationml/2006/main">
-  <p:cSld>
-    <p:spTree>
-      <p:nvGrpSpPr>
-        <p:cNvPr id="1" name=""/>
-        <p:cNvGrpSpPr/>
-        <p:nvPr/>
-      </p:nvGrpSpPr>
-      <p:grpSpPr>
-        <a:xfrm>
-          <a:off x="0" y="0"/>
-          <a:ext cx="0" cy="0"/>
-          <a:chOff x="0" y="0"/>
-          <a:chExt cx="0" cy="0"/>
-        </a:xfrm>
-      </p:grpSpPr>
-      <p:sp>
-        <p:nvSpPr>
-          <p:cNvPr id="2" name="內容版面配置區 1">
-            <a:extLst>
-              <a:ext uri="{FF2B5EF4-FFF2-40B4-BE49-F238E27FC236}">
-                <a16:creationId xmlns:a16="http://schemas.microsoft.com/office/drawing/2014/main" id="{CAB02D1E-7BD8-4F6B-9554-E557A760DB91}"/>
-              </a:ext>
-            </a:extLst>
-          </p:cNvPr>
-          <p:cNvSpPr>
-            <a:spLocks noGrp="1"/>
-          </p:cNvSpPr>
-          <p:nvPr>
-            <p:ph sz="quarter" idx="12"/>
-          </p:nvPr>
-        </p:nvSpPr>
-        <p:spPr/>
-        <p:txBody>
-          <a:bodyPr/>
-          <a:lstStyle/>
-          <a:p>
-            <a:r>
-              <a:rPr lang="en-US" altLang="zh-TW" dirty="0"/>
-              <a:t>JavaScript</a:t>
-            </a:r>
-            <a:r>
-              <a:rPr lang="zh-TW" altLang="en-US" dirty="0"/>
-              <a:t>是一種應用廣泛的瀏覽器端</a:t>
-            </a:r>
-            <a:r>
-              <a:rPr lang="en-US" altLang="zh-TW" dirty="0"/>
-              <a:t>Script</a:t>
-            </a:r>
-            <a:r>
-              <a:rPr lang="zh-TW" altLang="en-US" dirty="0"/>
-              <a:t>，瀏覽器大多內建</a:t>
-            </a:r>
-            <a:r>
-              <a:rPr lang="en-US" altLang="zh-TW" dirty="0"/>
-              <a:t>JavaScript</a:t>
-            </a:r>
-            <a:r>
-              <a:rPr lang="zh-TW" altLang="en-US" dirty="0"/>
-              <a:t>直譯器。</a:t>
-            </a:r>
-          </a:p>
-          <a:p>
-            <a:r>
-              <a:rPr lang="en-US" altLang="zh-TW" dirty="0"/>
-              <a:t>JavaScript</a:t>
-            </a:r>
-            <a:r>
-              <a:rPr lang="zh-TW" altLang="en-US" dirty="0"/>
-              <a:t>和</a:t>
-            </a:r>
-            <a:r>
-              <a:rPr lang="en-US" altLang="zh-TW" dirty="0"/>
-              <a:t>HTML</a:t>
-            </a:r>
-            <a:r>
-              <a:rPr lang="zh-TW" altLang="en-US" dirty="0"/>
-              <a:t>、</a:t>
-            </a:r>
-            <a:r>
-              <a:rPr lang="en-US" altLang="zh-TW" dirty="0"/>
-              <a:t>CSS</a:t>
-            </a:r>
-            <a:r>
-              <a:rPr lang="zh-TW" altLang="en-US" dirty="0"/>
-              <a:t>都是網頁設計的核心技術，其中</a:t>
-            </a:r>
-            <a:r>
-              <a:rPr lang="en-US" altLang="zh-TW" dirty="0"/>
-              <a:t>JavaScript</a:t>
-            </a:r>
-            <a:r>
-              <a:rPr lang="zh-TW" altLang="en-US" dirty="0"/>
-              <a:t>用來定義網頁的行為，</a:t>
-            </a:r>
-            <a:endParaRPr lang="en-US" altLang="zh-TW" dirty="0"/>
-          </a:p>
-          <a:p>
-            <a:pPr lvl="1"/>
-            <a:r>
-              <a:rPr lang="zh-TW" altLang="en-US" dirty="0"/>
-              <a:t>例如即時更新地圖、輪播圖片等。</a:t>
-            </a:r>
-          </a:p>
-          <a:p>
-            <a:endParaRPr lang="zh-TW" altLang="en-US" dirty="0"/>
-          </a:p>
-        </p:txBody>
-      </p:sp>
-      <p:sp>
-        <p:nvSpPr>
-          <p:cNvPr id="3" name="標題 2">
-            <a:extLst>
-              <a:ext uri="{FF2B5EF4-FFF2-40B4-BE49-F238E27FC236}">
-                <a16:creationId xmlns:a16="http://schemas.microsoft.com/office/drawing/2014/main" id="{E1906EBC-8F23-4FE4-9FFB-1B515CAEF424}"/>
-              </a:ext>
-            </a:extLst>
-          </p:cNvPr>
-          <p:cNvSpPr>
-            <a:spLocks noGrp="1"/>
-          </p:cNvSpPr>
-          <p:nvPr>
-            <p:ph type="title"/>
-          </p:nvPr>
-        </p:nvSpPr>
-        <p:spPr/>
-        <p:txBody>
-          <a:bodyPr>
-            <a:normAutofit fontScale="90000"/>
-          </a:bodyPr>
-          <a:lstStyle/>
-          <a:p>
-            <a:r>
-              <a:rPr lang="en-US" altLang="zh-TW" sz="6000" dirty="0">
-                <a:solidFill>
-                  <a:srgbClr val="FFFFFF"/>
-                </a:solidFill>
-                <a:latin typeface="Times New Roman" panose="02020603050405020304" pitchFamily="18" charset="0"/>
-                <a:ea typeface="標楷體" panose="03000509000000000000" pitchFamily="65" charset="-120"/>
-                <a:cs typeface="Times New Roman" panose="02020603050405020304" pitchFamily="18" charset="0"/>
-                <a:sym typeface="王漢宗顏楷體"/>
-              </a:rPr>
-              <a:t>JavaScript</a:t>
-            </a:r>
-            <a:r>
-              <a:rPr lang="zh-TW" altLang="en-US" sz="6000" dirty="0">
-                <a:solidFill>
-                  <a:srgbClr val="FFFFFF"/>
-                </a:solidFill>
-                <a:latin typeface="Times New Roman" panose="02020603050405020304" pitchFamily="18" charset="0"/>
-                <a:ea typeface="標楷體" panose="03000509000000000000" pitchFamily="65" charset="-120"/>
-                <a:cs typeface="Times New Roman" panose="02020603050405020304" pitchFamily="18" charset="0"/>
-                <a:sym typeface="王漢宗顏楷體"/>
-              </a:rPr>
-              <a:t>是甚麼</a:t>
-            </a:r>
-            <a:endParaRPr lang="zh-TW" altLang="en-US" dirty="0"/>
-          </a:p>
-        </p:txBody>
-      </p:sp>
-      <p:sp>
-        <p:nvSpPr>
-          <p:cNvPr id="4" name="文字版面配置區 3">
-            <a:extLst>
-              <a:ext uri="{FF2B5EF4-FFF2-40B4-BE49-F238E27FC236}">
-                <a16:creationId xmlns:a16="http://schemas.microsoft.com/office/drawing/2014/main" id="{7D6AAC23-DDD4-4234-B609-A6D8C63245EB}"/>
-              </a:ext>
-            </a:extLst>
-          </p:cNvPr>
-          <p:cNvSpPr>
-            <a:spLocks noGrp="1"/>
-          </p:cNvSpPr>
-          <p:nvPr>
-            <p:ph type="body" sz="quarter" idx="11"/>
-          </p:nvPr>
-        </p:nvSpPr>
-        <p:spPr/>
-        <p:txBody>
-          <a:bodyPr>
-            <a:normAutofit lnSpcReduction="10000"/>
-          </a:bodyPr>
-          <a:lstStyle/>
-          <a:p>
-            <a:endParaRPr lang="zh-TW" altLang="en-US"/>
-          </a:p>
-        </p:txBody>
-      </p:sp>
-    </p:spTree>
-    <p:extLst>
-      <p:ext uri="{BB962C8B-B14F-4D97-AF65-F5344CB8AC3E}">
-        <p14:creationId xmlns:p14="http://schemas.microsoft.com/office/powerpoint/2010/main" val="1719144651"/>
-      </p:ext>
-    </p:extLst>
-  </p:cSld>
-  <p:clrMapOvr>
-    <a:masterClrMapping/>
-  </p:clrMapOvr>
-</p:sld>
-</file>
-
-<file path=ppt/slides/slide20.xml><?xml version="1.0" encoding="utf-8"?>
+<file path=ppt/slides/slide21.xml><?xml version="1.0" encoding="utf-8"?>
 <p:sld xmlns:a="http://schemas.openxmlformats.org/drawingml/2006/main" xmlns:r="http://schemas.openxmlformats.org/officeDocument/2006/relationships" xmlns:p="http://schemas.openxmlformats.org/presentationml/2006/main">
   <p:cSld>
     <p:spTree>
@@ -6127,7 +6334,7 @@
 </p:sld>
 </file>
 
-<file path=ppt/slides/slide21.xml><?xml version="1.0" encoding="utf-8"?>
+<file path=ppt/slides/slide22.xml><?xml version="1.0" encoding="utf-8"?>
 <p:sld xmlns:a="http://schemas.openxmlformats.org/drawingml/2006/main" xmlns:r="http://schemas.openxmlformats.org/officeDocument/2006/relationships" xmlns:p="http://schemas.openxmlformats.org/presentationml/2006/main">
   <p:cSld>
     <p:spTree>
@@ -6302,7 +6509,7 @@
 </p:sld>
 </file>
 
-<file path=ppt/slides/slide22.xml><?xml version="1.0" encoding="utf-8"?>
+<file path=ppt/slides/slide23.xml><?xml version="1.0" encoding="utf-8"?>
 <p:sld xmlns:a="http://schemas.openxmlformats.org/drawingml/2006/main" xmlns:r="http://schemas.openxmlformats.org/officeDocument/2006/relationships" xmlns:p="http://schemas.openxmlformats.org/presentationml/2006/main">
   <p:cSld>
     <p:spTree>
@@ -6447,7 +6654,7 @@
 </p:sld>
 </file>
 
-<file path=ppt/slides/slide23.xml><?xml version="1.0" encoding="utf-8"?>
+<file path=ppt/slides/slide24.xml><?xml version="1.0" encoding="utf-8"?>
 <p:sld xmlns:a="http://schemas.openxmlformats.org/drawingml/2006/main" xmlns:r="http://schemas.openxmlformats.org/officeDocument/2006/relationships" xmlns:p="http://schemas.openxmlformats.org/presentationml/2006/main">
   <p:cSld>
     <p:spTree>
@@ -6592,7 +6799,7 @@
 </p:sld>
 </file>
 
-<file path=ppt/slides/slide24.xml><?xml version="1.0" encoding="utf-8"?>
+<file path=ppt/slides/slide25.xml><?xml version="1.0" encoding="utf-8"?>
 <p:sld xmlns:a="http://schemas.openxmlformats.org/drawingml/2006/main" xmlns:r="http://schemas.openxmlformats.org/officeDocument/2006/relationships" xmlns:p="http://schemas.openxmlformats.org/presentationml/2006/main">
   <p:cSld>
     <p:spTree>
@@ -6767,7 +6974,7 @@
 </p:sld>
 </file>
 
-<file path=ppt/slides/slide25.xml><?xml version="1.0" encoding="utf-8"?>
+<file path=ppt/slides/slide26.xml><?xml version="1.0" encoding="utf-8"?>
 <p:sld xmlns:a="http://schemas.openxmlformats.org/drawingml/2006/main" xmlns:r="http://schemas.openxmlformats.org/officeDocument/2006/relationships" xmlns:p="http://schemas.openxmlformats.org/presentationml/2006/main">
   <p:cSld>
     <p:spTree>
@@ -7002,7 +7209,7 @@
 </p:sld>
 </file>
 
-<file path=ppt/slides/slide26.xml><?xml version="1.0" encoding="utf-8"?>
+<file path=ppt/slides/slide27.xml><?xml version="1.0" encoding="utf-8"?>
 <p:sld xmlns:a="http://schemas.openxmlformats.org/drawingml/2006/main" xmlns:r="http://schemas.openxmlformats.org/officeDocument/2006/relationships" xmlns:p="http://schemas.openxmlformats.org/presentationml/2006/main">
   <p:cSld>
     <p:spTree>
@@ -7240,7 +7447,7 @@
 </p:sld>
 </file>
 
-<file path=ppt/slides/slide27.xml><?xml version="1.0" encoding="utf-8"?>
+<file path=ppt/slides/slide28.xml><?xml version="1.0" encoding="utf-8"?>
 <p:sld xmlns:a="http://schemas.openxmlformats.org/drawingml/2006/main" xmlns:r="http://schemas.openxmlformats.org/officeDocument/2006/relationships" xmlns:p="http://schemas.openxmlformats.org/presentationml/2006/main">
   <p:cSld>
     <p:spTree>
@@ -7431,7 +7638,7 @@
 </p:sld>
 </file>
 
-<file path=ppt/slides/slide28.xml><?xml version="1.0" encoding="utf-8"?>
+<file path=ppt/slides/slide29.xml><?xml version="1.0" encoding="utf-8"?>
 <p:sld xmlns:a="http://schemas.openxmlformats.org/drawingml/2006/main" xmlns:r="http://schemas.openxmlformats.org/officeDocument/2006/relationships" xmlns:p="http://schemas.openxmlformats.org/presentationml/2006/main">
   <p:cSld>
     <p:spTree>
@@ -7692,7 +7899,208 @@
 </p:sld>
 </file>
 
-<file path=ppt/slides/slide29.xml><?xml version="1.0" encoding="utf-8"?>
+<file path=ppt/slides/slide3.xml><?xml version="1.0" encoding="utf-8"?>
+<p:sld xmlns:a="http://schemas.openxmlformats.org/drawingml/2006/main" xmlns:r="http://schemas.openxmlformats.org/officeDocument/2006/relationships" xmlns:p="http://schemas.openxmlformats.org/presentationml/2006/main">
+  <p:cSld>
+    <p:spTree>
+      <p:nvGrpSpPr>
+        <p:cNvPr id="1" name=""/>
+        <p:cNvGrpSpPr/>
+        <p:nvPr/>
+      </p:nvGrpSpPr>
+      <p:grpSpPr>
+        <a:xfrm>
+          <a:off x="0" y="0"/>
+          <a:ext cx="0" cy="0"/>
+          <a:chOff x="0" y="0"/>
+          <a:chExt cx="0" cy="0"/>
+        </a:xfrm>
+      </p:grpSpPr>
+      <p:sp>
+        <p:nvSpPr>
+          <p:cNvPr id="2" name="內容版面配置區 1">
+            <a:extLst>
+              <a:ext uri="{FF2B5EF4-FFF2-40B4-BE49-F238E27FC236}">
+                <a16:creationId xmlns:a16="http://schemas.microsoft.com/office/drawing/2014/main" id="{CAB02D1E-7BD8-4F6B-9554-E557A760DB91}"/>
+              </a:ext>
+            </a:extLst>
+          </p:cNvPr>
+          <p:cNvSpPr>
+            <a:spLocks noGrp="1"/>
+          </p:cNvSpPr>
+          <p:nvPr>
+            <p:ph sz="quarter" idx="12"/>
+          </p:nvPr>
+        </p:nvSpPr>
+        <p:spPr/>
+        <p:txBody>
+          <a:bodyPr/>
+          <a:lstStyle/>
+          <a:p>
+            <a:r>
+              <a:rPr lang="en-US" altLang="zh-TW" dirty="0"/>
+              <a:t>JavaScript</a:t>
+            </a:r>
+            <a:r>
+              <a:rPr lang="zh-TW" altLang="en-US" dirty="0"/>
+              <a:t>是一種應用廣泛的瀏覽器端</a:t>
+            </a:r>
+            <a:r>
+              <a:rPr lang="en-US" altLang="zh-TW" dirty="0"/>
+              <a:t>Script</a:t>
+            </a:r>
+            <a:r>
+              <a:rPr lang="zh-TW" altLang="en-US" dirty="0"/>
+              <a:t>，瀏覽器大多內建</a:t>
+            </a:r>
+            <a:r>
+              <a:rPr lang="en-US" altLang="zh-TW" dirty="0"/>
+              <a:t>JavaScript</a:t>
+            </a:r>
+            <a:r>
+              <a:rPr lang="zh-TW" altLang="en-US" dirty="0"/>
+              <a:t>直譯器。</a:t>
+            </a:r>
+          </a:p>
+          <a:p>
+            <a:r>
+              <a:rPr lang="en-US" altLang="zh-TW" dirty="0"/>
+              <a:t>JavaScript</a:t>
+            </a:r>
+            <a:r>
+              <a:rPr lang="zh-TW" altLang="en-US" dirty="0"/>
+              <a:t>和</a:t>
+            </a:r>
+            <a:r>
+              <a:rPr lang="en-US" altLang="zh-TW" dirty="0"/>
+              <a:t>HTML</a:t>
+            </a:r>
+            <a:r>
+              <a:rPr lang="zh-TW" altLang="en-US" dirty="0"/>
+              <a:t>、</a:t>
+            </a:r>
+            <a:r>
+              <a:rPr lang="en-US" altLang="zh-TW" dirty="0"/>
+              <a:t>CSS</a:t>
+            </a:r>
+            <a:r>
+              <a:rPr lang="zh-TW" altLang="en-US" dirty="0"/>
+              <a:t>都是網頁設計的核心技術，其中</a:t>
+            </a:r>
+            <a:r>
+              <a:rPr lang="en-US" altLang="zh-TW" dirty="0"/>
+              <a:t>JavaScript</a:t>
+            </a:r>
+            <a:r>
+              <a:rPr lang="zh-TW" altLang="en-US" dirty="0"/>
+              <a:t>用來定義網頁的行為，</a:t>
+            </a:r>
+            <a:endParaRPr lang="en-US" altLang="zh-TW" dirty="0"/>
+          </a:p>
+          <a:p>
+            <a:pPr lvl="1"/>
+            <a:r>
+              <a:rPr lang="zh-TW" altLang="en-US" dirty="0"/>
+              <a:t>例如即時更新地圖、輪播圖片等。</a:t>
+            </a:r>
+          </a:p>
+          <a:p>
+            <a:endParaRPr lang="zh-TW" altLang="en-US" dirty="0"/>
+          </a:p>
+        </p:txBody>
+      </p:sp>
+      <p:sp>
+        <p:nvSpPr>
+          <p:cNvPr id="3" name="標題 2">
+            <a:extLst>
+              <a:ext uri="{FF2B5EF4-FFF2-40B4-BE49-F238E27FC236}">
+                <a16:creationId xmlns:a16="http://schemas.microsoft.com/office/drawing/2014/main" id="{E1906EBC-8F23-4FE4-9FFB-1B515CAEF424}"/>
+              </a:ext>
+            </a:extLst>
+          </p:cNvPr>
+          <p:cNvSpPr>
+            <a:spLocks noGrp="1"/>
+          </p:cNvSpPr>
+          <p:nvPr>
+            <p:ph type="title"/>
+          </p:nvPr>
+        </p:nvSpPr>
+        <p:spPr/>
+        <p:txBody>
+          <a:bodyPr>
+            <a:normAutofit fontScale="90000"/>
+          </a:bodyPr>
+          <a:lstStyle/>
+          <a:p>
+            <a:r>
+              <a:rPr lang="en-US" altLang="zh-TW" sz="6000" dirty="0">
+                <a:solidFill>
+                  <a:srgbClr val="FFFFFF"/>
+                </a:solidFill>
+                <a:latin typeface="Times New Roman" panose="02020603050405020304" pitchFamily="18" charset="0"/>
+                <a:ea typeface="標楷體" panose="03000509000000000000" pitchFamily="65" charset="-120"/>
+                <a:cs typeface="Times New Roman" panose="02020603050405020304" pitchFamily="18" charset="0"/>
+                <a:sym typeface="王漢宗顏楷體"/>
+              </a:rPr>
+              <a:t>JavaScript</a:t>
+            </a:r>
+            <a:r>
+              <a:rPr lang="zh-TW" altLang="en-US" sz="6000" dirty="0">
+                <a:solidFill>
+                  <a:srgbClr val="FFFFFF"/>
+                </a:solidFill>
+                <a:latin typeface="Times New Roman" panose="02020603050405020304" pitchFamily="18" charset="0"/>
+                <a:ea typeface="標楷體" panose="03000509000000000000" pitchFamily="65" charset="-120"/>
+                <a:cs typeface="Times New Roman" panose="02020603050405020304" pitchFamily="18" charset="0"/>
+                <a:sym typeface="王漢宗顏楷體"/>
+              </a:rPr>
+              <a:t>是甚麼</a:t>
+            </a:r>
+            <a:endParaRPr lang="zh-TW" altLang="en-US" dirty="0"/>
+          </a:p>
+        </p:txBody>
+      </p:sp>
+      <p:sp>
+        <p:nvSpPr>
+          <p:cNvPr id="4" name="文字版面配置區 3">
+            <a:extLst>
+              <a:ext uri="{FF2B5EF4-FFF2-40B4-BE49-F238E27FC236}">
+                <a16:creationId xmlns:a16="http://schemas.microsoft.com/office/drawing/2014/main" id="{7D6AAC23-DDD4-4234-B609-A6D8C63245EB}"/>
+              </a:ext>
+            </a:extLst>
+          </p:cNvPr>
+          <p:cNvSpPr>
+            <a:spLocks noGrp="1"/>
+          </p:cNvSpPr>
+          <p:nvPr>
+            <p:ph type="body" sz="quarter" idx="11"/>
+          </p:nvPr>
+        </p:nvSpPr>
+        <p:spPr/>
+        <p:txBody>
+          <a:bodyPr>
+            <a:normAutofit lnSpcReduction="10000"/>
+          </a:bodyPr>
+          <a:lstStyle/>
+          <a:p>
+            <a:endParaRPr lang="zh-TW" altLang="en-US"/>
+          </a:p>
+        </p:txBody>
+      </p:sp>
+    </p:spTree>
+    <p:extLst>
+      <p:ext uri="{BB962C8B-B14F-4D97-AF65-F5344CB8AC3E}">
+        <p14:creationId xmlns:p14="http://schemas.microsoft.com/office/powerpoint/2010/main" val="1719144651"/>
+      </p:ext>
+    </p:extLst>
+  </p:cSld>
+  <p:clrMapOvr>
+    <a:masterClrMapping/>
+  </p:clrMapOvr>
+</p:sld>
+</file>
+
+<file path=ppt/slides/slide30.xml><?xml version="1.0" encoding="utf-8"?>
 <p:sld xmlns:a="http://schemas.openxmlformats.org/drawingml/2006/main" xmlns:r="http://schemas.openxmlformats.org/officeDocument/2006/relationships" xmlns:p="http://schemas.openxmlformats.org/presentationml/2006/main">
   <p:cSld>
     <p:spTree>
@@ -7921,7 +8329,2810 @@
 </p:sld>
 </file>
 
-<file path=ppt/slides/slide3.xml><?xml version="1.0" encoding="utf-8"?>
+<file path=ppt/slides/slide31.xml><?xml version="1.0" encoding="utf-8"?>
+<p:sld xmlns:a="http://schemas.openxmlformats.org/drawingml/2006/main" xmlns:r="http://schemas.openxmlformats.org/officeDocument/2006/relationships" xmlns:p="http://schemas.openxmlformats.org/presentationml/2006/main">
+  <p:cSld>
+    <p:spTree>
+      <p:nvGrpSpPr>
+        <p:cNvPr id="1" name=""/>
+        <p:cNvGrpSpPr/>
+        <p:nvPr/>
+      </p:nvGrpSpPr>
+      <p:grpSpPr>
+        <a:xfrm>
+          <a:off x="0" y="0"/>
+          <a:ext cx="0" cy="0"/>
+          <a:chOff x="0" y="0"/>
+          <a:chExt cx="0" cy="0"/>
+        </a:xfrm>
+      </p:grpSpPr>
+      <p:sp>
+        <p:nvSpPr>
+          <p:cNvPr id="2" name="內容版面配置區 1">
+            <a:extLst>
+              <a:ext uri="{FF2B5EF4-FFF2-40B4-BE49-F238E27FC236}">
+                <a16:creationId xmlns:a16="http://schemas.microsoft.com/office/drawing/2014/main" id="{802C0A02-2C75-4047-AD2D-1172F37A2AE6}"/>
+              </a:ext>
+            </a:extLst>
+          </p:cNvPr>
+          <p:cNvSpPr>
+            <a:spLocks noGrp="1"/>
+          </p:cNvSpPr>
+          <p:nvPr>
+            <p:ph sz="quarter" idx="12"/>
+          </p:nvPr>
+        </p:nvSpPr>
+        <p:spPr>
+          <a:xfrm>
+            <a:off x="0" y="973384"/>
+            <a:ext cx="4903694" cy="5038725"/>
+          </a:xfrm>
+        </p:spPr>
+        <p:txBody>
+          <a:bodyPr/>
+          <a:lstStyle/>
+          <a:p>
+            <a:r>
+              <a:rPr lang="zh-TW" altLang="en-US" sz="1800" dirty="0">
+                <a:latin typeface="Times New Roman" panose="02020603050405020304" pitchFamily="18" charset="0"/>
+                <a:ea typeface="標楷體" panose="03000509000000000000" pitchFamily="65" charset="-120"/>
+                <a:cs typeface="王漢宗顏楷體"/>
+                <a:sym typeface="王漢宗顏楷體"/>
+              </a:rPr>
+              <a:t>原型鏈 </a:t>
+            </a:r>
+            <a:r>
+              <a:rPr lang="en-US" altLang="zh-TW" sz="1800" dirty="0">
+                <a:latin typeface="Times New Roman" panose="02020603050405020304" pitchFamily="18" charset="0"/>
+                <a:ea typeface="標楷體" panose="03000509000000000000" pitchFamily="65" charset="-120"/>
+                <a:cs typeface="王漢宗顏楷體"/>
+                <a:sym typeface="王漢宗顏楷體"/>
+              </a:rPr>
+              <a:t>(Prototype Chain)</a:t>
+            </a:r>
+          </a:p>
+          <a:p>
+            <a:pPr lvl="1"/>
+            <a:r>
+              <a:rPr lang="zh-TW" altLang="en-US" dirty="0"/>
+              <a:t>當你嘗試訪問物件的某個屬性或方法時，</a:t>
+            </a:r>
+            <a:r>
+              <a:rPr lang="en-US" altLang="zh-TW" dirty="0"/>
+              <a:t>JavaScript </a:t>
+            </a:r>
+            <a:r>
+              <a:rPr lang="zh-TW" altLang="en-US" dirty="0"/>
+              <a:t>會沿著原型鏈查找。</a:t>
+            </a:r>
+          </a:p>
+          <a:p>
+            <a:pPr lvl="1"/>
+            <a:r>
+              <a:rPr lang="zh-TW" altLang="en-US" dirty="0"/>
+              <a:t>如果物件本身沒有該屬性或方法，</a:t>
+            </a:r>
+            <a:r>
+              <a:rPr lang="en-US" altLang="zh-TW" dirty="0"/>
+              <a:t>JavaScript </a:t>
+            </a:r>
+            <a:r>
+              <a:rPr lang="zh-TW" altLang="en-US" dirty="0"/>
+              <a:t>會查看物件的原型，依此類推，直到 </a:t>
+            </a:r>
+            <a:r>
+              <a:rPr lang="en-US" altLang="zh-TW" dirty="0"/>
+              <a:t>null </a:t>
+            </a:r>
+            <a:r>
+              <a:rPr lang="zh-TW" altLang="en-US" dirty="0"/>
+              <a:t>終止。</a:t>
+            </a:r>
+          </a:p>
+        </p:txBody>
+      </p:sp>
+      <p:sp>
+        <p:nvSpPr>
+          <p:cNvPr id="3" name="標題 2">
+            <a:extLst>
+              <a:ext uri="{FF2B5EF4-FFF2-40B4-BE49-F238E27FC236}">
+                <a16:creationId xmlns:a16="http://schemas.microsoft.com/office/drawing/2014/main" id="{735162D7-DC09-4C97-8788-D34DA27A7FE9}"/>
+              </a:ext>
+            </a:extLst>
+          </p:cNvPr>
+          <p:cNvSpPr>
+            <a:spLocks noGrp="1"/>
+          </p:cNvSpPr>
+          <p:nvPr>
+            <p:ph type="title"/>
+          </p:nvPr>
+        </p:nvSpPr>
+        <p:spPr/>
+        <p:txBody>
+          <a:bodyPr>
+            <a:normAutofit fontScale="90000"/>
+          </a:bodyPr>
+          <a:lstStyle/>
+          <a:p>
+            <a:r>
+              <a:rPr lang="en-US" altLang="zh-TW" dirty="0"/>
+              <a:t>Prototype</a:t>
+            </a:r>
+            <a:endParaRPr lang="zh-TW" altLang="en-US" dirty="0"/>
+          </a:p>
+        </p:txBody>
+      </p:sp>
+      <p:sp>
+        <p:nvSpPr>
+          <p:cNvPr id="4" name="文字版面配置區 3">
+            <a:extLst>
+              <a:ext uri="{FF2B5EF4-FFF2-40B4-BE49-F238E27FC236}">
+                <a16:creationId xmlns:a16="http://schemas.microsoft.com/office/drawing/2014/main" id="{04276CA9-1A5B-45AF-9188-BD92D1B6607D}"/>
+              </a:ext>
+            </a:extLst>
+          </p:cNvPr>
+          <p:cNvSpPr>
+            <a:spLocks noGrp="1"/>
+          </p:cNvSpPr>
+          <p:nvPr>
+            <p:ph type="body" sz="quarter" idx="11"/>
+          </p:nvPr>
+        </p:nvSpPr>
+        <p:spPr/>
+        <p:txBody>
+          <a:bodyPr>
+            <a:normAutofit lnSpcReduction="10000"/>
+          </a:bodyPr>
+          <a:lstStyle/>
+          <a:p>
+            <a:endParaRPr lang="zh-TW" altLang="en-US"/>
+          </a:p>
+        </p:txBody>
+      </p:sp>
+      <p:pic>
+        <p:nvPicPr>
+          <p:cNvPr id="5" name="圖片 4">
+            <a:extLst>
+              <a:ext uri="{FF2B5EF4-FFF2-40B4-BE49-F238E27FC236}">
+                <a16:creationId xmlns:a16="http://schemas.microsoft.com/office/drawing/2014/main" id="{93C3B048-C52C-4C46-8A90-44B359D4AFBB}"/>
+              </a:ext>
+            </a:extLst>
+          </p:cNvPr>
+          <p:cNvPicPr>
+            <a:picLocks noChangeAspect="1"/>
+          </p:cNvPicPr>
+          <p:nvPr/>
+        </p:nvPicPr>
+        <p:blipFill>
+          <a:blip r:embed="rId2"/>
+          <a:stretch>
+            <a:fillRect/>
+          </a:stretch>
+        </p:blipFill>
+        <p:spPr>
+          <a:xfrm>
+            <a:off x="5094514" y="109702"/>
+            <a:ext cx="7021286" cy="6567323"/>
+          </a:xfrm>
+          <a:prstGeom prst="rect">
+            <a:avLst/>
+          </a:prstGeom>
+        </p:spPr>
+      </p:pic>
+    </p:spTree>
+    <p:extLst>
+      <p:ext uri="{BB962C8B-B14F-4D97-AF65-F5344CB8AC3E}">
+        <p14:creationId xmlns:p14="http://schemas.microsoft.com/office/powerpoint/2010/main" val="2746834290"/>
+      </p:ext>
+    </p:extLst>
+  </p:cSld>
+  <p:clrMapOvr>
+    <a:masterClrMapping/>
+  </p:clrMapOvr>
+</p:sld>
+</file>
+
+<file path=ppt/slides/slide32.xml><?xml version="1.0" encoding="utf-8"?>
+<p:sld xmlns:a="http://schemas.openxmlformats.org/drawingml/2006/main" xmlns:r="http://schemas.openxmlformats.org/officeDocument/2006/relationships" xmlns:p="http://schemas.openxmlformats.org/presentationml/2006/main">
+  <p:cSld>
+    <p:spTree>
+      <p:nvGrpSpPr>
+        <p:cNvPr id="1" name=""/>
+        <p:cNvGrpSpPr/>
+        <p:nvPr/>
+      </p:nvGrpSpPr>
+      <p:grpSpPr>
+        <a:xfrm>
+          <a:off x="0" y="0"/>
+          <a:ext cx="0" cy="0"/>
+          <a:chOff x="0" y="0"/>
+          <a:chExt cx="0" cy="0"/>
+        </a:xfrm>
+      </p:grpSpPr>
+      <p:sp>
+        <p:nvSpPr>
+          <p:cNvPr id="2" name="內容版面配置區 1">
+            <a:extLst>
+              <a:ext uri="{FF2B5EF4-FFF2-40B4-BE49-F238E27FC236}">
+                <a16:creationId xmlns:a16="http://schemas.microsoft.com/office/drawing/2014/main" id="{802C0A02-2C75-4047-AD2D-1172F37A2AE6}"/>
+              </a:ext>
+            </a:extLst>
+          </p:cNvPr>
+          <p:cNvSpPr>
+            <a:spLocks noGrp="1"/>
+          </p:cNvSpPr>
+          <p:nvPr>
+            <p:ph sz="quarter" idx="12"/>
+          </p:nvPr>
+        </p:nvSpPr>
+        <p:spPr/>
+        <p:txBody>
+          <a:bodyPr/>
+          <a:lstStyle/>
+          <a:p>
+            <a:r>
+              <a:rPr lang="zh-TW" altLang="en-US" sz="1800" dirty="0">
+                <a:latin typeface="Times New Roman" panose="02020603050405020304" pitchFamily="18" charset="0"/>
+                <a:ea typeface="標楷體" panose="03000509000000000000" pitchFamily="65" charset="-120"/>
+                <a:cs typeface="王漢宗顏楷體"/>
+                <a:sym typeface="王漢宗顏楷體"/>
+              </a:rPr>
+              <a:t>執行環境的生命週期：可以分為兩階段</a:t>
+            </a:r>
+            <a:endParaRPr lang="en-US" altLang="zh-TW" sz="1800" dirty="0">
+              <a:latin typeface="Times New Roman" panose="02020603050405020304" pitchFamily="18" charset="0"/>
+              <a:ea typeface="標楷體" panose="03000509000000000000" pitchFamily="65" charset="-120"/>
+              <a:cs typeface="王漢宗顏楷體"/>
+              <a:sym typeface="王漢宗顏楷體"/>
+            </a:endParaRPr>
+          </a:p>
+          <a:p>
+            <a:r>
+              <a:rPr lang="zh-TW" altLang="en-US" dirty="0"/>
+              <a:t>創造階段 </a:t>
+            </a:r>
+            <a:r>
+              <a:rPr lang="en-US" altLang="zh-TW" dirty="0"/>
+              <a:t>(Creation Phase)</a:t>
+            </a:r>
+            <a:r>
+              <a:rPr lang="zh-TW" altLang="en-US" dirty="0"/>
+              <a:t>：</a:t>
+            </a:r>
+          </a:p>
+          <a:p>
+            <a:pPr lvl="1"/>
+            <a:r>
+              <a:rPr lang="zh-TW" altLang="en-US" dirty="0"/>
+              <a:t>分配記憶體空間給變數和函式。</a:t>
+            </a:r>
+          </a:p>
+          <a:p>
+            <a:pPr lvl="1"/>
+            <a:r>
+              <a:rPr lang="zh-TW" altLang="en-US" dirty="0"/>
+              <a:t>進行變數提升 </a:t>
+            </a:r>
+            <a:r>
+              <a:rPr lang="en-US" altLang="zh-TW" dirty="0"/>
+              <a:t>(Hoisting)</a:t>
+            </a:r>
+            <a:r>
+              <a:rPr lang="zh-TW" altLang="en-US" dirty="0"/>
+              <a:t>。    </a:t>
+            </a:r>
+          </a:p>
+          <a:p>
+            <a:pPr lvl="1"/>
+            <a:r>
+              <a:rPr lang="zh-TW" altLang="en-US" dirty="0"/>
+              <a:t>建立執行環境所需的資料結構。    </a:t>
+            </a:r>
+          </a:p>
+          <a:p>
+            <a:pPr lvl="1"/>
+            <a:r>
+              <a:rPr lang="zh-TW" altLang="en-US" dirty="0"/>
+              <a:t>將函式放入呼叫堆疊 </a:t>
+            </a:r>
+            <a:r>
+              <a:rPr lang="en-US" altLang="zh-TW" dirty="0"/>
+              <a:t>(Call Stack)</a:t>
+            </a:r>
+            <a:r>
+              <a:rPr lang="zh-TW" altLang="en-US" dirty="0"/>
+              <a:t>，等待執行。</a:t>
+            </a:r>
+          </a:p>
+          <a:p>
+            <a:r>
+              <a:rPr lang="zh-TW" altLang="en-US" dirty="0"/>
+              <a:t>執行階段 </a:t>
+            </a:r>
+            <a:r>
+              <a:rPr lang="en-US" altLang="zh-TW" dirty="0"/>
+              <a:t>(Execution Phase)</a:t>
+            </a:r>
+            <a:r>
+              <a:rPr lang="zh-TW" altLang="en-US" dirty="0"/>
+              <a:t>：</a:t>
+            </a:r>
+          </a:p>
+          <a:p>
+            <a:pPr lvl="1"/>
+            <a:r>
+              <a:rPr lang="zh-TW" altLang="en-US" dirty="0"/>
+              <a:t>逐行執行程式碼。</a:t>
+            </a:r>
+          </a:p>
+          <a:p>
+            <a:pPr lvl="1"/>
+            <a:r>
+              <a:rPr lang="zh-TW" altLang="en-US" dirty="0"/>
+              <a:t>透過 </a:t>
+            </a:r>
+            <a:r>
+              <a:rPr lang="en-US" altLang="zh-TW" dirty="0"/>
+              <a:t>`this` </a:t>
+            </a:r>
+            <a:r>
+              <a:rPr lang="zh-TW" altLang="en-US" dirty="0"/>
+              <a:t>和作用域鏈，存取所需的變數和函式。</a:t>
+            </a:r>
+          </a:p>
+          <a:p>
+            <a:pPr lvl="1"/>
+            <a:r>
+              <a:rPr lang="zh-TW" altLang="en-US" dirty="0"/>
+              <a:t>當函式執行完成或遇到 </a:t>
+            </a:r>
+            <a:r>
+              <a:rPr lang="en-US" altLang="zh-TW" dirty="0"/>
+              <a:t>`return`</a:t>
+            </a:r>
+            <a:r>
+              <a:rPr lang="zh-TW" altLang="en-US" dirty="0"/>
+              <a:t>，從堆疊中移除執行環境。</a:t>
+            </a:r>
+          </a:p>
+          <a:p>
+            <a:endParaRPr lang="zh-TW" altLang="en-US" dirty="0"/>
+          </a:p>
+        </p:txBody>
+      </p:sp>
+      <p:sp>
+        <p:nvSpPr>
+          <p:cNvPr id="3" name="標題 2">
+            <a:extLst>
+              <a:ext uri="{FF2B5EF4-FFF2-40B4-BE49-F238E27FC236}">
+                <a16:creationId xmlns:a16="http://schemas.microsoft.com/office/drawing/2014/main" id="{735162D7-DC09-4C97-8788-D34DA27A7FE9}"/>
+              </a:ext>
+            </a:extLst>
+          </p:cNvPr>
+          <p:cNvSpPr>
+            <a:spLocks noGrp="1"/>
+          </p:cNvSpPr>
+          <p:nvPr>
+            <p:ph type="title"/>
+          </p:nvPr>
+        </p:nvSpPr>
+        <p:spPr/>
+        <p:txBody>
+          <a:bodyPr>
+            <a:normAutofit fontScale="90000"/>
+          </a:bodyPr>
+          <a:lstStyle/>
+          <a:p>
+            <a:r>
+              <a:rPr lang="en-US" altLang="zh-TW" sz="6000" dirty="0">
+                <a:solidFill>
+                  <a:srgbClr val="FFFFFF"/>
+                </a:solidFill>
+                <a:latin typeface="Times New Roman" panose="02020603050405020304" pitchFamily="18" charset="0"/>
+                <a:ea typeface="標楷體" panose="03000509000000000000" pitchFamily="65" charset="-120"/>
+                <a:cs typeface="Times New Roman" panose="02020603050405020304" pitchFamily="18" charset="0"/>
+                <a:sym typeface="王漢宗顏楷體"/>
+              </a:rPr>
+              <a:t>This</a:t>
+            </a:r>
+            <a:endParaRPr lang="zh-TW" altLang="en-US" dirty="0"/>
+          </a:p>
+        </p:txBody>
+      </p:sp>
+      <p:sp>
+        <p:nvSpPr>
+          <p:cNvPr id="4" name="文字版面配置區 3">
+            <a:extLst>
+              <a:ext uri="{FF2B5EF4-FFF2-40B4-BE49-F238E27FC236}">
+                <a16:creationId xmlns:a16="http://schemas.microsoft.com/office/drawing/2014/main" id="{04276CA9-1A5B-45AF-9188-BD92D1B6607D}"/>
+              </a:ext>
+            </a:extLst>
+          </p:cNvPr>
+          <p:cNvSpPr>
+            <a:spLocks noGrp="1"/>
+          </p:cNvSpPr>
+          <p:nvPr>
+            <p:ph type="body" sz="quarter" idx="11"/>
+          </p:nvPr>
+        </p:nvSpPr>
+        <p:spPr/>
+        <p:txBody>
+          <a:bodyPr>
+            <a:normAutofit lnSpcReduction="10000"/>
+          </a:bodyPr>
+          <a:lstStyle/>
+          <a:p>
+            <a:endParaRPr lang="zh-TW" altLang="en-US"/>
+          </a:p>
+        </p:txBody>
+      </p:sp>
+    </p:spTree>
+    <p:extLst>
+      <p:ext uri="{BB962C8B-B14F-4D97-AF65-F5344CB8AC3E}">
+        <p14:creationId xmlns:p14="http://schemas.microsoft.com/office/powerpoint/2010/main" val="2520607543"/>
+      </p:ext>
+    </p:extLst>
+  </p:cSld>
+  <p:clrMapOvr>
+    <a:masterClrMapping/>
+  </p:clrMapOvr>
+</p:sld>
+</file>
+
+<file path=ppt/slides/slide33.xml><?xml version="1.0" encoding="utf-8"?>
+<p:sld xmlns:a="http://schemas.openxmlformats.org/drawingml/2006/main" xmlns:r="http://schemas.openxmlformats.org/officeDocument/2006/relationships" xmlns:p="http://schemas.openxmlformats.org/presentationml/2006/main">
+  <p:cSld>
+    <p:spTree>
+      <p:nvGrpSpPr>
+        <p:cNvPr id="1" name=""/>
+        <p:cNvGrpSpPr/>
+        <p:nvPr/>
+      </p:nvGrpSpPr>
+      <p:grpSpPr>
+        <a:xfrm>
+          <a:off x="0" y="0"/>
+          <a:ext cx="0" cy="0"/>
+          <a:chOff x="0" y="0"/>
+          <a:chExt cx="0" cy="0"/>
+        </a:xfrm>
+      </p:grpSpPr>
+      <p:sp>
+        <p:nvSpPr>
+          <p:cNvPr id="2" name="內容版面配置區 1">
+            <a:extLst>
+              <a:ext uri="{FF2B5EF4-FFF2-40B4-BE49-F238E27FC236}">
+                <a16:creationId xmlns:a16="http://schemas.microsoft.com/office/drawing/2014/main" id="{802C0A02-2C75-4047-AD2D-1172F37A2AE6}"/>
+              </a:ext>
+            </a:extLst>
+          </p:cNvPr>
+          <p:cNvSpPr>
+            <a:spLocks noGrp="1"/>
+          </p:cNvSpPr>
+          <p:nvPr>
+            <p:ph sz="quarter" idx="12"/>
+          </p:nvPr>
+        </p:nvSpPr>
+        <p:spPr/>
+        <p:txBody>
+          <a:bodyPr/>
+          <a:lstStyle/>
+          <a:p>
+            <a:r>
+              <a:rPr lang="zh-TW" altLang="en-US" dirty="0"/>
+              <a:t>接下來談</a:t>
+            </a:r>
+            <a:r>
+              <a:rPr lang="zh-TW" altLang="en-US" sz="1800" dirty="0">
+                <a:latin typeface="Times New Roman" panose="02020603050405020304" pitchFamily="18" charset="0"/>
+                <a:ea typeface="標楷體" panose="03000509000000000000" pitchFamily="65" charset="-120"/>
+                <a:cs typeface="王漢宗顏楷體"/>
+                <a:sym typeface="王漢宗顏楷體"/>
+              </a:rPr>
+              <a:t>全域、局部執行環境</a:t>
+            </a:r>
+            <a:endParaRPr lang="en-US" altLang="zh-TW" sz="1800" dirty="0">
+              <a:latin typeface="Times New Roman" panose="02020603050405020304" pitchFamily="18" charset="0"/>
+              <a:ea typeface="標楷體" panose="03000509000000000000" pitchFamily="65" charset="-120"/>
+              <a:cs typeface="王漢宗顏楷體"/>
+              <a:sym typeface="王漢宗顏楷體"/>
+            </a:endParaRPr>
+          </a:p>
+          <a:p>
+            <a:r>
+              <a:rPr lang="zh-TW" altLang="en-US" dirty="0"/>
+              <a:t>全域執行環境 </a:t>
+            </a:r>
+            <a:r>
+              <a:rPr lang="en-US" altLang="zh-TW" dirty="0"/>
+              <a:t>(Global Execution Context)</a:t>
+            </a:r>
+          </a:p>
+          <a:p>
+            <a:pPr lvl="1"/>
+            <a:r>
+              <a:rPr lang="zh-TW" altLang="en-US" dirty="0"/>
+              <a:t>在程式啟動時首先建立的執行環境。</a:t>
+            </a:r>
+          </a:p>
+          <a:p>
+            <a:pPr lvl="1"/>
+            <a:r>
+              <a:rPr lang="zh-TW" altLang="en-US" dirty="0">
+                <a:solidFill>
+                  <a:srgbClr val="FF0000"/>
+                </a:solidFill>
+              </a:rPr>
+              <a:t>負責管理全域變數和函式，並將</a:t>
+            </a:r>
+            <a:r>
+              <a:rPr lang="en-US" altLang="zh-TW" dirty="0">
+                <a:solidFill>
+                  <a:srgbClr val="FF0000"/>
+                </a:solidFill>
+              </a:rPr>
+              <a:t>this</a:t>
+            </a:r>
+            <a:r>
+              <a:rPr lang="zh-TW" altLang="en-US" dirty="0">
+                <a:solidFill>
+                  <a:srgbClr val="FF0000"/>
+                </a:solidFill>
+              </a:rPr>
+              <a:t>綁定當程式中呼叫函式時，會建立新的執行環境並放入呼叫堆疊中。到全域物件</a:t>
+            </a:r>
+            <a:r>
+              <a:rPr lang="en-US" altLang="zh-TW" dirty="0">
+                <a:solidFill>
+                  <a:srgbClr val="FF0000"/>
+                </a:solidFill>
+              </a:rPr>
+              <a:t>(</a:t>
+            </a:r>
+            <a:r>
+              <a:rPr lang="zh-TW" altLang="en-US" dirty="0">
+                <a:solidFill>
+                  <a:srgbClr val="FF0000"/>
+                </a:solidFill>
+              </a:rPr>
+              <a:t>瀏覽器中是</a:t>
+            </a:r>
+            <a:r>
+              <a:rPr lang="en-US" altLang="zh-TW" dirty="0">
+                <a:solidFill>
+                  <a:srgbClr val="FF0000"/>
+                </a:solidFill>
+              </a:rPr>
+              <a:t>window</a:t>
+            </a:r>
+            <a:r>
+              <a:rPr lang="zh-TW" altLang="en-US" dirty="0">
+                <a:solidFill>
+                  <a:srgbClr val="FF0000"/>
+                </a:solidFill>
+              </a:rPr>
+              <a:t>，</a:t>
+            </a:r>
+            <a:r>
+              <a:rPr lang="en-US" altLang="zh-TW" dirty="0">
+                <a:solidFill>
+                  <a:srgbClr val="FF0000"/>
+                </a:solidFill>
+              </a:rPr>
+              <a:t>Node.js </a:t>
+            </a:r>
+            <a:r>
+              <a:rPr lang="zh-TW" altLang="en-US" dirty="0">
+                <a:solidFill>
+                  <a:srgbClr val="FF0000"/>
+                </a:solidFill>
+              </a:rPr>
+              <a:t>中是</a:t>
+            </a:r>
+            <a:r>
+              <a:rPr lang="en-US" altLang="zh-TW" dirty="0">
+                <a:solidFill>
+                  <a:srgbClr val="FF0000"/>
+                </a:solidFill>
+              </a:rPr>
+              <a:t>global)</a:t>
+            </a:r>
+            <a:r>
+              <a:rPr lang="zh-TW" altLang="en-US" dirty="0">
+                <a:solidFill>
+                  <a:srgbClr val="FF0000"/>
+                </a:solidFill>
+              </a:rPr>
+              <a:t>。</a:t>
+            </a:r>
+          </a:p>
+          <a:p>
+            <a:pPr lvl="1"/>
+            <a:r>
+              <a:rPr lang="zh-TW" altLang="en-US" dirty="0"/>
+              <a:t>當程式中呼叫函式時，會建立新的執行環境並放入呼叫堆疊中。</a:t>
+            </a:r>
+          </a:p>
+          <a:p>
+            <a:r>
+              <a:rPr lang="zh-TW" altLang="en-US" dirty="0"/>
+              <a:t>函式</a:t>
+            </a:r>
+            <a:r>
+              <a:rPr lang="en-US" altLang="zh-TW" dirty="0"/>
+              <a:t>/</a:t>
+            </a:r>
+            <a:r>
+              <a:rPr lang="zh-TW" altLang="en-US" dirty="0"/>
+              <a:t>局部執行環境 </a:t>
+            </a:r>
+            <a:r>
+              <a:rPr lang="en-US" altLang="zh-TW" dirty="0"/>
+              <a:t>(Function/Local Execution Context)</a:t>
+            </a:r>
+          </a:p>
+          <a:p>
+            <a:pPr lvl="1"/>
+            <a:r>
+              <a:rPr lang="zh-TW" altLang="en-US" dirty="0"/>
+              <a:t>每當呼叫一個函式時，會為該函式建立一個新的執行環境。</a:t>
+            </a:r>
+          </a:p>
+          <a:p>
+            <a:pPr lvl="1"/>
+            <a:r>
+              <a:rPr lang="en-US" altLang="zh-TW" dirty="0">
+                <a:solidFill>
+                  <a:srgbClr val="FF0000"/>
+                </a:solidFill>
+              </a:rPr>
+              <a:t>this</a:t>
+            </a:r>
+            <a:r>
+              <a:rPr lang="zh-TW" altLang="en-US" dirty="0">
+                <a:solidFill>
+                  <a:srgbClr val="FF0000"/>
+                </a:solidFill>
+              </a:rPr>
+              <a:t>的指向會根據呼叫方式而定，不像全域環境中那樣固定</a:t>
+            </a:r>
+          </a:p>
+        </p:txBody>
+      </p:sp>
+      <p:sp>
+        <p:nvSpPr>
+          <p:cNvPr id="3" name="標題 2">
+            <a:extLst>
+              <a:ext uri="{FF2B5EF4-FFF2-40B4-BE49-F238E27FC236}">
+                <a16:creationId xmlns:a16="http://schemas.microsoft.com/office/drawing/2014/main" id="{735162D7-DC09-4C97-8788-D34DA27A7FE9}"/>
+              </a:ext>
+            </a:extLst>
+          </p:cNvPr>
+          <p:cNvSpPr>
+            <a:spLocks noGrp="1"/>
+          </p:cNvSpPr>
+          <p:nvPr>
+            <p:ph type="title"/>
+          </p:nvPr>
+        </p:nvSpPr>
+        <p:spPr/>
+        <p:txBody>
+          <a:bodyPr>
+            <a:normAutofit fontScale="90000"/>
+          </a:bodyPr>
+          <a:lstStyle/>
+          <a:p>
+            <a:r>
+              <a:rPr lang="en-US" altLang="zh-TW" sz="6000" dirty="0">
+                <a:solidFill>
+                  <a:srgbClr val="FFFFFF"/>
+                </a:solidFill>
+                <a:latin typeface="Times New Roman" panose="02020603050405020304" pitchFamily="18" charset="0"/>
+                <a:ea typeface="標楷體" panose="03000509000000000000" pitchFamily="65" charset="-120"/>
+                <a:cs typeface="Times New Roman" panose="02020603050405020304" pitchFamily="18" charset="0"/>
+                <a:sym typeface="王漢宗顏楷體"/>
+              </a:rPr>
+              <a:t>This</a:t>
+            </a:r>
+            <a:endParaRPr lang="zh-TW" altLang="en-US" dirty="0"/>
+          </a:p>
+        </p:txBody>
+      </p:sp>
+      <p:sp>
+        <p:nvSpPr>
+          <p:cNvPr id="4" name="文字版面配置區 3">
+            <a:extLst>
+              <a:ext uri="{FF2B5EF4-FFF2-40B4-BE49-F238E27FC236}">
+                <a16:creationId xmlns:a16="http://schemas.microsoft.com/office/drawing/2014/main" id="{04276CA9-1A5B-45AF-9188-BD92D1B6607D}"/>
+              </a:ext>
+            </a:extLst>
+          </p:cNvPr>
+          <p:cNvSpPr>
+            <a:spLocks noGrp="1"/>
+          </p:cNvSpPr>
+          <p:nvPr>
+            <p:ph type="body" sz="quarter" idx="11"/>
+          </p:nvPr>
+        </p:nvSpPr>
+        <p:spPr/>
+        <p:txBody>
+          <a:bodyPr>
+            <a:normAutofit lnSpcReduction="10000"/>
+          </a:bodyPr>
+          <a:lstStyle/>
+          <a:p>
+            <a:endParaRPr lang="zh-TW" altLang="en-US"/>
+          </a:p>
+        </p:txBody>
+      </p:sp>
+      <p:pic>
+        <p:nvPicPr>
+          <p:cNvPr id="6" name="圖片 5">
+            <a:extLst>
+              <a:ext uri="{FF2B5EF4-FFF2-40B4-BE49-F238E27FC236}">
+                <a16:creationId xmlns:a16="http://schemas.microsoft.com/office/drawing/2014/main" id="{6E938851-A273-4A9D-90F9-43D9A3B01835}"/>
+              </a:ext>
+            </a:extLst>
+          </p:cNvPr>
+          <p:cNvPicPr>
+            <a:picLocks noChangeAspect="1"/>
+          </p:cNvPicPr>
+          <p:nvPr/>
+        </p:nvPicPr>
+        <p:blipFill>
+          <a:blip r:embed="rId2"/>
+          <a:stretch>
+            <a:fillRect/>
+          </a:stretch>
+        </p:blipFill>
+        <p:spPr>
+          <a:xfrm>
+            <a:off x="4682649" y="1358556"/>
+            <a:ext cx="6087571" cy="631200"/>
+          </a:xfrm>
+          <a:prstGeom prst="rect">
+            <a:avLst/>
+          </a:prstGeom>
+        </p:spPr>
+      </p:pic>
+      <p:pic>
+        <p:nvPicPr>
+          <p:cNvPr id="7" name="圖片 6">
+            <a:extLst>
+              <a:ext uri="{FF2B5EF4-FFF2-40B4-BE49-F238E27FC236}">
+                <a16:creationId xmlns:a16="http://schemas.microsoft.com/office/drawing/2014/main" id="{D66F93BA-91C8-4E6C-AC66-E89F83701633}"/>
+              </a:ext>
+            </a:extLst>
+          </p:cNvPr>
+          <p:cNvPicPr>
+            <a:picLocks noChangeAspect="1"/>
+          </p:cNvPicPr>
+          <p:nvPr/>
+        </p:nvPicPr>
+        <p:blipFill>
+          <a:blip r:embed="rId3"/>
+          <a:stretch>
+            <a:fillRect/>
+          </a:stretch>
+        </p:blipFill>
+        <p:spPr>
+          <a:xfrm>
+            <a:off x="7155542" y="2405747"/>
+            <a:ext cx="4960257" cy="4424979"/>
+          </a:xfrm>
+          <a:prstGeom prst="rect">
+            <a:avLst/>
+          </a:prstGeom>
+        </p:spPr>
+      </p:pic>
+      <p:pic>
+        <p:nvPicPr>
+          <p:cNvPr id="9" name="圖片 8">
+            <a:extLst>
+              <a:ext uri="{FF2B5EF4-FFF2-40B4-BE49-F238E27FC236}">
+                <a16:creationId xmlns:a16="http://schemas.microsoft.com/office/drawing/2014/main" id="{78DE1D18-398F-4863-A789-9C8F23EFE204}"/>
+              </a:ext>
+            </a:extLst>
+          </p:cNvPr>
+          <p:cNvPicPr>
+            <a:picLocks noChangeAspect="1"/>
+          </p:cNvPicPr>
+          <p:nvPr/>
+        </p:nvPicPr>
+        <p:blipFill>
+          <a:blip r:embed="rId4">
+            <a:extLst>
+              <a:ext uri="{28A0092B-C50C-407E-A947-70E740481C1C}">
+                <a14:useLocalDpi xmlns:a14="http://schemas.microsoft.com/office/drawing/2010/main" val="0"/>
+              </a:ext>
+            </a:extLst>
+          </a:blip>
+          <a:srcRect/>
+          <a:stretch/>
+        </p:blipFill>
+        <p:spPr>
+          <a:xfrm>
+            <a:off x="76200" y="4065373"/>
+            <a:ext cx="4633962" cy="2765353"/>
+          </a:xfrm>
+          <a:prstGeom prst="rect">
+            <a:avLst/>
+          </a:prstGeom>
+        </p:spPr>
+      </p:pic>
+    </p:spTree>
+    <p:extLst>
+      <p:ext uri="{BB962C8B-B14F-4D97-AF65-F5344CB8AC3E}">
+        <p14:creationId xmlns:p14="http://schemas.microsoft.com/office/powerpoint/2010/main" val="2071433550"/>
+      </p:ext>
+    </p:extLst>
+  </p:cSld>
+  <p:clrMapOvr>
+    <a:masterClrMapping/>
+  </p:clrMapOvr>
+</p:sld>
+</file>
+
+<file path=ppt/slides/slide34.xml><?xml version="1.0" encoding="utf-8"?>
+<p:sld xmlns:a="http://schemas.openxmlformats.org/drawingml/2006/main" xmlns:r="http://schemas.openxmlformats.org/officeDocument/2006/relationships" xmlns:p="http://schemas.openxmlformats.org/presentationml/2006/main">
+  <p:cSld>
+    <p:spTree>
+      <p:nvGrpSpPr>
+        <p:cNvPr id="1" name=""/>
+        <p:cNvGrpSpPr/>
+        <p:nvPr/>
+      </p:nvGrpSpPr>
+      <p:grpSpPr>
+        <a:xfrm>
+          <a:off x="0" y="0"/>
+          <a:ext cx="0" cy="0"/>
+          <a:chOff x="0" y="0"/>
+          <a:chExt cx="0" cy="0"/>
+        </a:xfrm>
+      </p:grpSpPr>
+      <p:sp>
+        <p:nvSpPr>
+          <p:cNvPr id="2" name="內容版面配置區 1">
+            <a:extLst>
+              <a:ext uri="{FF2B5EF4-FFF2-40B4-BE49-F238E27FC236}">
+                <a16:creationId xmlns:a16="http://schemas.microsoft.com/office/drawing/2014/main" id="{802C0A02-2C75-4047-AD2D-1172F37A2AE6}"/>
+              </a:ext>
+            </a:extLst>
+          </p:cNvPr>
+          <p:cNvSpPr>
+            <a:spLocks noGrp="1"/>
+          </p:cNvSpPr>
+          <p:nvPr>
+            <p:ph sz="quarter" idx="12"/>
+          </p:nvPr>
+        </p:nvSpPr>
+        <p:spPr>
+          <a:xfrm>
+            <a:off x="0" y="973384"/>
+            <a:ext cx="12115800" cy="5494091"/>
+          </a:xfrm>
+        </p:spPr>
+        <p:txBody>
+          <a:bodyPr>
+            <a:normAutofit/>
+          </a:bodyPr>
+          <a:lstStyle/>
+          <a:p>
+            <a:r>
+              <a:rPr lang="en-US" altLang="zh-TW" dirty="0">
+                <a:latin typeface="Times New Roman" panose="02020603050405020304" pitchFamily="18" charset="0"/>
+                <a:ea typeface="標楷體" panose="03000509000000000000" pitchFamily="65" charset="-120"/>
+                <a:cs typeface="王漢宗顏楷體"/>
+                <a:sym typeface="王漢宗顏楷體"/>
+              </a:rPr>
+              <a:t>this</a:t>
+            </a:r>
+            <a:r>
+              <a:rPr lang="zh-TW" altLang="en-US" dirty="0">
+                <a:latin typeface="Times New Roman" panose="02020603050405020304" pitchFamily="18" charset="0"/>
+                <a:ea typeface="標楷體" panose="03000509000000000000" pitchFamily="65" charset="-120"/>
+                <a:cs typeface="王漢宗顏楷體"/>
+                <a:sym typeface="王漢宗顏楷體"/>
+              </a:rPr>
+              <a:t>是透過物建中的建構子產生，</a:t>
+            </a:r>
+            <a:r>
+              <a:rPr lang="en-US" altLang="zh-TW" dirty="0">
+                <a:latin typeface="Times New Roman" panose="02020603050405020304" pitchFamily="18" charset="0"/>
+                <a:ea typeface="標楷體" panose="03000509000000000000" pitchFamily="65" charset="-120"/>
+                <a:cs typeface="王漢宗顏楷體"/>
+                <a:sym typeface="王漢宗顏楷體"/>
+              </a:rPr>
+              <a:t>this</a:t>
+            </a:r>
+            <a:r>
+              <a:rPr lang="zh-TW" altLang="en-US" dirty="0">
+                <a:latin typeface="Times New Roman" panose="02020603050405020304" pitchFamily="18" charset="0"/>
+                <a:ea typeface="標楷體" panose="03000509000000000000" pitchFamily="65" charset="-120"/>
+                <a:cs typeface="王漢宗顏楷體"/>
+                <a:sym typeface="王漢宗顏楷體"/>
+              </a:rPr>
+              <a:t>會指向建構子。</a:t>
+            </a:r>
+          </a:p>
+          <a:p>
+            <a:r>
+              <a:rPr lang="zh-TW" altLang="en-US" dirty="0">
+                <a:latin typeface="Times New Roman" panose="02020603050405020304" pitchFamily="18" charset="0"/>
+                <a:ea typeface="標楷體" panose="03000509000000000000" pitchFamily="65" charset="-120"/>
+                <a:cs typeface="王漢宗顏楷體"/>
+                <a:sym typeface="王漢宗顏楷體"/>
+              </a:rPr>
+              <a:t>當要存取或執行自己的成員時，就可以透過</a:t>
+            </a:r>
+            <a:r>
+              <a:rPr lang="en-US" altLang="zh-TW" dirty="0">
+                <a:latin typeface="Times New Roman" panose="02020603050405020304" pitchFamily="18" charset="0"/>
+                <a:ea typeface="標楷體" panose="03000509000000000000" pitchFamily="65" charset="-120"/>
+                <a:cs typeface="王漢宗顏楷體"/>
+                <a:sym typeface="王漢宗顏楷體"/>
+              </a:rPr>
+              <a:t>this</a:t>
+            </a:r>
+            <a:r>
+              <a:rPr lang="zh-TW" altLang="en-US" dirty="0">
+                <a:latin typeface="Times New Roman" panose="02020603050405020304" pitchFamily="18" charset="0"/>
+                <a:ea typeface="標楷體" panose="03000509000000000000" pitchFamily="65" charset="-120"/>
+                <a:cs typeface="王漢宗顏楷體"/>
+                <a:sym typeface="王漢宗顏楷體"/>
+              </a:rPr>
+              <a:t>來進行。</a:t>
+            </a:r>
+            <a:endParaRPr lang="en-US" altLang="zh-TW" dirty="0">
+              <a:latin typeface="Times New Roman" panose="02020603050405020304" pitchFamily="18" charset="0"/>
+              <a:ea typeface="標楷體" panose="03000509000000000000" pitchFamily="65" charset="-120"/>
+              <a:cs typeface="王漢宗顏楷體"/>
+              <a:sym typeface="王漢宗顏楷體"/>
+            </a:endParaRPr>
+          </a:p>
+          <a:p>
+            <a:r>
+              <a:rPr lang="zh-TW" altLang="en-US" sz="1800" dirty="0">
+                <a:latin typeface="Times New Roman" panose="02020603050405020304" pitchFamily="18" charset="0"/>
+                <a:ea typeface="標楷體" panose="03000509000000000000" pitchFamily="65" charset="-120"/>
+                <a:cs typeface="王漢宗顏楷體"/>
+                <a:sym typeface="王漢宗顏楷體"/>
+              </a:rPr>
+              <a:t>不過在</a:t>
+            </a:r>
+            <a:r>
+              <a:rPr lang="en-US" altLang="zh-TW" sz="1800" dirty="0">
+                <a:latin typeface="Times New Roman" panose="02020603050405020304" pitchFamily="18" charset="0"/>
+                <a:ea typeface="標楷體" panose="03000509000000000000" pitchFamily="65" charset="-120"/>
+                <a:cs typeface="王漢宗顏楷體"/>
+                <a:sym typeface="王漢宗顏楷體"/>
+              </a:rPr>
+              <a:t>JavaScript</a:t>
+            </a:r>
+            <a:r>
+              <a:rPr lang="zh-TW" altLang="en-US" sz="1800" dirty="0">
+                <a:latin typeface="Times New Roman" panose="02020603050405020304" pitchFamily="18" charset="0"/>
+                <a:ea typeface="標楷體" panose="03000509000000000000" pitchFamily="65" charset="-120"/>
+                <a:cs typeface="王漢宗顏楷體"/>
+                <a:sym typeface="王漢宗顏楷體"/>
+              </a:rPr>
+              <a:t>中，</a:t>
+            </a:r>
+            <a:r>
+              <a:rPr lang="en-US" altLang="zh-TW" sz="1800" dirty="0">
+                <a:latin typeface="Times New Roman" panose="02020603050405020304" pitchFamily="18" charset="0"/>
+                <a:ea typeface="標楷體" panose="03000509000000000000" pitchFamily="65" charset="-120"/>
+                <a:cs typeface="王漢宗顏楷體"/>
+                <a:sym typeface="王漢宗顏楷體"/>
+              </a:rPr>
+              <a:t>this</a:t>
+            </a:r>
+            <a:r>
+              <a:rPr lang="zh-TW" altLang="en-US" sz="1800" dirty="0">
+                <a:latin typeface="Times New Roman" panose="02020603050405020304" pitchFamily="18" charset="0"/>
+                <a:ea typeface="標楷體" panose="03000509000000000000" pitchFamily="65" charset="-120"/>
+                <a:cs typeface="王漢宗顏楷體"/>
+                <a:sym typeface="王漢宗顏楷體"/>
+              </a:rPr>
+              <a:t>關鍵字會隨著執行環境、特殊的語法、函式呼叫的方式等會有變動。</a:t>
+            </a:r>
+          </a:p>
+          <a:p>
+            <a:r>
+              <a:rPr lang="zh-TW" altLang="en-US" sz="1800" dirty="0">
+                <a:latin typeface="Times New Roman" panose="02020603050405020304" pitchFamily="18" charset="0"/>
+                <a:ea typeface="標楷體" panose="03000509000000000000" pitchFamily="65" charset="-120"/>
+                <a:cs typeface="王漢宗顏楷體"/>
+                <a:sym typeface="王漢宗顏楷體"/>
+              </a:rPr>
+              <a:t>這種動態決定函式執行環境中</a:t>
+            </a:r>
+            <a:r>
+              <a:rPr lang="en-US" altLang="zh-TW" sz="1800" dirty="0">
+                <a:latin typeface="Times New Roman" panose="02020603050405020304" pitchFamily="18" charset="0"/>
+                <a:ea typeface="標楷體" panose="03000509000000000000" pitchFamily="65" charset="-120"/>
+                <a:cs typeface="王漢宗顏楷體"/>
+                <a:sym typeface="王漢宗顏楷體"/>
+              </a:rPr>
+              <a:t>this</a:t>
+            </a:r>
+            <a:r>
+              <a:rPr lang="zh-TW" altLang="en-US" sz="1800" dirty="0">
+                <a:latin typeface="Times New Roman" panose="02020603050405020304" pitchFamily="18" charset="0"/>
+                <a:ea typeface="標楷體" panose="03000509000000000000" pitchFamily="65" charset="-120"/>
+                <a:cs typeface="王漢宗顏楷體"/>
+                <a:sym typeface="王漢宗顏楷體"/>
+              </a:rPr>
+              <a:t>對象，我們通常叫做「綁定」</a:t>
+            </a:r>
+            <a:r>
+              <a:rPr lang="en-US" altLang="zh-TW" sz="1800" dirty="0">
+                <a:latin typeface="Times New Roman" panose="02020603050405020304" pitchFamily="18" charset="0"/>
+                <a:ea typeface="標楷體" panose="03000509000000000000" pitchFamily="65" charset="-120"/>
+                <a:cs typeface="王漢宗顏楷體"/>
+                <a:sym typeface="王漢宗顏楷體"/>
+              </a:rPr>
+              <a:t>(binding)</a:t>
+            </a:r>
+            <a:r>
+              <a:rPr lang="zh-TW" altLang="en-US" sz="1800" dirty="0">
+                <a:latin typeface="Times New Roman" panose="02020603050405020304" pitchFamily="18" charset="0"/>
+                <a:ea typeface="標楷體" panose="03000509000000000000" pitchFamily="65" charset="-120"/>
+                <a:cs typeface="王漢宗顏楷體"/>
+                <a:sym typeface="王漢宗顏楷體"/>
+              </a:rPr>
+              <a:t>。</a:t>
+            </a:r>
+            <a:endParaRPr lang="en-US" altLang="zh-TW" sz="1800" dirty="0">
+              <a:latin typeface="Times New Roman" panose="02020603050405020304" pitchFamily="18" charset="0"/>
+              <a:ea typeface="標楷體" panose="03000509000000000000" pitchFamily="65" charset="-120"/>
+              <a:cs typeface="王漢宗顏楷體"/>
+              <a:sym typeface="王漢宗顏楷體"/>
+            </a:endParaRPr>
+          </a:p>
+        </p:txBody>
+      </p:sp>
+      <p:sp>
+        <p:nvSpPr>
+          <p:cNvPr id="3" name="標題 2">
+            <a:extLst>
+              <a:ext uri="{FF2B5EF4-FFF2-40B4-BE49-F238E27FC236}">
+                <a16:creationId xmlns:a16="http://schemas.microsoft.com/office/drawing/2014/main" id="{735162D7-DC09-4C97-8788-D34DA27A7FE9}"/>
+              </a:ext>
+            </a:extLst>
+          </p:cNvPr>
+          <p:cNvSpPr>
+            <a:spLocks noGrp="1"/>
+          </p:cNvSpPr>
+          <p:nvPr>
+            <p:ph type="title"/>
+          </p:nvPr>
+        </p:nvSpPr>
+        <p:spPr/>
+        <p:txBody>
+          <a:bodyPr>
+            <a:normAutofit fontScale="90000"/>
+          </a:bodyPr>
+          <a:lstStyle/>
+          <a:p>
+            <a:r>
+              <a:rPr lang="en-US" altLang="zh-TW" sz="6000" dirty="0">
+                <a:solidFill>
+                  <a:srgbClr val="FFFFFF"/>
+                </a:solidFill>
+                <a:latin typeface="Times New Roman" panose="02020603050405020304" pitchFamily="18" charset="0"/>
+                <a:ea typeface="標楷體" panose="03000509000000000000" pitchFamily="65" charset="-120"/>
+                <a:cs typeface="Times New Roman" panose="02020603050405020304" pitchFamily="18" charset="0"/>
+                <a:sym typeface="王漢宗顏楷體"/>
+              </a:rPr>
+              <a:t>This</a:t>
+            </a:r>
+            <a:endParaRPr lang="zh-TW" altLang="en-US" dirty="0"/>
+          </a:p>
+        </p:txBody>
+      </p:sp>
+      <p:sp>
+        <p:nvSpPr>
+          <p:cNvPr id="4" name="文字版面配置區 3">
+            <a:extLst>
+              <a:ext uri="{FF2B5EF4-FFF2-40B4-BE49-F238E27FC236}">
+                <a16:creationId xmlns:a16="http://schemas.microsoft.com/office/drawing/2014/main" id="{04276CA9-1A5B-45AF-9188-BD92D1B6607D}"/>
+              </a:ext>
+            </a:extLst>
+          </p:cNvPr>
+          <p:cNvSpPr>
+            <a:spLocks noGrp="1"/>
+          </p:cNvSpPr>
+          <p:nvPr>
+            <p:ph type="body" sz="quarter" idx="11"/>
+          </p:nvPr>
+        </p:nvSpPr>
+        <p:spPr/>
+        <p:txBody>
+          <a:bodyPr>
+            <a:normAutofit lnSpcReduction="10000"/>
+          </a:bodyPr>
+          <a:lstStyle/>
+          <a:p>
+            <a:endParaRPr lang="zh-TW" altLang="en-US"/>
+          </a:p>
+        </p:txBody>
+      </p:sp>
+    </p:spTree>
+    <p:extLst>
+      <p:ext uri="{BB962C8B-B14F-4D97-AF65-F5344CB8AC3E}">
+        <p14:creationId xmlns:p14="http://schemas.microsoft.com/office/powerpoint/2010/main" val="76627502"/>
+      </p:ext>
+    </p:extLst>
+  </p:cSld>
+  <p:clrMapOvr>
+    <a:masterClrMapping/>
+  </p:clrMapOvr>
+</p:sld>
+</file>
+
+<file path=ppt/slides/slide35.xml><?xml version="1.0" encoding="utf-8"?>
+<p:sld xmlns:a="http://schemas.openxmlformats.org/drawingml/2006/main" xmlns:r="http://schemas.openxmlformats.org/officeDocument/2006/relationships" xmlns:p="http://schemas.openxmlformats.org/presentationml/2006/main">
+  <p:cSld>
+    <p:spTree>
+      <p:nvGrpSpPr>
+        <p:cNvPr id="1" name=""/>
+        <p:cNvGrpSpPr/>
+        <p:nvPr/>
+      </p:nvGrpSpPr>
+      <p:grpSpPr>
+        <a:xfrm>
+          <a:off x="0" y="0"/>
+          <a:ext cx="0" cy="0"/>
+          <a:chOff x="0" y="0"/>
+          <a:chExt cx="0" cy="0"/>
+        </a:xfrm>
+      </p:grpSpPr>
+      <p:sp>
+        <p:nvSpPr>
+          <p:cNvPr id="2" name="內容版面配置區 1">
+            <a:extLst>
+              <a:ext uri="{FF2B5EF4-FFF2-40B4-BE49-F238E27FC236}">
+                <a16:creationId xmlns:a16="http://schemas.microsoft.com/office/drawing/2014/main" id="{802C0A02-2C75-4047-AD2D-1172F37A2AE6}"/>
+              </a:ext>
+            </a:extLst>
+          </p:cNvPr>
+          <p:cNvSpPr>
+            <a:spLocks noGrp="1"/>
+          </p:cNvSpPr>
+          <p:nvPr>
+            <p:ph sz="quarter" idx="12"/>
+          </p:nvPr>
+        </p:nvSpPr>
+        <p:spPr/>
+        <p:txBody>
+          <a:bodyPr/>
+          <a:lstStyle/>
+          <a:p>
+            <a:r>
+              <a:rPr lang="zh-TW" altLang="en-US" dirty="0">
+                <a:latin typeface="Times New Roman" panose="02020603050405020304" pitchFamily="18" charset="0"/>
+                <a:ea typeface="標楷體" panose="03000509000000000000" pitchFamily="65" charset="-120"/>
+                <a:cs typeface="王漢宗顏楷體"/>
+                <a:sym typeface="王漢宗顏楷體"/>
+              </a:rPr>
+              <a:t>全域宣告的函式，</a:t>
+            </a:r>
+            <a:r>
+              <a:rPr lang="en-US" altLang="zh-TW" dirty="0">
+                <a:latin typeface="Times New Roman" panose="02020603050405020304" pitchFamily="18" charset="0"/>
+                <a:ea typeface="標楷體" panose="03000509000000000000" pitchFamily="65" charset="-120"/>
+                <a:cs typeface="王漢宗顏楷體"/>
+                <a:sym typeface="王漢宗顏楷體"/>
+              </a:rPr>
+              <a:t>this</a:t>
+            </a:r>
+            <a:r>
+              <a:rPr lang="zh-TW" altLang="en-US" dirty="0">
+                <a:latin typeface="Times New Roman" panose="02020603050405020304" pitchFamily="18" charset="0"/>
+                <a:ea typeface="標楷體" panose="03000509000000000000" pitchFamily="65" charset="-120"/>
+                <a:cs typeface="王漢宗顏楷體"/>
+                <a:sym typeface="王漢宗顏楷體"/>
+              </a:rPr>
+              <a:t>會預設指向全域物件</a:t>
+            </a:r>
+            <a:r>
+              <a:rPr lang="en-US" altLang="zh-TW" dirty="0">
+                <a:latin typeface="Times New Roman" panose="02020603050405020304" pitchFamily="18" charset="0"/>
+                <a:ea typeface="標楷體" panose="03000509000000000000" pitchFamily="65" charset="-120"/>
+                <a:cs typeface="王漢宗顏楷體"/>
+                <a:sym typeface="王漢宗顏楷體"/>
+              </a:rPr>
+              <a:t>(</a:t>
+            </a:r>
+            <a:r>
+              <a:rPr lang="zh-TW" altLang="en-US" dirty="0">
+                <a:latin typeface="Times New Roman" panose="02020603050405020304" pitchFamily="18" charset="0"/>
+                <a:ea typeface="標楷體" panose="03000509000000000000" pitchFamily="65" charset="-120"/>
+                <a:cs typeface="王漢宗顏楷體"/>
+                <a:sym typeface="王漢宗顏楷體"/>
+              </a:rPr>
+              <a:t>可能是瀏覽器中的</a:t>
+            </a:r>
+            <a:r>
+              <a:rPr lang="en-US" altLang="zh-TW" dirty="0">
+                <a:latin typeface="Times New Roman" panose="02020603050405020304" pitchFamily="18" charset="0"/>
+                <a:ea typeface="標楷體" panose="03000509000000000000" pitchFamily="65" charset="-120"/>
+                <a:cs typeface="王漢宗顏楷體"/>
+                <a:sym typeface="王漢宗顏楷體"/>
+              </a:rPr>
+              <a:t>window</a:t>
+            </a:r>
+            <a:r>
+              <a:rPr lang="zh-TW" altLang="en-US" dirty="0">
+                <a:latin typeface="Times New Roman" panose="02020603050405020304" pitchFamily="18" charset="0"/>
+                <a:ea typeface="標楷體" panose="03000509000000000000" pitchFamily="65" charset="-120"/>
+                <a:cs typeface="王漢宗顏楷體"/>
+                <a:sym typeface="王漢宗顏楷體"/>
+              </a:rPr>
+              <a:t>，或是</a:t>
+            </a:r>
+            <a:r>
+              <a:rPr lang="en-US" altLang="zh-TW" dirty="0">
+                <a:latin typeface="Times New Roman" panose="02020603050405020304" pitchFamily="18" charset="0"/>
+                <a:ea typeface="標楷體" panose="03000509000000000000" pitchFamily="65" charset="-120"/>
+                <a:cs typeface="王漢宗顏楷體"/>
+                <a:sym typeface="王漢宗顏楷體"/>
+              </a:rPr>
+              <a:t>Node.js</a:t>
+            </a:r>
+            <a:r>
+              <a:rPr lang="zh-TW" altLang="en-US" dirty="0">
+                <a:latin typeface="Times New Roman" panose="02020603050405020304" pitchFamily="18" charset="0"/>
+                <a:ea typeface="標楷體" panose="03000509000000000000" pitchFamily="65" charset="-120"/>
+                <a:cs typeface="王漢宗顏楷體"/>
+                <a:sym typeface="王漢宗顏楷體"/>
+              </a:rPr>
+              <a:t>中的</a:t>
+            </a:r>
+            <a:r>
+              <a:rPr lang="en-US" altLang="zh-TW" dirty="0">
+                <a:latin typeface="Times New Roman" panose="02020603050405020304" pitchFamily="18" charset="0"/>
+                <a:ea typeface="標楷體" panose="03000509000000000000" pitchFamily="65" charset="-120"/>
+                <a:cs typeface="王漢宗顏楷體"/>
+                <a:sym typeface="王漢宗顏楷體"/>
+              </a:rPr>
+              <a:t>global)</a:t>
+            </a:r>
+          </a:p>
+          <a:p>
+            <a:r>
+              <a:rPr lang="zh-TW" altLang="en-US" dirty="0">
+                <a:cs typeface="王漢宗顏楷體"/>
+                <a:sym typeface="王漢宗顏楷體"/>
+              </a:rPr>
+              <a:t>對於</a:t>
+            </a:r>
+            <a:r>
+              <a:rPr lang="en-US" altLang="zh-TW" kern="1200" dirty="0">
+                <a:solidFill>
+                  <a:srgbClr val="000000"/>
+                </a:solidFill>
+                <a:effectLst/>
+                <a:latin typeface="Times New Roman" panose="02020603050405020304" pitchFamily="18" charset="0"/>
+                <a:ea typeface="標楷體" panose="03000509000000000000" pitchFamily="65" charset="-120"/>
+                <a:cs typeface="王漢宗顏楷體"/>
+              </a:rPr>
+              <a:t>Arrow Function</a:t>
+            </a:r>
+            <a:r>
+              <a:rPr lang="zh-TW" altLang="en-US" kern="1200" dirty="0">
+                <a:solidFill>
+                  <a:srgbClr val="000000"/>
+                </a:solidFill>
+                <a:effectLst/>
+                <a:latin typeface="Times New Roman" panose="02020603050405020304" pitchFamily="18" charset="0"/>
+                <a:ea typeface="標楷體" panose="03000509000000000000" pitchFamily="65" charset="-120"/>
+                <a:cs typeface="王漢宗顏楷體"/>
+              </a:rPr>
+              <a:t>，</a:t>
+            </a:r>
+            <a:r>
+              <a:rPr lang="zh-TW" altLang="en-US" dirty="0">
+                <a:latin typeface="Times New Roman" panose="02020603050405020304" pitchFamily="18" charset="0"/>
+                <a:ea typeface="標楷體" panose="03000509000000000000" pitchFamily="65" charset="-120"/>
+                <a:cs typeface="王漢宗顏楷體"/>
+                <a:sym typeface="王漢宗顏楷體"/>
+              </a:rPr>
+              <a:t>不會依循預設綁定。它的 </a:t>
+            </a:r>
+            <a:r>
+              <a:rPr lang="en-US" altLang="zh-TW" dirty="0">
+                <a:latin typeface="Times New Roman" panose="02020603050405020304" pitchFamily="18" charset="0"/>
+                <a:ea typeface="標楷體" panose="03000509000000000000" pitchFamily="65" charset="-120"/>
+                <a:cs typeface="王漢宗顏楷體"/>
+                <a:sym typeface="王漢宗顏楷體"/>
+              </a:rPr>
+              <a:t>this </a:t>
+            </a:r>
+            <a:r>
+              <a:rPr lang="zh-TW" altLang="en-US" dirty="0">
+                <a:latin typeface="Times New Roman" panose="02020603050405020304" pitchFamily="18" charset="0"/>
+                <a:ea typeface="標楷體" panose="03000509000000000000" pitchFamily="65" charset="-120"/>
+                <a:cs typeface="王漢宗顏楷體"/>
+                <a:sym typeface="王漢宗顏楷體"/>
+              </a:rPr>
+              <a:t>是由定義時的作用域決定，而非執行時決定</a:t>
+            </a:r>
+            <a:endParaRPr lang="en-US" altLang="zh-TW" dirty="0">
+              <a:cs typeface="王漢宗顏楷體"/>
+              <a:sym typeface="王漢宗顏楷體"/>
+            </a:endParaRPr>
+          </a:p>
+          <a:p>
+            <a:pPr lvl="1"/>
+            <a:endParaRPr lang="zh-TW" altLang="en-US" dirty="0"/>
+          </a:p>
+        </p:txBody>
+      </p:sp>
+      <p:sp>
+        <p:nvSpPr>
+          <p:cNvPr id="3" name="標題 2">
+            <a:extLst>
+              <a:ext uri="{FF2B5EF4-FFF2-40B4-BE49-F238E27FC236}">
+                <a16:creationId xmlns:a16="http://schemas.microsoft.com/office/drawing/2014/main" id="{735162D7-DC09-4C97-8788-D34DA27A7FE9}"/>
+              </a:ext>
+            </a:extLst>
+          </p:cNvPr>
+          <p:cNvSpPr>
+            <a:spLocks noGrp="1"/>
+          </p:cNvSpPr>
+          <p:nvPr>
+            <p:ph type="title"/>
+          </p:nvPr>
+        </p:nvSpPr>
+        <p:spPr/>
+        <p:txBody>
+          <a:bodyPr>
+            <a:normAutofit fontScale="90000"/>
+          </a:bodyPr>
+          <a:lstStyle/>
+          <a:p>
+            <a:r>
+              <a:rPr lang="zh-TW" altLang="en-US" sz="6000" dirty="0">
+                <a:latin typeface="Times New Roman" panose="02020603050405020304" pitchFamily="18" charset="0"/>
+                <a:ea typeface="標楷體" panose="03000509000000000000" pitchFamily="65" charset="-120"/>
+                <a:cs typeface="王漢宗顏楷體"/>
+                <a:sym typeface="王漢宗顏楷體"/>
+              </a:rPr>
+              <a:t>預設綁定</a:t>
+            </a:r>
+            <a:r>
+              <a:rPr lang="en-US" altLang="zh-TW" sz="6000" dirty="0">
+                <a:latin typeface="Times New Roman" panose="02020603050405020304" pitchFamily="18" charset="0"/>
+                <a:ea typeface="標楷體" panose="03000509000000000000" pitchFamily="65" charset="-120"/>
+                <a:cs typeface="王漢宗顏楷體"/>
+                <a:sym typeface="王漢宗顏楷體"/>
+              </a:rPr>
+              <a:t>(Default binding)</a:t>
+            </a:r>
+            <a:endParaRPr lang="zh-TW" altLang="en-US" dirty="0"/>
+          </a:p>
+        </p:txBody>
+      </p:sp>
+      <p:sp>
+        <p:nvSpPr>
+          <p:cNvPr id="4" name="文字版面配置區 3">
+            <a:extLst>
+              <a:ext uri="{FF2B5EF4-FFF2-40B4-BE49-F238E27FC236}">
+                <a16:creationId xmlns:a16="http://schemas.microsoft.com/office/drawing/2014/main" id="{04276CA9-1A5B-45AF-9188-BD92D1B6607D}"/>
+              </a:ext>
+            </a:extLst>
+          </p:cNvPr>
+          <p:cNvSpPr>
+            <a:spLocks noGrp="1"/>
+          </p:cNvSpPr>
+          <p:nvPr>
+            <p:ph type="body" sz="quarter" idx="11"/>
+          </p:nvPr>
+        </p:nvSpPr>
+        <p:spPr/>
+        <p:txBody>
+          <a:bodyPr>
+            <a:normAutofit lnSpcReduction="10000"/>
+          </a:bodyPr>
+          <a:lstStyle/>
+          <a:p>
+            <a:endParaRPr lang="zh-TW" altLang="en-US"/>
+          </a:p>
+        </p:txBody>
+      </p:sp>
+      <p:pic>
+        <p:nvPicPr>
+          <p:cNvPr id="5" name="圖片 4">
+            <a:extLst>
+              <a:ext uri="{FF2B5EF4-FFF2-40B4-BE49-F238E27FC236}">
+                <a16:creationId xmlns:a16="http://schemas.microsoft.com/office/drawing/2014/main" id="{B9504895-4532-413C-8CCA-426D9F43BBDB}"/>
+              </a:ext>
+            </a:extLst>
+          </p:cNvPr>
+          <p:cNvPicPr>
+            <a:picLocks noChangeAspect="1"/>
+          </p:cNvPicPr>
+          <p:nvPr/>
+        </p:nvPicPr>
+        <p:blipFill>
+          <a:blip r:embed="rId2"/>
+          <a:stretch>
+            <a:fillRect/>
+          </a:stretch>
+        </p:blipFill>
+        <p:spPr>
+          <a:xfrm>
+            <a:off x="142875" y="1765740"/>
+            <a:ext cx="8305800" cy="3454012"/>
+          </a:xfrm>
+          <a:prstGeom prst="rect">
+            <a:avLst/>
+          </a:prstGeom>
+        </p:spPr>
+      </p:pic>
+    </p:spTree>
+    <p:extLst>
+      <p:ext uri="{BB962C8B-B14F-4D97-AF65-F5344CB8AC3E}">
+        <p14:creationId xmlns:p14="http://schemas.microsoft.com/office/powerpoint/2010/main" val="2906361643"/>
+      </p:ext>
+    </p:extLst>
+  </p:cSld>
+  <p:clrMapOvr>
+    <a:masterClrMapping/>
+  </p:clrMapOvr>
+</p:sld>
+</file>
+
+<file path=ppt/slides/slide36.xml><?xml version="1.0" encoding="utf-8"?>
+<p:sld xmlns:a="http://schemas.openxmlformats.org/drawingml/2006/main" xmlns:r="http://schemas.openxmlformats.org/officeDocument/2006/relationships" xmlns:p="http://schemas.openxmlformats.org/presentationml/2006/main">
+  <p:cSld>
+    <p:spTree>
+      <p:nvGrpSpPr>
+        <p:cNvPr id="1" name=""/>
+        <p:cNvGrpSpPr/>
+        <p:nvPr/>
+      </p:nvGrpSpPr>
+      <p:grpSpPr>
+        <a:xfrm>
+          <a:off x="0" y="0"/>
+          <a:ext cx="0" cy="0"/>
+          <a:chOff x="0" y="0"/>
+          <a:chExt cx="0" cy="0"/>
+        </a:xfrm>
+      </p:grpSpPr>
+      <p:sp>
+        <p:nvSpPr>
+          <p:cNvPr id="2" name="內容版面配置區 1">
+            <a:extLst>
+              <a:ext uri="{FF2B5EF4-FFF2-40B4-BE49-F238E27FC236}">
+                <a16:creationId xmlns:a16="http://schemas.microsoft.com/office/drawing/2014/main" id="{802C0A02-2C75-4047-AD2D-1172F37A2AE6}"/>
+              </a:ext>
+            </a:extLst>
+          </p:cNvPr>
+          <p:cNvSpPr>
+            <a:spLocks noGrp="1"/>
+          </p:cNvSpPr>
+          <p:nvPr>
+            <p:ph sz="quarter" idx="12"/>
+          </p:nvPr>
+        </p:nvSpPr>
+        <p:spPr/>
+        <p:txBody>
+          <a:bodyPr/>
+          <a:lstStyle/>
+          <a:p>
+            <a:r>
+              <a:rPr lang="zh-TW" altLang="en-US" dirty="0">
+                <a:latin typeface="Times New Roman" panose="02020603050405020304" pitchFamily="18" charset="0"/>
+                <a:ea typeface="標楷體" panose="03000509000000000000" pitchFamily="65" charset="-120"/>
+                <a:cs typeface="王漢宗顏楷體"/>
+                <a:sym typeface="王漢宗顏楷體"/>
+              </a:rPr>
+              <a:t>當函式被作為物件的方法呼叫時，</a:t>
+            </a:r>
+            <a:r>
+              <a:rPr lang="en-US" altLang="zh-TW" dirty="0">
+                <a:latin typeface="Times New Roman" panose="02020603050405020304" pitchFamily="18" charset="0"/>
+                <a:ea typeface="標楷體" panose="03000509000000000000" pitchFamily="65" charset="-120"/>
+                <a:cs typeface="王漢宗顏楷體"/>
+                <a:sym typeface="王漢宗顏楷體"/>
+              </a:rPr>
+              <a:t>this </a:t>
+            </a:r>
+            <a:r>
+              <a:rPr lang="zh-TW" altLang="en-US" dirty="0">
+                <a:latin typeface="Times New Roman" panose="02020603050405020304" pitchFamily="18" charset="0"/>
+                <a:ea typeface="標楷體" panose="03000509000000000000" pitchFamily="65" charset="-120"/>
+                <a:cs typeface="王漢宗顏楷體"/>
+                <a:sym typeface="王漢宗顏楷體"/>
+              </a:rPr>
+              <a:t>會被綁定到呼叫該函式的物件。</a:t>
+            </a:r>
+            <a:endParaRPr lang="en-US" altLang="zh-TW" dirty="0">
+              <a:latin typeface="Times New Roman" panose="02020603050405020304" pitchFamily="18" charset="0"/>
+              <a:ea typeface="標楷體" panose="03000509000000000000" pitchFamily="65" charset="-120"/>
+              <a:cs typeface="王漢宗顏楷體"/>
+              <a:sym typeface="王漢宗顏楷體"/>
+            </a:endParaRPr>
+          </a:p>
+          <a:p>
+            <a:r>
+              <a:rPr lang="zh-TW" altLang="en-US" dirty="0">
+                <a:latin typeface="Times New Roman" panose="02020603050405020304" pitchFamily="18" charset="0"/>
+                <a:ea typeface="標楷體" panose="03000509000000000000" pitchFamily="65" charset="-120"/>
+                <a:cs typeface="王漢宗顏楷體"/>
+                <a:sym typeface="王漢宗顏楷體"/>
+              </a:rPr>
+              <a:t>箭頭函式不會符合隱式綁定規則，因為它的 </a:t>
+            </a:r>
+            <a:r>
+              <a:rPr lang="en-US" altLang="zh-TW" dirty="0">
+                <a:latin typeface="Times New Roman" panose="02020603050405020304" pitchFamily="18" charset="0"/>
+                <a:ea typeface="標楷體" panose="03000509000000000000" pitchFamily="65" charset="-120"/>
+                <a:cs typeface="王漢宗顏楷體"/>
+                <a:sym typeface="王漢宗顏楷體"/>
+              </a:rPr>
+              <a:t>this </a:t>
+            </a:r>
+            <a:r>
+              <a:rPr lang="zh-TW" altLang="en-US" dirty="0">
+                <a:latin typeface="Times New Roman" panose="02020603050405020304" pitchFamily="18" charset="0"/>
+                <a:ea typeface="標楷體" panose="03000509000000000000" pitchFamily="65" charset="-120"/>
+                <a:cs typeface="王漢宗顏楷體"/>
+                <a:sym typeface="王漢宗顏楷體"/>
+              </a:rPr>
+              <a:t>始終由它定義時的作用域決定。</a:t>
+            </a:r>
+            <a:endParaRPr lang="en-US" altLang="zh-TW" dirty="0">
+              <a:latin typeface="Times New Roman" panose="02020603050405020304" pitchFamily="18" charset="0"/>
+              <a:ea typeface="標楷體" panose="03000509000000000000" pitchFamily="65" charset="-120"/>
+              <a:cs typeface="王漢宗顏楷體"/>
+              <a:sym typeface="王漢宗顏楷體"/>
+            </a:endParaRPr>
+          </a:p>
+          <a:p>
+            <a:endParaRPr lang="zh-TW" altLang="en-US" dirty="0"/>
+          </a:p>
+        </p:txBody>
+      </p:sp>
+      <p:sp>
+        <p:nvSpPr>
+          <p:cNvPr id="3" name="標題 2">
+            <a:extLst>
+              <a:ext uri="{FF2B5EF4-FFF2-40B4-BE49-F238E27FC236}">
+                <a16:creationId xmlns:a16="http://schemas.microsoft.com/office/drawing/2014/main" id="{735162D7-DC09-4C97-8788-D34DA27A7FE9}"/>
+              </a:ext>
+            </a:extLst>
+          </p:cNvPr>
+          <p:cNvSpPr>
+            <a:spLocks noGrp="1"/>
+          </p:cNvSpPr>
+          <p:nvPr>
+            <p:ph type="title"/>
+          </p:nvPr>
+        </p:nvSpPr>
+        <p:spPr/>
+        <p:txBody>
+          <a:bodyPr>
+            <a:normAutofit fontScale="90000"/>
+          </a:bodyPr>
+          <a:lstStyle/>
+          <a:p>
+            <a:r>
+              <a:rPr lang="zh-TW" altLang="en-US" sz="6000" dirty="0">
+                <a:latin typeface="Times New Roman" panose="02020603050405020304" pitchFamily="18" charset="0"/>
+                <a:ea typeface="標楷體" panose="03000509000000000000" pitchFamily="65" charset="-120"/>
+                <a:cs typeface="王漢宗顏楷體"/>
+                <a:sym typeface="王漢宗顏楷體"/>
+              </a:rPr>
+              <a:t>隱式綁定 </a:t>
+            </a:r>
+            <a:r>
+              <a:rPr lang="en-US" altLang="zh-TW" sz="6000" dirty="0">
+                <a:latin typeface="Times New Roman" panose="02020603050405020304" pitchFamily="18" charset="0"/>
+                <a:ea typeface="標楷體" panose="03000509000000000000" pitchFamily="65" charset="-120"/>
+                <a:cs typeface="王漢宗顏楷體"/>
+                <a:sym typeface="王漢宗顏楷體"/>
+              </a:rPr>
+              <a:t>(Implicit Binding)</a:t>
+            </a:r>
+          </a:p>
+        </p:txBody>
+      </p:sp>
+      <p:sp>
+        <p:nvSpPr>
+          <p:cNvPr id="4" name="文字版面配置區 3">
+            <a:extLst>
+              <a:ext uri="{FF2B5EF4-FFF2-40B4-BE49-F238E27FC236}">
+                <a16:creationId xmlns:a16="http://schemas.microsoft.com/office/drawing/2014/main" id="{04276CA9-1A5B-45AF-9188-BD92D1B6607D}"/>
+              </a:ext>
+            </a:extLst>
+          </p:cNvPr>
+          <p:cNvSpPr>
+            <a:spLocks noGrp="1"/>
+          </p:cNvSpPr>
+          <p:nvPr>
+            <p:ph type="body" sz="quarter" idx="11"/>
+          </p:nvPr>
+        </p:nvSpPr>
+        <p:spPr/>
+        <p:txBody>
+          <a:bodyPr>
+            <a:normAutofit lnSpcReduction="10000"/>
+          </a:bodyPr>
+          <a:lstStyle/>
+          <a:p>
+            <a:endParaRPr lang="zh-TW" altLang="en-US"/>
+          </a:p>
+        </p:txBody>
+      </p:sp>
+      <p:pic>
+        <p:nvPicPr>
+          <p:cNvPr id="5" name="圖片 4">
+            <a:extLst>
+              <a:ext uri="{FF2B5EF4-FFF2-40B4-BE49-F238E27FC236}">
+                <a16:creationId xmlns:a16="http://schemas.microsoft.com/office/drawing/2014/main" id="{CA39CE17-9FA0-40D3-BB9C-D8A2F62D1CE2}"/>
+              </a:ext>
+            </a:extLst>
+          </p:cNvPr>
+          <p:cNvPicPr>
+            <a:picLocks noChangeAspect="1"/>
+          </p:cNvPicPr>
+          <p:nvPr/>
+        </p:nvPicPr>
+        <p:blipFill>
+          <a:blip r:embed="rId2"/>
+          <a:stretch>
+            <a:fillRect/>
+          </a:stretch>
+        </p:blipFill>
+        <p:spPr>
+          <a:xfrm>
+            <a:off x="76200" y="1858397"/>
+            <a:ext cx="9543163" cy="2882830"/>
+          </a:xfrm>
+          <a:prstGeom prst="rect">
+            <a:avLst/>
+          </a:prstGeom>
+        </p:spPr>
+      </p:pic>
+    </p:spTree>
+    <p:extLst>
+      <p:ext uri="{BB962C8B-B14F-4D97-AF65-F5344CB8AC3E}">
+        <p14:creationId xmlns:p14="http://schemas.microsoft.com/office/powerpoint/2010/main" val="432567708"/>
+      </p:ext>
+    </p:extLst>
+  </p:cSld>
+  <p:clrMapOvr>
+    <a:masterClrMapping/>
+  </p:clrMapOvr>
+</p:sld>
+</file>
+
+<file path=ppt/slides/slide37.xml><?xml version="1.0" encoding="utf-8"?>
+<p:sld xmlns:a="http://schemas.openxmlformats.org/drawingml/2006/main" xmlns:r="http://schemas.openxmlformats.org/officeDocument/2006/relationships" xmlns:p="http://schemas.openxmlformats.org/presentationml/2006/main">
+  <p:cSld>
+    <p:spTree>
+      <p:nvGrpSpPr>
+        <p:cNvPr id="1" name=""/>
+        <p:cNvGrpSpPr/>
+        <p:nvPr/>
+      </p:nvGrpSpPr>
+      <p:grpSpPr>
+        <a:xfrm>
+          <a:off x="0" y="0"/>
+          <a:ext cx="0" cy="0"/>
+          <a:chOff x="0" y="0"/>
+          <a:chExt cx="0" cy="0"/>
+        </a:xfrm>
+      </p:grpSpPr>
+      <p:sp>
+        <p:nvSpPr>
+          <p:cNvPr id="2" name="內容版面配置區 1">
+            <a:extLst>
+              <a:ext uri="{FF2B5EF4-FFF2-40B4-BE49-F238E27FC236}">
+                <a16:creationId xmlns:a16="http://schemas.microsoft.com/office/drawing/2014/main" id="{802C0A02-2C75-4047-AD2D-1172F37A2AE6}"/>
+              </a:ext>
+            </a:extLst>
+          </p:cNvPr>
+          <p:cNvSpPr>
+            <a:spLocks noGrp="1"/>
+          </p:cNvSpPr>
+          <p:nvPr>
+            <p:ph sz="quarter" idx="12"/>
+          </p:nvPr>
+        </p:nvSpPr>
+        <p:spPr/>
+        <p:txBody>
+          <a:bodyPr/>
+          <a:lstStyle/>
+          <a:p>
+            <a:r>
+              <a:rPr lang="zh-TW" altLang="en-US" sz="1800" dirty="0">
+                <a:latin typeface="Times New Roman" panose="02020603050405020304" pitchFamily="18" charset="0"/>
+                <a:ea typeface="標楷體" panose="03000509000000000000" pitchFamily="65" charset="-120"/>
+                <a:cs typeface="王漢宗顏楷體"/>
+                <a:sym typeface="王漢宗顏楷體"/>
+              </a:rPr>
+              <a:t>在 </a:t>
+            </a:r>
+            <a:r>
+              <a:rPr lang="en-US" altLang="zh-TW" sz="1800" dirty="0">
+                <a:latin typeface="Times New Roman" panose="02020603050405020304" pitchFamily="18" charset="0"/>
+                <a:ea typeface="標楷體" panose="03000509000000000000" pitchFamily="65" charset="-120"/>
+                <a:cs typeface="王漢宗顏楷體"/>
+                <a:sym typeface="王漢宗顏楷體"/>
+              </a:rPr>
+              <a:t>JavaScript </a:t>
+            </a:r>
+            <a:r>
+              <a:rPr lang="zh-TW" altLang="en-US" sz="1800" dirty="0">
+                <a:latin typeface="Times New Roman" panose="02020603050405020304" pitchFamily="18" charset="0"/>
+                <a:ea typeface="標楷體" panose="03000509000000000000" pitchFamily="65" charset="-120"/>
+                <a:cs typeface="王漢宗顏楷體"/>
+                <a:sym typeface="王漢宗顏楷體"/>
+              </a:rPr>
+              <a:t>中，當我們希望函式的</a:t>
+            </a:r>
+            <a:r>
+              <a:rPr lang="en-US" altLang="zh-TW" sz="1800" dirty="0">
+                <a:latin typeface="Times New Roman" panose="02020603050405020304" pitchFamily="18" charset="0"/>
+                <a:ea typeface="標楷體" panose="03000509000000000000" pitchFamily="65" charset="-120"/>
+                <a:cs typeface="王漢宗顏楷體"/>
+                <a:sym typeface="王漢宗顏楷體"/>
+              </a:rPr>
+              <a:t>this</a:t>
+            </a:r>
+            <a:r>
+              <a:rPr lang="zh-TW" altLang="en-US" sz="1800" dirty="0">
+                <a:latin typeface="Times New Roman" panose="02020603050405020304" pitchFamily="18" charset="0"/>
+                <a:ea typeface="標楷體" panose="03000509000000000000" pitchFamily="65" charset="-120"/>
+                <a:cs typeface="王漢宗顏楷體"/>
+                <a:sym typeface="王漢宗顏楷體"/>
+              </a:rPr>
+              <a:t>被綁定到特定對象，或者想在呼叫函式時自動傳入一些固定的參數。</a:t>
+            </a:r>
+            <a:endParaRPr lang="en-US" altLang="zh-TW" sz="1800" dirty="0">
+              <a:latin typeface="Times New Roman" panose="02020603050405020304" pitchFamily="18" charset="0"/>
+              <a:ea typeface="標楷體" panose="03000509000000000000" pitchFamily="65" charset="-120"/>
+              <a:cs typeface="王漢宗顏楷體"/>
+              <a:sym typeface="王漢宗顏楷體"/>
+            </a:endParaRPr>
+          </a:p>
+          <a:p>
+            <a:r>
+              <a:rPr lang="zh-TW" altLang="en-US" sz="1800" dirty="0">
+                <a:latin typeface="Times New Roman" panose="02020603050405020304" pitchFamily="18" charset="0"/>
+                <a:ea typeface="標楷體" panose="03000509000000000000" pitchFamily="65" charset="-120"/>
+                <a:cs typeface="王漢宗顏楷體"/>
+                <a:sym typeface="王漢宗顏楷體"/>
+              </a:rPr>
+              <a:t>綁定函數</a:t>
+            </a:r>
+            <a:r>
+              <a:rPr lang="zh-TW" altLang="en-US" dirty="0">
+                <a:cs typeface="王漢宗顏楷體"/>
+                <a:sym typeface="王漢宗顏楷體"/>
+              </a:rPr>
+              <a:t>：</a:t>
+            </a:r>
+            <a:r>
+              <a:rPr lang="en-US" altLang="zh-TW" dirty="0">
+                <a:cs typeface="王漢宗顏楷體"/>
+                <a:sym typeface="王漢宗顏楷體"/>
+              </a:rPr>
+              <a:t>find</a:t>
+            </a:r>
+          </a:p>
+          <a:p>
+            <a:pPr lvl="1"/>
+            <a:r>
+              <a:rPr lang="en-US" altLang="zh-TW" dirty="0">
+                <a:latin typeface="Times New Roman" panose="02020603050405020304" pitchFamily="18" charset="0"/>
+                <a:ea typeface="標楷體" panose="03000509000000000000" pitchFamily="65" charset="-120"/>
+                <a:cs typeface="王漢宗顏楷體"/>
+                <a:sym typeface="王漢宗顏楷體"/>
+              </a:rPr>
+              <a:t>bind</a:t>
+            </a:r>
+            <a:r>
+              <a:rPr lang="zh-TW" altLang="en-US" dirty="0">
+                <a:latin typeface="Times New Roman" panose="02020603050405020304" pitchFamily="18" charset="0"/>
+                <a:ea typeface="標楷體" panose="03000509000000000000" pitchFamily="65" charset="-120"/>
+                <a:cs typeface="王漢宗顏楷體"/>
+                <a:sym typeface="王漢宗顏楷體"/>
+              </a:rPr>
+              <a:t>可以讓你創建一個新的函式，這個函式的</a:t>
+            </a:r>
+            <a:r>
+              <a:rPr lang="en-US" altLang="zh-TW" dirty="0">
+                <a:latin typeface="Times New Roman" panose="02020603050405020304" pitchFamily="18" charset="0"/>
+                <a:ea typeface="標楷體" panose="03000509000000000000" pitchFamily="65" charset="-120"/>
+                <a:cs typeface="王漢宗顏楷體"/>
+                <a:sym typeface="王漢宗顏楷體"/>
+              </a:rPr>
+              <a:t>this</a:t>
+            </a:r>
+            <a:r>
+              <a:rPr lang="zh-TW" altLang="en-US" dirty="0">
+                <a:latin typeface="Times New Roman" panose="02020603050405020304" pitchFamily="18" charset="0"/>
+                <a:ea typeface="標楷體" panose="03000509000000000000" pitchFamily="65" charset="-120"/>
+                <a:cs typeface="王漢宗顏楷體"/>
+                <a:sym typeface="王漢宗顏楷體"/>
+              </a:rPr>
+              <a:t>被綁定到特定對象，並且可以預設某些參數。</a:t>
+            </a:r>
+          </a:p>
+          <a:p>
+            <a:pPr lvl="1"/>
+            <a:r>
+              <a:rPr lang="en-US" altLang="zh-TW" dirty="0" err="1">
+                <a:latin typeface="Times New Roman" panose="02020603050405020304" pitchFamily="18" charset="0"/>
+                <a:ea typeface="標楷體" panose="03000509000000000000" pitchFamily="65" charset="-120"/>
+                <a:cs typeface="王漢宗顏楷體"/>
+                <a:sym typeface="王漢宗顏楷體"/>
+              </a:rPr>
+              <a:t>function.bind</a:t>
+            </a:r>
+            <a:r>
+              <a:rPr lang="en-US" altLang="zh-TW" dirty="0">
+                <a:latin typeface="Times New Roman" panose="02020603050405020304" pitchFamily="18" charset="0"/>
+                <a:ea typeface="標楷體" panose="03000509000000000000" pitchFamily="65" charset="-120"/>
+                <a:cs typeface="王漢宗顏楷體"/>
+                <a:sym typeface="王漢宗顏楷體"/>
+              </a:rPr>
+              <a:t>(</a:t>
+            </a:r>
+            <a:r>
+              <a:rPr lang="en-US" altLang="zh-TW" dirty="0" err="1">
+                <a:latin typeface="Times New Roman" panose="02020603050405020304" pitchFamily="18" charset="0"/>
+                <a:ea typeface="標楷體" panose="03000509000000000000" pitchFamily="65" charset="-120"/>
+                <a:cs typeface="王漢宗顏楷體"/>
+                <a:sym typeface="王漢宗顏楷體"/>
+              </a:rPr>
+              <a:t>thisValue</a:t>
+            </a:r>
+            <a:r>
+              <a:rPr lang="en-US" altLang="zh-TW" dirty="0">
+                <a:latin typeface="Times New Roman" panose="02020603050405020304" pitchFamily="18" charset="0"/>
+                <a:ea typeface="標楷體" panose="03000509000000000000" pitchFamily="65" charset="-120"/>
+                <a:cs typeface="王漢宗顏楷體"/>
+                <a:sym typeface="王漢宗顏楷體"/>
+              </a:rPr>
+              <a:t>, arg1, arg2, ..., </a:t>
+            </a:r>
+            <a:r>
+              <a:rPr lang="en-US" altLang="zh-TW" dirty="0" err="1">
+                <a:latin typeface="Times New Roman" panose="02020603050405020304" pitchFamily="18" charset="0"/>
+                <a:ea typeface="標楷體" panose="03000509000000000000" pitchFamily="65" charset="-120"/>
+                <a:cs typeface="王漢宗顏楷體"/>
+                <a:sym typeface="王漢宗顏楷體"/>
+              </a:rPr>
+              <a:t>argN</a:t>
+            </a:r>
+            <a:r>
+              <a:rPr lang="en-US" altLang="zh-TW" dirty="0">
+                <a:latin typeface="Times New Roman" panose="02020603050405020304" pitchFamily="18" charset="0"/>
+                <a:ea typeface="標楷體" panose="03000509000000000000" pitchFamily="65" charset="-120"/>
+                <a:cs typeface="王漢宗顏楷體"/>
+                <a:sym typeface="王漢宗顏楷體"/>
+              </a:rPr>
+              <a:t>);</a:t>
+            </a:r>
+          </a:p>
+          <a:p>
+            <a:pPr lvl="2"/>
+            <a:r>
+              <a:rPr lang="en-US" altLang="zh-TW" dirty="0" err="1">
+                <a:latin typeface="Times New Roman" panose="02020603050405020304" pitchFamily="18" charset="0"/>
+                <a:ea typeface="標楷體" panose="03000509000000000000" pitchFamily="65" charset="-120"/>
+                <a:cs typeface="王漢宗顏楷體"/>
+                <a:sym typeface="王漢宗顏楷體"/>
+              </a:rPr>
+              <a:t>thisValue</a:t>
+            </a:r>
+            <a:r>
+              <a:rPr lang="zh-TW" altLang="en-US" dirty="0">
+                <a:latin typeface="Times New Roman" panose="02020603050405020304" pitchFamily="18" charset="0"/>
+                <a:ea typeface="標楷體" panose="03000509000000000000" pitchFamily="65" charset="-120"/>
+                <a:cs typeface="王漢宗顏楷體"/>
+                <a:sym typeface="王漢宗顏楷體"/>
+              </a:rPr>
+              <a:t>：要綁定的</a:t>
+            </a:r>
+            <a:r>
+              <a:rPr lang="en-US" altLang="zh-TW" dirty="0">
+                <a:latin typeface="Times New Roman" panose="02020603050405020304" pitchFamily="18" charset="0"/>
+                <a:ea typeface="標楷體" panose="03000509000000000000" pitchFamily="65" charset="-120"/>
+                <a:cs typeface="王漢宗顏楷體"/>
+                <a:sym typeface="王漢宗顏楷體"/>
+              </a:rPr>
+              <a:t>this</a:t>
+            </a:r>
+            <a:r>
+              <a:rPr lang="zh-TW" altLang="en-US" dirty="0">
+                <a:latin typeface="Times New Roman" panose="02020603050405020304" pitchFamily="18" charset="0"/>
+                <a:ea typeface="標楷體" panose="03000509000000000000" pitchFamily="65" charset="-120"/>
+                <a:cs typeface="王漢宗顏楷體"/>
+                <a:sym typeface="王漢宗顏楷體"/>
+              </a:rPr>
+              <a:t>對象，必須指定。</a:t>
+            </a:r>
+          </a:p>
+          <a:p>
+            <a:pPr lvl="2"/>
+            <a:r>
+              <a:rPr lang="en-US" altLang="zh-TW" dirty="0">
+                <a:latin typeface="Times New Roman" panose="02020603050405020304" pitchFamily="18" charset="0"/>
+                <a:ea typeface="標楷體" panose="03000509000000000000" pitchFamily="65" charset="-120"/>
+                <a:cs typeface="王漢宗顏楷體"/>
+                <a:sym typeface="王漢宗顏楷體"/>
+              </a:rPr>
+              <a:t>arg1, arg2, ..., </a:t>
+            </a:r>
+            <a:r>
+              <a:rPr lang="en-US" altLang="zh-TW" dirty="0" err="1">
+                <a:latin typeface="Times New Roman" panose="02020603050405020304" pitchFamily="18" charset="0"/>
+                <a:ea typeface="標楷體" panose="03000509000000000000" pitchFamily="65" charset="-120"/>
+                <a:cs typeface="王漢宗顏楷體"/>
+                <a:sym typeface="王漢宗顏楷體"/>
+              </a:rPr>
+              <a:t>argN</a:t>
+            </a:r>
+            <a:r>
+              <a:rPr lang="zh-TW" altLang="en-US" dirty="0">
+                <a:latin typeface="Times New Roman" panose="02020603050405020304" pitchFamily="18" charset="0"/>
+                <a:ea typeface="標楷體" panose="03000509000000000000" pitchFamily="65" charset="-120"/>
+                <a:cs typeface="王漢宗顏楷體"/>
+                <a:sym typeface="王漢宗顏楷體"/>
+              </a:rPr>
+              <a:t>：可選的參數列表。</a:t>
+            </a:r>
+          </a:p>
+          <a:p>
+            <a:endParaRPr lang="zh-TW" altLang="en-US" sz="1800" dirty="0">
+              <a:latin typeface="Times New Roman" panose="02020603050405020304" pitchFamily="18" charset="0"/>
+              <a:ea typeface="標楷體" panose="03000509000000000000" pitchFamily="65" charset="-120"/>
+              <a:cs typeface="王漢宗顏楷體"/>
+              <a:sym typeface="王漢宗顏楷體"/>
+            </a:endParaRPr>
+          </a:p>
+        </p:txBody>
+      </p:sp>
+      <p:sp>
+        <p:nvSpPr>
+          <p:cNvPr id="3" name="標題 2">
+            <a:extLst>
+              <a:ext uri="{FF2B5EF4-FFF2-40B4-BE49-F238E27FC236}">
+                <a16:creationId xmlns:a16="http://schemas.microsoft.com/office/drawing/2014/main" id="{735162D7-DC09-4C97-8788-D34DA27A7FE9}"/>
+              </a:ext>
+            </a:extLst>
+          </p:cNvPr>
+          <p:cNvSpPr>
+            <a:spLocks noGrp="1"/>
+          </p:cNvSpPr>
+          <p:nvPr>
+            <p:ph type="title"/>
+          </p:nvPr>
+        </p:nvSpPr>
+        <p:spPr/>
+        <p:txBody>
+          <a:bodyPr>
+            <a:normAutofit fontScale="90000"/>
+          </a:bodyPr>
+          <a:lstStyle/>
+          <a:p>
+            <a:r>
+              <a:rPr lang="zh-TW" altLang="en-US" sz="6000" dirty="0">
+                <a:solidFill>
+                  <a:srgbClr val="FFFFFF"/>
+                </a:solidFill>
+                <a:latin typeface="Times New Roman" panose="02020603050405020304" pitchFamily="18" charset="0"/>
+                <a:ea typeface="標楷體" panose="03000509000000000000" pitchFamily="65" charset="-120"/>
+                <a:cs typeface="Times New Roman" panose="02020603050405020304" pitchFamily="18" charset="0"/>
+                <a:sym typeface="王漢宗顏楷體"/>
+              </a:rPr>
+              <a:t>顯式綁定</a:t>
+            </a:r>
+            <a:r>
+              <a:rPr lang="en-US" altLang="zh-TW" sz="6000" dirty="0">
+                <a:solidFill>
+                  <a:srgbClr val="FFFFFF"/>
+                </a:solidFill>
+                <a:latin typeface="Times New Roman" panose="02020603050405020304" pitchFamily="18" charset="0"/>
+                <a:ea typeface="標楷體" panose="03000509000000000000" pitchFamily="65" charset="-120"/>
+                <a:cs typeface="Times New Roman" panose="02020603050405020304" pitchFamily="18" charset="0"/>
+                <a:sym typeface="王漢宗顏楷體"/>
+              </a:rPr>
+              <a:t>(Explicit binding)</a:t>
+            </a:r>
+          </a:p>
+        </p:txBody>
+      </p:sp>
+      <p:sp>
+        <p:nvSpPr>
+          <p:cNvPr id="4" name="文字版面配置區 3">
+            <a:extLst>
+              <a:ext uri="{FF2B5EF4-FFF2-40B4-BE49-F238E27FC236}">
+                <a16:creationId xmlns:a16="http://schemas.microsoft.com/office/drawing/2014/main" id="{04276CA9-1A5B-45AF-9188-BD92D1B6607D}"/>
+              </a:ext>
+            </a:extLst>
+          </p:cNvPr>
+          <p:cNvSpPr>
+            <a:spLocks noGrp="1"/>
+          </p:cNvSpPr>
+          <p:nvPr>
+            <p:ph type="body" sz="quarter" idx="11"/>
+          </p:nvPr>
+        </p:nvSpPr>
+        <p:spPr/>
+        <p:txBody>
+          <a:bodyPr>
+            <a:normAutofit lnSpcReduction="10000"/>
+          </a:bodyPr>
+          <a:lstStyle/>
+          <a:p>
+            <a:endParaRPr lang="zh-TW" altLang="en-US"/>
+          </a:p>
+        </p:txBody>
+      </p:sp>
+      <p:pic>
+        <p:nvPicPr>
+          <p:cNvPr id="6" name="圖片 5">
+            <a:extLst>
+              <a:ext uri="{FF2B5EF4-FFF2-40B4-BE49-F238E27FC236}">
+                <a16:creationId xmlns:a16="http://schemas.microsoft.com/office/drawing/2014/main" id="{7F872C43-23C8-40D5-A10C-775EF38AA5B2}"/>
+              </a:ext>
+            </a:extLst>
+          </p:cNvPr>
+          <p:cNvPicPr>
+            <a:picLocks noChangeAspect="1"/>
+          </p:cNvPicPr>
+          <p:nvPr/>
+        </p:nvPicPr>
+        <p:blipFill>
+          <a:blip r:embed="rId2"/>
+          <a:stretch>
+            <a:fillRect/>
+          </a:stretch>
+        </p:blipFill>
+        <p:spPr>
+          <a:xfrm>
+            <a:off x="6029691" y="3120613"/>
+            <a:ext cx="6086109" cy="2200687"/>
+          </a:xfrm>
+          <a:prstGeom prst="rect">
+            <a:avLst/>
+          </a:prstGeom>
+        </p:spPr>
+      </p:pic>
+      <p:pic>
+        <p:nvPicPr>
+          <p:cNvPr id="7" name="圖片 6">
+            <a:extLst>
+              <a:ext uri="{FF2B5EF4-FFF2-40B4-BE49-F238E27FC236}">
+                <a16:creationId xmlns:a16="http://schemas.microsoft.com/office/drawing/2014/main" id="{432A55F3-3723-44BC-A51B-A4E434ECEBFB}"/>
+              </a:ext>
+            </a:extLst>
+          </p:cNvPr>
+          <p:cNvPicPr>
+            <a:picLocks noChangeAspect="1"/>
+          </p:cNvPicPr>
+          <p:nvPr/>
+        </p:nvPicPr>
+        <p:blipFill>
+          <a:blip r:embed="rId3"/>
+          <a:stretch>
+            <a:fillRect/>
+          </a:stretch>
+        </p:blipFill>
+        <p:spPr>
+          <a:xfrm>
+            <a:off x="56556" y="3120613"/>
+            <a:ext cx="5874039" cy="2543587"/>
+          </a:xfrm>
+          <a:prstGeom prst="rect">
+            <a:avLst/>
+          </a:prstGeom>
+        </p:spPr>
+      </p:pic>
+    </p:spTree>
+    <p:extLst>
+      <p:ext uri="{BB962C8B-B14F-4D97-AF65-F5344CB8AC3E}">
+        <p14:creationId xmlns:p14="http://schemas.microsoft.com/office/powerpoint/2010/main" val="1853559873"/>
+      </p:ext>
+    </p:extLst>
+  </p:cSld>
+  <p:clrMapOvr>
+    <a:masterClrMapping/>
+  </p:clrMapOvr>
+</p:sld>
+</file>
+
+<file path=ppt/slides/slide38.xml><?xml version="1.0" encoding="utf-8"?>
+<p:sld xmlns:a="http://schemas.openxmlformats.org/drawingml/2006/main" xmlns:r="http://schemas.openxmlformats.org/officeDocument/2006/relationships" xmlns:p="http://schemas.openxmlformats.org/presentationml/2006/main">
+  <p:cSld>
+    <p:spTree>
+      <p:nvGrpSpPr>
+        <p:cNvPr id="1" name=""/>
+        <p:cNvGrpSpPr/>
+        <p:nvPr/>
+      </p:nvGrpSpPr>
+      <p:grpSpPr>
+        <a:xfrm>
+          <a:off x="0" y="0"/>
+          <a:ext cx="0" cy="0"/>
+          <a:chOff x="0" y="0"/>
+          <a:chExt cx="0" cy="0"/>
+        </a:xfrm>
+      </p:grpSpPr>
+      <p:sp>
+        <p:nvSpPr>
+          <p:cNvPr id="2" name="內容版面配置區 1">
+            <a:extLst>
+              <a:ext uri="{FF2B5EF4-FFF2-40B4-BE49-F238E27FC236}">
+                <a16:creationId xmlns:a16="http://schemas.microsoft.com/office/drawing/2014/main" id="{802C0A02-2C75-4047-AD2D-1172F37A2AE6}"/>
+              </a:ext>
+            </a:extLst>
+          </p:cNvPr>
+          <p:cNvSpPr>
+            <a:spLocks noGrp="1"/>
+          </p:cNvSpPr>
+          <p:nvPr>
+            <p:ph sz="quarter" idx="12"/>
+          </p:nvPr>
+        </p:nvSpPr>
+        <p:spPr/>
+        <p:txBody>
+          <a:bodyPr/>
+          <a:lstStyle/>
+          <a:p>
+            <a:r>
+              <a:rPr lang="zh-TW" altLang="en-US" sz="1800" dirty="0">
+                <a:latin typeface="Times New Roman" panose="02020603050405020304" pitchFamily="18" charset="0"/>
+                <a:ea typeface="標楷體" panose="03000509000000000000" pitchFamily="65" charset="-120"/>
+                <a:cs typeface="王漢宗顏楷體"/>
+                <a:sym typeface="王漢宗顏楷體"/>
+              </a:rPr>
+              <a:t>綁定函數</a:t>
+            </a:r>
+            <a:r>
+              <a:rPr lang="zh-TW" altLang="en-US" dirty="0">
+                <a:cs typeface="王漢宗顏楷體"/>
+                <a:sym typeface="王漢宗顏楷體"/>
+              </a:rPr>
+              <a:t>：</a:t>
+            </a:r>
+            <a:r>
+              <a:rPr lang="en-US" altLang="zh-TW" dirty="0">
+                <a:cs typeface="王漢宗顏楷體"/>
+                <a:sym typeface="王漢宗顏楷體"/>
+              </a:rPr>
+              <a:t>find</a:t>
+            </a:r>
+          </a:p>
+          <a:p>
+            <a:pPr lvl="1"/>
+            <a:r>
+              <a:rPr lang="en-US" altLang="zh-TW" dirty="0">
+                <a:latin typeface="Times New Roman" panose="02020603050405020304" pitchFamily="18" charset="0"/>
+                <a:ea typeface="標楷體" panose="03000509000000000000" pitchFamily="65" charset="-120"/>
+                <a:cs typeface="王漢宗顏楷體"/>
+                <a:sym typeface="王漢宗顏楷體"/>
+              </a:rPr>
+              <a:t>bind</a:t>
+            </a:r>
+            <a:r>
+              <a:rPr lang="zh-TW" altLang="en-US" dirty="0">
+                <a:latin typeface="Times New Roman" panose="02020603050405020304" pitchFamily="18" charset="0"/>
+                <a:ea typeface="標楷體" panose="03000509000000000000" pitchFamily="65" charset="-120"/>
+                <a:cs typeface="王漢宗顏楷體"/>
+                <a:sym typeface="王漢宗顏楷體"/>
+              </a:rPr>
+              <a:t>可以讓你創建一個新的函式，這個函式的</a:t>
+            </a:r>
+            <a:r>
+              <a:rPr lang="en-US" altLang="zh-TW" dirty="0">
+                <a:latin typeface="Times New Roman" panose="02020603050405020304" pitchFamily="18" charset="0"/>
+                <a:ea typeface="標楷體" panose="03000509000000000000" pitchFamily="65" charset="-120"/>
+                <a:cs typeface="王漢宗顏楷體"/>
+                <a:sym typeface="王漢宗顏楷體"/>
+              </a:rPr>
+              <a:t>this</a:t>
+            </a:r>
+            <a:r>
+              <a:rPr lang="zh-TW" altLang="en-US" dirty="0">
+                <a:latin typeface="Times New Roman" panose="02020603050405020304" pitchFamily="18" charset="0"/>
+                <a:ea typeface="標楷體" panose="03000509000000000000" pitchFamily="65" charset="-120"/>
+                <a:cs typeface="王漢宗顏楷體"/>
+                <a:sym typeface="王漢宗顏楷體"/>
+              </a:rPr>
+              <a:t>被綁定到特定對象，並且可以預設某些參數。</a:t>
+            </a:r>
+          </a:p>
+          <a:p>
+            <a:pPr lvl="1"/>
+            <a:r>
+              <a:rPr lang="en-US" altLang="zh-TW" dirty="0" err="1">
+                <a:latin typeface="Times New Roman" panose="02020603050405020304" pitchFamily="18" charset="0"/>
+                <a:ea typeface="標楷體" panose="03000509000000000000" pitchFamily="65" charset="-120"/>
+                <a:cs typeface="王漢宗顏楷體"/>
+                <a:sym typeface="王漢宗顏楷體"/>
+              </a:rPr>
+              <a:t>function.bind</a:t>
+            </a:r>
+            <a:r>
+              <a:rPr lang="en-US" altLang="zh-TW" dirty="0">
+                <a:latin typeface="Times New Roman" panose="02020603050405020304" pitchFamily="18" charset="0"/>
+                <a:ea typeface="標楷體" panose="03000509000000000000" pitchFamily="65" charset="-120"/>
+                <a:cs typeface="王漢宗顏楷體"/>
+                <a:sym typeface="王漢宗顏楷體"/>
+              </a:rPr>
+              <a:t>(</a:t>
+            </a:r>
+            <a:r>
+              <a:rPr lang="en-US" altLang="zh-TW" dirty="0" err="1">
+                <a:latin typeface="Times New Roman" panose="02020603050405020304" pitchFamily="18" charset="0"/>
+                <a:ea typeface="標楷體" panose="03000509000000000000" pitchFamily="65" charset="-120"/>
+                <a:cs typeface="王漢宗顏楷體"/>
+                <a:sym typeface="王漢宗顏楷體"/>
+              </a:rPr>
+              <a:t>thisValue</a:t>
+            </a:r>
+            <a:r>
+              <a:rPr lang="en-US" altLang="zh-TW" dirty="0">
+                <a:latin typeface="Times New Roman" panose="02020603050405020304" pitchFamily="18" charset="0"/>
+                <a:ea typeface="標楷體" panose="03000509000000000000" pitchFamily="65" charset="-120"/>
+                <a:cs typeface="王漢宗顏楷體"/>
+                <a:sym typeface="王漢宗顏楷體"/>
+              </a:rPr>
+              <a:t>, arg1, arg2, ..., </a:t>
+            </a:r>
+            <a:r>
+              <a:rPr lang="en-US" altLang="zh-TW" dirty="0" err="1">
+                <a:latin typeface="Times New Roman" panose="02020603050405020304" pitchFamily="18" charset="0"/>
+                <a:ea typeface="標楷體" panose="03000509000000000000" pitchFamily="65" charset="-120"/>
+                <a:cs typeface="王漢宗顏楷體"/>
+                <a:sym typeface="王漢宗顏楷體"/>
+              </a:rPr>
+              <a:t>argN</a:t>
+            </a:r>
+            <a:r>
+              <a:rPr lang="en-US" altLang="zh-TW" dirty="0">
+                <a:latin typeface="Times New Roman" panose="02020603050405020304" pitchFamily="18" charset="0"/>
+                <a:ea typeface="標楷體" panose="03000509000000000000" pitchFamily="65" charset="-120"/>
+                <a:cs typeface="王漢宗顏楷體"/>
+                <a:sym typeface="王漢宗顏楷體"/>
+              </a:rPr>
+              <a:t>);</a:t>
+            </a:r>
+          </a:p>
+          <a:p>
+            <a:pPr lvl="2"/>
+            <a:r>
+              <a:rPr lang="en-US" altLang="zh-TW" dirty="0" err="1">
+                <a:latin typeface="Times New Roman" panose="02020603050405020304" pitchFamily="18" charset="0"/>
+                <a:ea typeface="標楷體" panose="03000509000000000000" pitchFamily="65" charset="-120"/>
+                <a:cs typeface="王漢宗顏楷體"/>
+                <a:sym typeface="王漢宗顏楷體"/>
+              </a:rPr>
+              <a:t>thisValue</a:t>
+            </a:r>
+            <a:r>
+              <a:rPr lang="zh-TW" altLang="en-US" dirty="0">
+                <a:latin typeface="Times New Roman" panose="02020603050405020304" pitchFamily="18" charset="0"/>
+                <a:ea typeface="標楷體" panose="03000509000000000000" pitchFamily="65" charset="-120"/>
+                <a:cs typeface="王漢宗顏楷體"/>
+                <a:sym typeface="王漢宗顏楷體"/>
+              </a:rPr>
+              <a:t>：要綁定的</a:t>
+            </a:r>
+            <a:r>
+              <a:rPr lang="en-US" altLang="zh-TW" dirty="0">
+                <a:latin typeface="Times New Roman" panose="02020603050405020304" pitchFamily="18" charset="0"/>
+                <a:ea typeface="標楷體" panose="03000509000000000000" pitchFamily="65" charset="-120"/>
+                <a:cs typeface="王漢宗顏楷體"/>
+                <a:sym typeface="王漢宗顏楷體"/>
+              </a:rPr>
+              <a:t>this</a:t>
+            </a:r>
+            <a:r>
+              <a:rPr lang="zh-TW" altLang="en-US" dirty="0">
+                <a:latin typeface="Times New Roman" panose="02020603050405020304" pitchFamily="18" charset="0"/>
+                <a:ea typeface="標楷體" panose="03000509000000000000" pitchFamily="65" charset="-120"/>
+                <a:cs typeface="王漢宗顏楷體"/>
+                <a:sym typeface="王漢宗顏楷體"/>
+              </a:rPr>
+              <a:t>對象，必須指定。</a:t>
+            </a:r>
+          </a:p>
+          <a:p>
+            <a:pPr lvl="2"/>
+            <a:r>
+              <a:rPr lang="en-US" altLang="zh-TW" dirty="0">
+                <a:latin typeface="Times New Roman" panose="02020603050405020304" pitchFamily="18" charset="0"/>
+                <a:ea typeface="標楷體" panose="03000509000000000000" pitchFamily="65" charset="-120"/>
+                <a:cs typeface="王漢宗顏楷體"/>
+                <a:sym typeface="王漢宗顏楷體"/>
+              </a:rPr>
+              <a:t>arg1, arg2, ..., </a:t>
+            </a:r>
+            <a:r>
+              <a:rPr lang="en-US" altLang="zh-TW" dirty="0" err="1">
+                <a:latin typeface="Times New Roman" panose="02020603050405020304" pitchFamily="18" charset="0"/>
+                <a:ea typeface="標楷體" panose="03000509000000000000" pitchFamily="65" charset="-120"/>
+                <a:cs typeface="王漢宗顏楷體"/>
+                <a:sym typeface="王漢宗顏楷體"/>
+              </a:rPr>
+              <a:t>argN</a:t>
+            </a:r>
+            <a:r>
+              <a:rPr lang="zh-TW" altLang="en-US" dirty="0">
+                <a:latin typeface="Times New Roman" panose="02020603050405020304" pitchFamily="18" charset="0"/>
+                <a:ea typeface="標楷體" panose="03000509000000000000" pitchFamily="65" charset="-120"/>
+                <a:cs typeface="王漢宗顏楷體"/>
+                <a:sym typeface="王漢宗顏楷體"/>
+              </a:rPr>
+              <a:t>：可選的參數列表。</a:t>
+            </a:r>
+          </a:p>
+        </p:txBody>
+      </p:sp>
+      <p:sp>
+        <p:nvSpPr>
+          <p:cNvPr id="3" name="標題 2">
+            <a:extLst>
+              <a:ext uri="{FF2B5EF4-FFF2-40B4-BE49-F238E27FC236}">
+                <a16:creationId xmlns:a16="http://schemas.microsoft.com/office/drawing/2014/main" id="{735162D7-DC09-4C97-8788-D34DA27A7FE9}"/>
+              </a:ext>
+            </a:extLst>
+          </p:cNvPr>
+          <p:cNvSpPr>
+            <a:spLocks noGrp="1"/>
+          </p:cNvSpPr>
+          <p:nvPr>
+            <p:ph type="title"/>
+          </p:nvPr>
+        </p:nvSpPr>
+        <p:spPr/>
+        <p:txBody>
+          <a:bodyPr>
+            <a:normAutofit fontScale="90000"/>
+          </a:bodyPr>
+          <a:lstStyle/>
+          <a:p>
+            <a:r>
+              <a:rPr lang="zh-TW" altLang="en-US" sz="6000" dirty="0">
+                <a:solidFill>
+                  <a:srgbClr val="FFFFFF"/>
+                </a:solidFill>
+                <a:latin typeface="Times New Roman" panose="02020603050405020304" pitchFamily="18" charset="0"/>
+                <a:ea typeface="標楷體" panose="03000509000000000000" pitchFamily="65" charset="-120"/>
+                <a:cs typeface="Times New Roman" panose="02020603050405020304" pitchFamily="18" charset="0"/>
+                <a:sym typeface="王漢宗顏楷體"/>
+              </a:rPr>
+              <a:t>顯式綁定</a:t>
+            </a:r>
+            <a:r>
+              <a:rPr lang="en-US" altLang="zh-TW" sz="6000" dirty="0">
+                <a:solidFill>
+                  <a:srgbClr val="FFFFFF"/>
+                </a:solidFill>
+                <a:latin typeface="Times New Roman" panose="02020603050405020304" pitchFamily="18" charset="0"/>
+                <a:ea typeface="標楷體" panose="03000509000000000000" pitchFamily="65" charset="-120"/>
+                <a:cs typeface="Times New Roman" panose="02020603050405020304" pitchFamily="18" charset="0"/>
+                <a:sym typeface="王漢宗顏楷體"/>
+              </a:rPr>
+              <a:t>(Explicit binding)</a:t>
+            </a:r>
+            <a:endParaRPr lang="zh-TW" altLang="en-US" dirty="0"/>
+          </a:p>
+        </p:txBody>
+      </p:sp>
+      <p:sp>
+        <p:nvSpPr>
+          <p:cNvPr id="4" name="文字版面配置區 3">
+            <a:extLst>
+              <a:ext uri="{FF2B5EF4-FFF2-40B4-BE49-F238E27FC236}">
+                <a16:creationId xmlns:a16="http://schemas.microsoft.com/office/drawing/2014/main" id="{04276CA9-1A5B-45AF-9188-BD92D1B6607D}"/>
+              </a:ext>
+            </a:extLst>
+          </p:cNvPr>
+          <p:cNvSpPr>
+            <a:spLocks noGrp="1"/>
+          </p:cNvSpPr>
+          <p:nvPr>
+            <p:ph type="body" sz="quarter" idx="11"/>
+          </p:nvPr>
+        </p:nvSpPr>
+        <p:spPr/>
+        <p:txBody>
+          <a:bodyPr>
+            <a:normAutofit lnSpcReduction="10000"/>
+          </a:bodyPr>
+          <a:lstStyle/>
+          <a:p>
+            <a:endParaRPr lang="zh-TW" altLang="en-US"/>
+          </a:p>
+        </p:txBody>
+      </p:sp>
+      <p:pic>
+        <p:nvPicPr>
+          <p:cNvPr id="5" name="圖片 4">
+            <a:extLst>
+              <a:ext uri="{FF2B5EF4-FFF2-40B4-BE49-F238E27FC236}">
+                <a16:creationId xmlns:a16="http://schemas.microsoft.com/office/drawing/2014/main" id="{C38A9CCD-06C1-48A5-A014-ED27EEFFA95A}"/>
+              </a:ext>
+            </a:extLst>
+          </p:cNvPr>
+          <p:cNvPicPr>
+            <a:picLocks noChangeAspect="1"/>
+          </p:cNvPicPr>
+          <p:nvPr/>
+        </p:nvPicPr>
+        <p:blipFill>
+          <a:blip r:embed="rId2"/>
+          <a:stretch>
+            <a:fillRect/>
+          </a:stretch>
+        </p:blipFill>
+        <p:spPr>
+          <a:xfrm>
+            <a:off x="76200" y="2724489"/>
+            <a:ext cx="10929621" cy="3952536"/>
+          </a:xfrm>
+          <a:prstGeom prst="rect">
+            <a:avLst/>
+          </a:prstGeom>
+        </p:spPr>
+      </p:pic>
+    </p:spTree>
+    <p:extLst>
+      <p:ext uri="{BB962C8B-B14F-4D97-AF65-F5344CB8AC3E}">
+        <p14:creationId xmlns:p14="http://schemas.microsoft.com/office/powerpoint/2010/main" val="434214108"/>
+      </p:ext>
+    </p:extLst>
+  </p:cSld>
+  <p:clrMapOvr>
+    <a:masterClrMapping/>
+  </p:clrMapOvr>
+</p:sld>
+</file>
+
+<file path=ppt/slides/slide39.xml><?xml version="1.0" encoding="utf-8"?>
+<p:sld xmlns:a="http://schemas.openxmlformats.org/drawingml/2006/main" xmlns:r="http://schemas.openxmlformats.org/officeDocument/2006/relationships" xmlns:p="http://schemas.openxmlformats.org/presentationml/2006/main">
+  <p:cSld>
+    <p:spTree>
+      <p:nvGrpSpPr>
+        <p:cNvPr id="1" name=""/>
+        <p:cNvGrpSpPr/>
+        <p:nvPr/>
+      </p:nvGrpSpPr>
+      <p:grpSpPr>
+        <a:xfrm>
+          <a:off x="0" y="0"/>
+          <a:ext cx="0" cy="0"/>
+          <a:chOff x="0" y="0"/>
+          <a:chExt cx="0" cy="0"/>
+        </a:xfrm>
+      </p:grpSpPr>
+      <p:sp>
+        <p:nvSpPr>
+          <p:cNvPr id="2" name="內容版面配置區 1">
+            <a:extLst>
+              <a:ext uri="{FF2B5EF4-FFF2-40B4-BE49-F238E27FC236}">
+                <a16:creationId xmlns:a16="http://schemas.microsoft.com/office/drawing/2014/main" id="{802C0A02-2C75-4047-AD2D-1172F37A2AE6}"/>
+              </a:ext>
+            </a:extLst>
+          </p:cNvPr>
+          <p:cNvSpPr>
+            <a:spLocks noGrp="1"/>
+          </p:cNvSpPr>
+          <p:nvPr>
+            <p:ph sz="quarter" idx="12"/>
+          </p:nvPr>
+        </p:nvSpPr>
+        <p:spPr/>
+        <p:txBody>
+          <a:bodyPr/>
+          <a:lstStyle/>
+          <a:p>
+            <a:r>
+              <a:rPr lang="zh-TW" altLang="en-US" sz="1800" dirty="0">
+                <a:latin typeface="Times New Roman" panose="02020603050405020304" pitchFamily="18" charset="0"/>
+                <a:ea typeface="標楷體" panose="03000509000000000000" pitchFamily="65" charset="-120"/>
+                <a:cs typeface="王漢宗顏楷體"/>
+                <a:sym typeface="王漢宗顏楷體"/>
+              </a:rPr>
+              <a:t>綁定函數</a:t>
+            </a:r>
+            <a:r>
+              <a:rPr lang="zh-TW" altLang="en-US" dirty="0">
+                <a:cs typeface="王漢宗顏楷體"/>
+                <a:sym typeface="王漢宗顏楷體"/>
+              </a:rPr>
+              <a:t>：</a:t>
+            </a:r>
+            <a:r>
+              <a:rPr lang="en-US" altLang="zh-TW" dirty="0">
+                <a:cs typeface="王漢宗顏楷體"/>
+                <a:sym typeface="王漢宗顏楷體"/>
+              </a:rPr>
+              <a:t>call</a:t>
+            </a:r>
+          </a:p>
+          <a:p>
+            <a:r>
+              <a:rPr lang="en-US" altLang="zh-TW" dirty="0">
+                <a:cs typeface="王漢宗顏楷體"/>
+                <a:sym typeface="王漢宗顏楷體"/>
+              </a:rPr>
+              <a:t>call</a:t>
+            </a:r>
+            <a:r>
+              <a:rPr lang="zh-TW" altLang="en-US" dirty="0">
+                <a:cs typeface="王漢宗顏楷體"/>
+                <a:sym typeface="王漢宗顏楷體"/>
+              </a:rPr>
+              <a:t>是 </a:t>
+            </a:r>
+            <a:r>
+              <a:rPr lang="en-US" altLang="zh-TW" dirty="0">
+                <a:cs typeface="王漢宗顏楷體"/>
+                <a:sym typeface="王漢宗顏楷體"/>
+              </a:rPr>
+              <a:t>JavaScript</a:t>
+            </a:r>
+            <a:r>
+              <a:rPr lang="zh-TW" altLang="en-US" dirty="0">
+                <a:cs typeface="王漢宗顏楷體"/>
+                <a:sym typeface="王漢宗顏楷體"/>
+              </a:rPr>
+              <a:t>中的一個函式方法，用於改變函式內部的</a:t>
+            </a:r>
+            <a:r>
+              <a:rPr lang="en-US" altLang="zh-TW" dirty="0">
+                <a:cs typeface="王漢宗顏楷體"/>
+                <a:sym typeface="王漢宗顏楷體"/>
+              </a:rPr>
+              <a:t>this</a:t>
+            </a:r>
+            <a:r>
+              <a:rPr lang="zh-TW" altLang="en-US" dirty="0">
+                <a:cs typeface="王漢宗顏楷體"/>
+                <a:sym typeface="王漢宗顏楷體"/>
+              </a:rPr>
+              <a:t>指向，並立即執行該函式。</a:t>
+            </a:r>
+          </a:p>
+          <a:p>
+            <a:r>
+              <a:rPr lang="zh-TW" altLang="en-US" dirty="0">
+                <a:cs typeface="王漢宗顏楷體"/>
+                <a:sym typeface="王漢宗顏楷體"/>
+              </a:rPr>
+              <a:t>與</a:t>
+            </a:r>
+            <a:r>
+              <a:rPr lang="en-US" altLang="zh-TW" dirty="0">
+                <a:cs typeface="王漢宗顏楷體"/>
+                <a:sym typeface="王漢宗顏楷體"/>
+              </a:rPr>
+              <a:t>bind</a:t>
+            </a:r>
+            <a:r>
+              <a:rPr lang="zh-TW" altLang="en-US" dirty="0">
+                <a:cs typeface="王漢宗顏楷體"/>
+                <a:sym typeface="王漢宗顏楷體"/>
+              </a:rPr>
+              <a:t>不同的是，</a:t>
+            </a:r>
+            <a:r>
+              <a:rPr lang="en-US" altLang="zh-TW" dirty="0">
+                <a:cs typeface="王漢宗顏楷體"/>
+                <a:sym typeface="王漢宗顏楷體"/>
+              </a:rPr>
+              <a:t>call</a:t>
+            </a:r>
+            <a:r>
+              <a:rPr lang="zh-TW" altLang="en-US" dirty="0">
+                <a:cs typeface="王漢宗顏楷體"/>
+                <a:sym typeface="王漢宗顏楷體"/>
+              </a:rPr>
+              <a:t>不會返回一個新的函式，而是直接執行。</a:t>
+            </a:r>
+          </a:p>
+          <a:p>
+            <a:endParaRPr lang="en-US" altLang="zh-TW" dirty="0">
+              <a:cs typeface="王漢宗顏楷體"/>
+              <a:sym typeface="王漢宗顏楷體"/>
+            </a:endParaRPr>
+          </a:p>
+        </p:txBody>
+      </p:sp>
+      <p:sp>
+        <p:nvSpPr>
+          <p:cNvPr id="3" name="標題 2">
+            <a:extLst>
+              <a:ext uri="{FF2B5EF4-FFF2-40B4-BE49-F238E27FC236}">
+                <a16:creationId xmlns:a16="http://schemas.microsoft.com/office/drawing/2014/main" id="{735162D7-DC09-4C97-8788-D34DA27A7FE9}"/>
+              </a:ext>
+            </a:extLst>
+          </p:cNvPr>
+          <p:cNvSpPr>
+            <a:spLocks noGrp="1"/>
+          </p:cNvSpPr>
+          <p:nvPr>
+            <p:ph type="title"/>
+          </p:nvPr>
+        </p:nvSpPr>
+        <p:spPr/>
+        <p:txBody>
+          <a:bodyPr>
+            <a:normAutofit fontScale="90000"/>
+          </a:bodyPr>
+          <a:lstStyle/>
+          <a:p>
+            <a:r>
+              <a:rPr lang="zh-TW" altLang="en-US" sz="6000" dirty="0">
+                <a:solidFill>
+                  <a:srgbClr val="FFFFFF"/>
+                </a:solidFill>
+                <a:latin typeface="Times New Roman" panose="02020603050405020304" pitchFamily="18" charset="0"/>
+                <a:ea typeface="標楷體" panose="03000509000000000000" pitchFamily="65" charset="-120"/>
+                <a:cs typeface="Times New Roman" panose="02020603050405020304" pitchFamily="18" charset="0"/>
+                <a:sym typeface="王漢宗顏楷體"/>
+              </a:rPr>
+              <a:t>顯式綁定</a:t>
+            </a:r>
+            <a:r>
+              <a:rPr lang="en-US" altLang="zh-TW" sz="6000" dirty="0">
+                <a:solidFill>
+                  <a:srgbClr val="FFFFFF"/>
+                </a:solidFill>
+                <a:latin typeface="Times New Roman" panose="02020603050405020304" pitchFamily="18" charset="0"/>
+                <a:ea typeface="標楷體" panose="03000509000000000000" pitchFamily="65" charset="-120"/>
+                <a:cs typeface="Times New Roman" panose="02020603050405020304" pitchFamily="18" charset="0"/>
+                <a:sym typeface="王漢宗顏楷體"/>
+              </a:rPr>
+              <a:t>(Explicit binding)</a:t>
+            </a:r>
+            <a:endParaRPr lang="zh-TW" altLang="en-US" dirty="0"/>
+          </a:p>
+        </p:txBody>
+      </p:sp>
+      <p:sp>
+        <p:nvSpPr>
+          <p:cNvPr id="4" name="文字版面配置區 3">
+            <a:extLst>
+              <a:ext uri="{FF2B5EF4-FFF2-40B4-BE49-F238E27FC236}">
+                <a16:creationId xmlns:a16="http://schemas.microsoft.com/office/drawing/2014/main" id="{04276CA9-1A5B-45AF-9188-BD92D1B6607D}"/>
+              </a:ext>
+            </a:extLst>
+          </p:cNvPr>
+          <p:cNvSpPr>
+            <a:spLocks noGrp="1"/>
+          </p:cNvSpPr>
+          <p:nvPr>
+            <p:ph type="body" sz="quarter" idx="11"/>
+          </p:nvPr>
+        </p:nvSpPr>
+        <p:spPr/>
+        <p:txBody>
+          <a:bodyPr>
+            <a:normAutofit lnSpcReduction="10000"/>
+          </a:bodyPr>
+          <a:lstStyle/>
+          <a:p>
+            <a:endParaRPr lang="zh-TW" altLang="en-US"/>
+          </a:p>
+        </p:txBody>
+      </p:sp>
+      <p:pic>
+        <p:nvPicPr>
+          <p:cNvPr id="6" name="圖片 5">
+            <a:extLst>
+              <a:ext uri="{FF2B5EF4-FFF2-40B4-BE49-F238E27FC236}">
+                <a16:creationId xmlns:a16="http://schemas.microsoft.com/office/drawing/2014/main" id="{CFA9FE8A-2F71-4BCF-9378-AC9497A032DC}"/>
+              </a:ext>
+            </a:extLst>
+          </p:cNvPr>
+          <p:cNvPicPr>
+            <a:picLocks noChangeAspect="1"/>
+          </p:cNvPicPr>
+          <p:nvPr/>
+        </p:nvPicPr>
+        <p:blipFill>
+          <a:blip r:embed="rId2"/>
+          <a:stretch>
+            <a:fillRect/>
+          </a:stretch>
+        </p:blipFill>
+        <p:spPr>
+          <a:xfrm>
+            <a:off x="76200" y="3618271"/>
+            <a:ext cx="6269740" cy="3174409"/>
+          </a:xfrm>
+          <a:prstGeom prst="rect">
+            <a:avLst/>
+          </a:prstGeom>
+        </p:spPr>
+      </p:pic>
+      <p:pic>
+        <p:nvPicPr>
+          <p:cNvPr id="7" name="圖片 6">
+            <a:extLst>
+              <a:ext uri="{FF2B5EF4-FFF2-40B4-BE49-F238E27FC236}">
+                <a16:creationId xmlns:a16="http://schemas.microsoft.com/office/drawing/2014/main" id="{709D6141-9685-43C3-B047-738478D1B2BF}"/>
+              </a:ext>
+            </a:extLst>
+          </p:cNvPr>
+          <p:cNvPicPr>
+            <a:picLocks noChangeAspect="1"/>
+          </p:cNvPicPr>
+          <p:nvPr/>
+        </p:nvPicPr>
+        <p:blipFill>
+          <a:blip r:embed="rId3"/>
+          <a:stretch>
+            <a:fillRect/>
+          </a:stretch>
+        </p:blipFill>
+        <p:spPr>
+          <a:xfrm>
+            <a:off x="6390321" y="3617549"/>
+            <a:ext cx="5725479" cy="3175131"/>
+          </a:xfrm>
+          <a:prstGeom prst="rect">
+            <a:avLst/>
+          </a:prstGeom>
+        </p:spPr>
+      </p:pic>
+      <p:pic>
+        <p:nvPicPr>
+          <p:cNvPr id="8" name="圖片 7">
+            <a:extLst>
+              <a:ext uri="{FF2B5EF4-FFF2-40B4-BE49-F238E27FC236}">
+                <a16:creationId xmlns:a16="http://schemas.microsoft.com/office/drawing/2014/main" id="{A6B7C297-073F-4716-99D2-90DE1388C4B0}"/>
+              </a:ext>
+            </a:extLst>
+          </p:cNvPr>
+          <p:cNvPicPr>
+            <a:picLocks noChangeAspect="1"/>
+          </p:cNvPicPr>
+          <p:nvPr/>
+        </p:nvPicPr>
+        <p:blipFill>
+          <a:blip r:embed="rId4"/>
+          <a:stretch>
+            <a:fillRect/>
+          </a:stretch>
+        </p:blipFill>
+        <p:spPr>
+          <a:xfrm>
+            <a:off x="76200" y="2083255"/>
+            <a:ext cx="7427686" cy="1459010"/>
+          </a:xfrm>
+          <a:prstGeom prst="rect">
+            <a:avLst/>
+          </a:prstGeom>
+        </p:spPr>
+      </p:pic>
+    </p:spTree>
+    <p:extLst>
+      <p:ext uri="{BB962C8B-B14F-4D97-AF65-F5344CB8AC3E}">
+        <p14:creationId xmlns:p14="http://schemas.microsoft.com/office/powerpoint/2010/main" val="536526241"/>
+      </p:ext>
+    </p:extLst>
+  </p:cSld>
+  <p:clrMapOvr>
+    <a:masterClrMapping/>
+  </p:clrMapOvr>
+</p:sld>
+</file>
+
+<file path=ppt/slides/slide4.xml><?xml version="1.0" encoding="utf-8"?>
 <p:sld xmlns:a="http://schemas.openxmlformats.org/drawingml/2006/main" xmlns:r="http://schemas.openxmlformats.org/officeDocument/2006/relationships" xmlns:p="http://schemas.openxmlformats.org/presentationml/2006/main">
   <p:cSld>
     <p:spTree>
@@ -8232,2810 +11443,7 @@
 </p:sld>
 </file>
 
-<file path=ppt/slides/slide30.xml><?xml version="1.0" encoding="utf-8"?>
-<p:sld xmlns:a="http://schemas.openxmlformats.org/drawingml/2006/main" xmlns:r="http://schemas.openxmlformats.org/officeDocument/2006/relationships" xmlns:p="http://schemas.openxmlformats.org/presentationml/2006/main">
-  <p:cSld>
-    <p:spTree>
-      <p:nvGrpSpPr>
-        <p:cNvPr id="1" name=""/>
-        <p:cNvGrpSpPr/>
-        <p:nvPr/>
-      </p:nvGrpSpPr>
-      <p:grpSpPr>
-        <a:xfrm>
-          <a:off x="0" y="0"/>
-          <a:ext cx="0" cy="0"/>
-          <a:chOff x="0" y="0"/>
-          <a:chExt cx="0" cy="0"/>
-        </a:xfrm>
-      </p:grpSpPr>
-      <p:sp>
-        <p:nvSpPr>
-          <p:cNvPr id="2" name="內容版面配置區 1">
-            <a:extLst>
-              <a:ext uri="{FF2B5EF4-FFF2-40B4-BE49-F238E27FC236}">
-                <a16:creationId xmlns:a16="http://schemas.microsoft.com/office/drawing/2014/main" id="{802C0A02-2C75-4047-AD2D-1172F37A2AE6}"/>
-              </a:ext>
-            </a:extLst>
-          </p:cNvPr>
-          <p:cNvSpPr>
-            <a:spLocks noGrp="1"/>
-          </p:cNvSpPr>
-          <p:nvPr>
-            <p:ph sz="quarter" idx="12"/>
-          </p:nvPr>
-        </p:nvSpPr>
-        <p:spPr>
-          <a:xfrm>
-            <a:off x="0" y="973384"/>
-            <a:ext cx="4903694" cy="5038725"/>
-          </a:xfrm>
-        </p:spPr>
-        <p:txBody>
-          <a:bodyPr/>
-          <a:lstStyle/>
-          <a:p>
-            <a:r>
-              <a:rPr lang="zh-TW" altLang="en-US" sz="1800" dirty="0">
-                <a:latin typeface="Times New Roman" panose="02020603050405020304" pitchFamily="18" charset="0"/>
-                <a:ea typeface="標楷體" panose="03000509000000000000" pitchFamily="65" charset="-120"/>
-                <a:cs typeface="王漢宗顏楷體"/>
-                <a:sym typeface="王漢宗顏楷體"/>
-              </a:rPr>
-              <a:t>原型鏈 </a:t>
-            </a:r>
-            <a:r>
-              <a:rPr lang="en-US" altLang="zh-TW" sz="1800" dirty="0">
-                <a:latin typeface="Times New Roman" panose="02020603050405020304" pitchFamily="18" charset="0"/>
-                <a:ea typeface="標楷體" panose="03000509000000000000" pitchFamily="65" charset="-120"/>
-                <a:cs typeface="王漢宗顏楷體"/>
-                <a:sym typeface="王漢宗顏楷體"/>
-              </a:rPr>
-              <a:t>(Prototype Chain)</a:t>
-            </a:r>
-          </a:p>
-          <a:p>
-            <a:pPr lvl="1"/>
-            <a:r>
-              <a:rPr lang="zh-TW" altLang="en-US" dirty="0"/>
-              <a:t>當你嘗試訪問物件的某個屬性或方法時，</a:t>
-            </a:r>
-            <a:r>
-              <a:rPr lang="en-US" altLang="zh-TW" dirty="0"/>
-              <a:t>JavaScript </a:t>
-            </a:r>
-            <a:r>
-              <a:rPr lang="zh-TW" altLang="en-US" dirty="0"/>
-              <a:t>會沿著原型鏈查找。</a:t>
-            </a:r>
-          </a:p>
-          <a:p>
-            <a:pPr lvl="1"/>
-            <a:r>
-              <a:rPr lang="zh-TW" altLang="en-US" dirty="0"/>
-              <a:t>如果物件本身沒有該屬性或方法，</a:t>
-            </a:r>
-            <a:r>
-              <a:rPr lang="en-US" altLang="zh-TW" dirty="0"/>
-              <a:t>JavaScript </a:t>
-            </a:r>
-            <a:r>
-              <a:rPr lang="zh-TW" altLang="en-US" dirty="0"/>
-              <a:t>會查看物件的原型，依此類推，直到 </a:t>
-            </a:r>
-            <a:r>
-              <a:rPr lang="en-US" altLang="zh-TW" dirty="0"/>
-              <a:t>null </a:t>
-            </a:r>
-            <a:r>
-              <a:rPr lang="zh-TW" altLang="en-US" dirty="0"/>
-              <a:t>終止。</a:t>
-            </a:r>
-          </a:p>
-        </p:txBody>
-      </p:sp>
-      <p:sp>
-        <p:nvSpPr>
-          <p:cNvPr id="3" name="標題 2">
-            <a:extLst>
-              <a:ext uri="{FF2B5EF4-FFF2-40B4-BE49-F238E27FC236}">
-                <a16:creationId xmlns:a16="http://schemas.microsoft.com/office/drawing/2014/main" id="{735162D7-DC09-4C97-8788-D34DA27A7FE9}"/>
-              </a:ext>
-            </a:extLst>
-          </p:cNvPr>
-          <p:cNvSpPr>
-            <a:spLocks noGrp="1"/>
-          </p:cNvSpPr>
-          <p:nvPr>
-            <p:ph type="title"/>
-          </p:nvPr>
-        </p:nvSpPr>
-        <p:spPr/>
-        <p:txBody>
-          <a:bodyPr>
-            <a:normAutofit fontScale="90000"/>
-          </a:bodyPr>
-          <a:lstStyle/>
-          <a:p>
-            <a:r>
-              <a:rPr lang="en-US" altLang="zh-TW" dirty="0"/>
-              <a:t>Prototype</a:t>
-            </a:r>
-            <a:endParaRPr lang="zh-TW" altLang="en-US" dirty="0"/>
-          </a:p>
-        </p:txBody>
-      </p:sp>
-      <p:sp>
-        <p:nvSpPr>
-          <p:cNvPr id="4" name="文字版面配置區 3">
-            <a:extLst>
-              <a:ext uri="{FF2B5EF4-FFF2-40B4-BE49-F238E27FC236}">
-                <a16:creationId xmlns:a16="http://schemas.microsoft.com/office/drawing/2014/main" id="{04276CA9-1A5B-45AF-9188-BD92D1B6607D}"/>
-              </a:ext>
-            </a:extLst>
-          </p:cNvPr>
-          <p:cNvSpPr>
-            <a:spLocks noGrp="1"/>
-          </p:cNvSpPr>
-          <p:nvPr>
-            <p:ph type="body" sz="quarter" idx="11"/>
-          </p:nvPr>
-        </p:nvSpPr>
-        <p:spPr/>
-        <p:txBody>
-          <a:bodyPr>
-            <a:normAutofit lnSpcReduction="10000"/>
-          </a:bodyPr>
-          <a:lstStyle/>
-          <a:p>
-            <a:endParaRPr lang="zh-TW" altLang="en-US"/>
-          </a:p>
-        </p:txBody>
-      </p:sp>
-      <p:pic>
-        <p:nvPicPr>
-          <p:cNvPr id="5" name="圖片 4">
-            <a:extLst>
-              <a:ext uri="{FF2B5EF4-FFF2-40B4-BE49-F238E27FC236}">
-                <a16:creationId xmlns:a16="http://schemas.microsoft.com/office/drawing/2014/main" id="{93C3B048-C52C-4C46-8A90-44B359D4AFBB}"/>
-              </a:ext>
-            </a:extLst>
-          </p:cNvPr>
-          <p:cNvPicPr>
-            <a:picLocks noChangeAspect="1"/>
-          </p:cNvPicPr>
-          <p:nvPr/>
-        </p:nvPicPr>
-        <p:blipFill>
-          <a:blip r:embed="rId2"/>
-          <a:stretch>
-            <a:fillRect/>
-          </a:stretch>
-        </p:blipFill>
-        <p:spPr>
-          <a:xfrm>
-            <a:off x="5094514" y="109702"/>
-            <a:ext cx="7021286" cy="6567323"/>
-          </a:xfrm>
-          <a:prstGeom prst="rect">
-            <a:avLst/>
-          </a:prstGeom>
-        </p:spPr>
-      </p:pic>
-    </p:spTree>
-    <p:extLst>
-      <p:ext uri="{BB962C8B-B14F-4D97-AF65-F5344CB8AC3E}">
-        <p14:creationId xmlns:p14="http://schemas.microsoft.com/office/powerpoint/2010/main" val="2746834290"/>
-      </p:ext>
-    </p:extLst>
-  </p:cSld>
-  <p:clrMapOvr>
-    <a:masterClrMapping/>
-  </p:clrMapOvr>
-</p:sld>
-</file>
-
-<file path=ppt/slides/slide31.xml><?xml version="1.0" encoding="utf-8"?>
-<p:sld xmlns:a="http://schemas.openxmlformats.org/drawingml/2006/main" xmlns:r="http://schemas.openxmlformats.org/officeDocument/2006/relationships" xmlns:p="http://schemas.openxmlformats.org/presentationml/2006/main">
-  <p:cSld>
-    <p:spTree>
-      <p:nvGrpSpPr>
-        <p:cNvPr id="1" name=""/>
-        <p:cNvGrpSpPr/>
-        <p:nvPr/>
-      </p:nvGrpSpPr>
-      <p:grpSpPr>
-        <a:xfrm>
-          <a:off x="0" y="0"/>
-          <a:ext cx="0" cy="0"/>
-          <a:chOff x="0" y="0"/>
-          <a:chExt cx="0" cy="0"/>
-        </a:xfrm>
-      </p:grpSpPr>
-      <p:sp>
-        <p:nvSpPr>
-          <p:cNvPr id="2" name="內容版面配置區 1">
-            <a:extLst>
-              <a:ext uri="{FF2B5EF4-FFF2-40B4-BE49-F238E27FC236}">
-                <a16:creationId xmlns:a16="http://schemas.microsoft.com/office/drawing/2014/main" id="{802C0A02-2C75-4047-AD2D-1172F37A2AE6}"/>
-              </a:ext>
-            </a:extLst>
-          </p:cNvPr>
-          <p:cNvSpPr>
-            <a:spLocks noGrp="1"/>
-          </p:cNvSpPr>
-          <p:nvPr>
-            <p:ph sz="quarter" idx="12"/>
-          </p:nvPr>
-        </p:nvSpPr>
-        <p:spPr/>
-        <p:txBody>
-          <a:bodyPr/>
-          <a:lstStyle/>
-          <a:p>
-            <a:r>
-              <a:rPr lang="zh-TW" altLang="en-US" sz="1800" dirty="0">
-                <a:latin typeface="Times New Roman" panose="02020603050405020304" pitchFamily="18" charset="0"/>
-                <a:ea typeface="標楷體" panose="03000509000000000000" pitchFamily="65" charset="-120"/>
-                <a:cs typeface="王漢宗顏楷體"/>
-                <a:sym typeface="王漢宗顏楷體"/>
-              </a:rPr>
-              <a:t>執行環境的生命週期：可以分為兩階段</a:t>
-            </a:r>
-            <a:endParaRPr lang="en-US" altLang="zh-TW" sz="1800" dirty="0">
-              <a:latin typeface="Times New Roman" panose="02020603050405020304" pitchFamily="18" charset="0"/>
-              <a:ea typeface="標楷體" panose="03000509000000000000" pitchFamily="65" charset="-120"/>
-              <a:cs typeface="王漢宗顏楷體"/>
-              <a:sym typeface="王漢宗顏楷體"/>
-            </a:endParaRPr>
-          </a:p>
-          <a:p>
-            <a:r>
-              <a:rPr lang="zh-TW" altLang="en-US" dirty="0"/>
-              <a:t>創造階段 </a:t>
-            </a:r>
-            <a:r>
-              <a:rPr lang="en-US" altLang="zh-TW" dirty="0"/>
-              <a:t>(Creation Phase)</a:t>
-            </a:r>
-            <a:r>
-              <a:rPr lang="zh-TW" altLang="en-US" dirty="0"/>
-              <a:t>：</a:t>
-            </a:r>
-          </a:p>
-          <a:p>
-            <a:pPr lvl="1"/>
-            <a:r>
-              <a:rPr lang="zh-TW" altLang="en-US" dirty="0"/>
-              <a:t>分配記憶體空間給變數和函式。</a:t>
-            </a:r>
-          </a:p>
-          <a:p>
-            <a:pPr lvl="1"/>
-            <a:r>
-              <a:rPr lang="zh-TW" altLang="en-US" dirty="0"/>
-              <a:t>進行變數提升 </a:t>
-            </a:r>
-            <a:r>
-              <a:rPr lang="en-US" altLang="zh-TW" dirty="0"/>
-              <a:t>(Hoisting)</a:t>
-            </a:r>
-            <a:r>
-              <a:rPr lang="zh-TW" altLang="en-US" dirty="0"/>
-              <a:t>。    </a:t>
-            </a:r>
-          </a:p>
-          <a:p>
-            <a:pPr lvl="1"/>
-            <a:r>
-              <a:rPr lang="zh-TW" altLang="en-US" dirty="0"/>
-              <a:t>建立執行環境所需的資料結構。    </a:t>
-            </a:r>
-          </a:p>
-          <a:p>
-            <a:pPr lvl="1"/>
-            <a:r>
-              <a:rPr lang="zh-TW" altLang="en-US" dirty="0"/>
-              <a:t>將函式放入呼叫堆疊 </a:t>
-            </a:r>
-            <a:r>
-              <a:rPr lang="en-US" altLang="zh-TW" dirty="0"/>
-              <a:t>(Call Stack)</a:t>
-            </a:r>
-            <a:r>
-              <a:rPr lang="zh-TW" altLang="en-US" dirty="0"/>
-              <a:t>，等待執行。</a:t>
-            </a:r>
-          </a:p>
-          <a:p>
-            <a:r>
-              <a:rPr lang="zh-TW" altLang="en-US" dirty="0"/>
-              <a:t>執行階段 </a:t>
-            </a:r>
-            <a:r>
-              <a:rPr lang="en-US" altLang="zh-TW" dirty="0"/>
-              <a:t>(Execution Phase)</a:t>
-            </a:r>
-            <a:r>
-              <a:rPr lang="zh-TW" altLang="en-US" dirty="0"/>
-              <a:t>：</a:t>
-            </a:r>
-          </a:p>
-          <a:p>
-            <a:pPr lvl="1"/>
-            <a:r>
-              <a:rPr lang="zh-TW" altLang="en-US" dirty="0"/>
-              <a:t>逐行執行程式碼。</a:t>
-            </a:r>
-          </a:p>
-          <a:p>
-            <a:pPr lvl="1"/>
-            <a:r>
-              <a:rPr lang="zh-TW" altLang="en-US" dirty="0"/>
-              <a:t>透過 </a:t>
-            </a:r>
-            <a:r>
-              <a:rPr lang="en-US" altLang="zh-TW" dirty="0"/>
-              <a:t>`this` </a:t>
-            </a:r>
-            <a:r>
-              <a:rPr lang="zh-TW" altLang="en-US" dirty="0"/>
-              <a:t>和作用域鏈，存取所需的變數和函式。</a:t>
-            </a:r>
-          </a:p>
-          <a:p>
-            <a:pPr lvl="1"/>
-            <a:r>
-              <a:rPr lang="zh-TW" altLang="en-US" dirty="0"/>
-              <a:t>當函式執行完成或遇到 </a:t>
-            </a:r>
-            <a:r>
-              <a:rPr lang="en-US" altLang="zh-TW" dirty="0"/>
-              <a:t>`return`</a:t>
-            </a:r>
-            <a:r>
-              <a:rPr lang="zh-TW" altLang="en-US" dirty="0"/>
-              <a:t>，從堆疊中移除執行環境。</a:t>
-            </a:r>
-          </a:p>
-          <a:p>
-            <a:endParaRPr lang="zh-TW" altLang="en-US" dirty="0"/>
-          </a:p>
-        </p:txBody>
-      </p:sp>
-      <p:sp>
-        <p:nvSpPr>
-          <p:cNvPr id="3" name="標題 2">
-            <a:extLst>
-              <a:ext uri="{FF2B5EF4-FFF2-40B4-BE49-F238E27FC236}">
-                <a16:creationId xmlns:a16="http://schemas.microsoft.com/office/drawing/2014/main" id="{735162D7-DC09-4C97-8788-D34DA27A7FE9}"/>
-              </a:ext>
-            </a:extLst>
-          </p:cNvPr>
-          <p:cNvSpPr>
-            <a:spLocks noGrp="1"/>
-          </p:cNvSpPr>
-          <p:nvPr>
-            <p:ph type="title"/>
-          </p:nvPr>
-        </p:nvSpPr>
-        <p:spPr/>
-        <p:txBody>
-          <a:bodyPr>
-            <a:normAutofit fontScale="90000"/>
-          </a:bodyPr>
-          <a:lstStyle/>
-          <a:p>
-            <a:r>
-              <a:rPr lang="en-US" altLang="zh-TW" sz="6000" dirty="0">
-                <a:solidFill>
-                  <a:srgbClr val="FFFFFF"/>
-                </a:solidFill>
-                <a:latin typeface="Times New Roman" panose="02020603050405020304" pitchFamily="18" charset="0"/>
-                <a:ea typeface="標楷體" panose="03000509000000000000" pitchFamily="65" charset="-120"/>
-                <a:cs typeface="Times New Roman" panose="02020603050405020304" pitchFamily="18" charset="0"/>
-                <a:sym typeface="王漢宗顏楷體"/>
-              </a:rPr>
-              <a:t>This</a:t>
-            </a:r>
-            <a:endParaRPr lang="zh-TW" altLang="en-US" dirty="0"/>
-          </a:p>
-        </p:txBody>
-      </p:sp>
-      <p:sp>
-        <p:nvSpPr>
-          <p:cNvPr id="4" name="文字版面配置區 3">
-            <a:extLst>
-              <a:ext uri="{FF2B5EF4-FFF2-40B4-BE49-F238E27FC236}">
-                <a16:creationId xmlns:a16="http://schemas.microsoft.com/office/drawing/2014/main" id="{04276CA9-1A5B-45AF-9188-BD92D1B6607D}"/>
-              </a:ext>
-            </a:extLst>
-          </p:cNvPr>
-          <p:cNvSpPr>
-            <a:spLocks noGrp="1"/>
-          </p:cNvSpPr>
-          <p:nvPr>
-            <p:ph type="body" sz="quarter" idx="11"/>
-          </p:nvPr>
-        </p:nvSpPr>
-        <p:spPr/>
-        <p:txBody>
-          <a:bodyPr>
-            <a:normAutofit lnSpcReduction="10000"/>
-          </a:bodyPr>
-          <a:lstStyle/>
-          <a:p>
-            <a:endParaRPr lang="zh-TW" altLang="en-US"/>
-          </a:p>
-        </p:txBody>
-      </p:sp>
-    </p:spTree>
-    <p:extLst>
-      <p:ext uri="{BB962C8B-B14F-4D97-AF65-F5344CB8AC3E}">
-        <p14:creationId xmlns:p14="http://schemas.microsoft.com/office/powerpoint/2010/main" val="2520607543"/>
-      </p:ext>
-    </p:extLst>
-  </p:cSld>
-  <p:clrMapOvr>
-    <a:masterClrMapping/>
-  </p:clrMapOvr>
-</p:sld>
-</file>
-
-<file path=ppt/slides/slide32.xml><?xml version="1.0" encoding="utf-8"?>
-<p:sld xmlns:a="http://schemas.openxmlformats.org/drawingml/2006/main" xmlns:r="http://schemas.openxmlformats.org/officeDocument/2006/relationships" xmlns:p="http://schemas.openxmlformats.org/presentationml/2006/main">
-  <p:cSld>
-    <p:spTree>
-      <p:nvGrpSpPr>
-        <p:cNvPr id="1" name=""/>
-        <p:cNvGrpSpPr/>
-        <p:nvPr/>
-      </p:nvGrpSpPr>
-      <p:grpSpPr>
-        <a:xfrm>
-          <a:off x="0" y="0"/>
-          <a:ext cx="0" cy="0"/>
-          <a:chOff x="0" y="0"/>
-          <a:chExt cx="0" cy="0"/>
-        </a:xfrm>
-      </p:grpSpPr>
-      <p:sp>
-        <p:nvSpPr>
-          <p:cNvPr id="2" name="內容版面配置區 1">
-            <a:extLst>
-              <a:ext uri="{FF2B5EF4-FFF2-40B4-BE49-F238E27FC236}">
-                <a16:creationId xmlns:a16="http://schemas.microsoft.com/office/drawing/2014/main" id="{802C0A02-2C75-4047-AD2D-1172F37A2AE6}"/>
-              </a:ext>
-            </a:extLst>
-          </p:cNvPr>
-          <p:cNvSpPr>
-            <a:spLocks noGrp="1"/>
-          </p:cNvSpPr>
-          <p:nvPr>
-            <p:ph sz="quarter" idx="12"/>
-          </p:nvPr>
-        </p:nvSpPr>
-        <p:spPr/>
-        <p:txBody>
-          <a:bodyPr/>
-          <a:lstStyle/>
-          <a:p>
-            <a:r>
-              <a:rPr lang="zh-TW" altLang="en-US" dirty="0"/>
-              <a:t>接下來談</a:t>
-            </a:r>
-            <a:r>
-              <a:rPr lang="zh-TW" altLang="en-US" sz="1800" dirty="0">
-                <a:latin typeface="Times New Roman" panose="02020603050405020304" pitchFamily="18" charset="0"/>
-                <a:ea typeface="標楷體" panose="03000509000000000000" pitchFamily="65" charset="-120"/>
-                <a:cs typeface="王漢宗顏楷體"/>
-                <a:sym typeface="王漢宗顏楷體"/>
-              </a:rPr>
-              <a:t>全域、局部執行環境</a:t>
-            </a:r>
-            <a:endParaRPr lang="en-US" altLang="zh-TW" sz="1800" dirty="0">
-              <a:latin typeface="Times New Roman" panose="02020603050405020304" pitchFamily="18" charset="0"/>
-              <a:ea typeface="標楷體" panose="03000509000000000000" pitchFamily="65" charset="-120"/>
-              <a:cs typeface="王漢宗顏楷體"/>
-              <a:sym typeface="王漢宗顏楷體"/>
-            </a:endParaRPr>
-          </a:p>
-          <a:p>
-            <a:r>
-              <a:rPr lang="zh-TW" altLang="en-US" dirty="0"/>
-              <a:t>全域執行環境 </a:t>
-            </a:r>
-            <a:r>
-              <a:rPr lang="en-US" altLang="zh-TW" dirty="0"/>
-              <a:t>(Global Execution Context)</a:t>
-            </a:r>
-          </a:p>
-          <a:p>
-            <a:pPr lvl="1"/>
-            <a:r>
-              <a:rPr lang="zh-TW" altLang="en-US" dirty="0"/>
-              <a:t>在程式啟動時首先建立的執行環境。</a:t>
-            </a:r>
-          </a:p>
-          <a:p>
-            <a:pPr lvl="1"/>
-            <a:r>
-              <a:rPr lang="zh-TW" altLang="en-US" dirty="0">
-                <a:solidFill>
-                  <a:srgbClr val="FF0000"/>
-                </a:solidFill>
-              </a:rPr>
-              <a:t>負責管理全域變數和函式，並將</a:t>
-            </a:r>
-            <a:r>
-              <a:rPr lang="en-US" altLang="zh-TW" dirty="0">
-                <a:solidFill>
-                  <a:srgbClr val="FF0000"/>
-                </a:solidFill>
-              </a:rPr>
-              <a:t>this</a:t>
-            </a:r>
-            <a:r>
-              <a:rPr lang="zh-TW" altLang="en-US" dirty="0">
-                <a:solidFill>
-                  <a:srgbClr val="FF0000"/>
-                </a:solidFill>
-              </a:rPr>
-              <a:t>綁定當程式中呼叫函式時，會建立新的執行環境並放入呼叫堆疊中。到全域物件</a:t>
-            </a:r>
-            <a:r>
-              <a:rPr lang="en-US" altLang="zh-TW" dirty="0">
-                <a:solidFill>
-                  <a:srgbClr val="FF0000"/>
-                </a:solidFill>
-              </a:rPr>
-              <a:t>(</a:t>
-            </a:r>
-            <a:r>
-              <a:rPr lang="zh-TW" altLang="en-US" dirty="0">
-                <a:solidFill>
-                  <a:srgbClr val="FF0000"/>
-                </a:solidFill>
-              </a:rPr>
-              <a:t>瀏覽器中是</a:t>
-            </a:r>
-            <a:r>
-              <a:rPr lang="en-US" altLang="zh-TW" dirty="0">
-                <a:solidFill>
-                  <a:srgbClr val="FF0000"/>
-                </a:solidFill>
-              </a:rPr>
-              <a:t>window</a:t>
-            </a:r>
-            <a:r>
-              <a:rPr lang="zh-TW" altLang="en-US" dirty="0">
-                <a:solidFill>
-                  <a:srgbClr val="FF0000"/>
-                </a:solidFill>
-              </a:rPr>
-              <a:t>，</a:t>
-            </a:r>
-            <a:r>
-              <a:rPr lang="en-US" altLang="zh-TW" dirty="0">
-                <a:solidFill>
-                  <a:srgbClr val="FF0000"/>
-                </a:solidFill>
-              </a:rPr>
-              <a:t>Node.js </a:t>
-            </a:r>
-            <a:r>
-              <a:rPr lang="zh-TW" altLang="en-US" dirty="0">
-                <a:solidFill>
-                  <a:srgbClr val="FF0000"/>
-                </a:solidFill>
-              </a:rPr>
-              <a:t>中是</a:t>
-            </a:r>
-            <a:r>
-              <a:rPr lang="en-US" altLang="zh-TW" dirty="0">
-                <a:solidFill>
-                  <a:srgbClr val="FF0000"/>
-                </a:solidFill>
-              </a:rPr>
-              <a:t>global)</a:t>
-            </a:r>
-            <a:r>
-              <a:rPr lang="zh-TW" altLang="en-US" dirty="0">
-                <a:solidFill>
-                  <a:srgbClr val="FF0000"/>
-                </a:solidFill>
-              </a:rPr>
-              <a:t>。</a:t>
-            </a:r>
-          </a:p>
-          <a:p>
-            <a:pPr lvl="1"/>
-            <a:r>
-              <a:rPr lang="zh-TW" altLang="en-US" dirty="0"/>
-              <a:t>當程式中呼叫函式時，會建立新的執行環境並放入呼叫堆疊中。</a:t>
-            </a:r>
-          </a:p>
-          <a:p>
-            <a:r>
-              <a:rPr lang="zh-TW" altLang="en-US" dirty="0"/>
-              <a:t>函式</a:t>
-            </a:r>
-            <a:r>
-              <a:rPr lang="en-US" altLang="zh-TW" dirty="0"/>
-              <a:t>/</a:t>
-            </a:r>
-            <a:r>
-              <a:rPr lang="zh-TW" altLang="en-US" dirty="0"/>
-              <a:t>局部執行環境 </a:t>
-            </a:r>
-            <a:r>
-              <a:rPr lang="en-US" altLang="zh-TW" dirty="0"/>
-              <a:t>(Function/Local Execution Context)</a:t>
-            </a:r>
-          </a:p>
-          <a:p>
-            <a:pPr lvl="1"/>
-            <a:r>
-              <a:rPr lang="zh-TW" altLang="en-US" dirty="0"/>
-              <a:t>每當呼叫一個函式時，會為該函式建立一個新的執行環境。</a:t>
-            </a:r>
-          </a:p>
-          <a:p>
-            <a:pPr lvl="1"/>
-            <a:r>
-              <a:rPr lang="en-US" altLang="zh-TW" dirty="0">
-                <a:solidFill>
-                  <a:srgbClr val="FF0000"/>
-                </a:solidFill>
-              </a:rPr>
-              <a:t>this</a:t>
-            </a:r>
-            <a:r>
-              <a:rPr lang="zh-TW" altLang="en-US" dirty="0">
-                <a:solidFill>
-                  <a:srgbClr val="FF0000"/>
-                </a:solidFill>
-              </a:rPr>
-              <a:t>的指向會根據呼叫方式而定，不像全域環境中那樣固定</a:t>
-            </a:r>
-          </a:p>
-        </p:txBody>
-      </p:sp>
-      <p:sp>
-        <p:nvSpPr>
-          <p:cNvPr id="3" name="標題 2">
-            <a:extLst>
-              <a:ext uri="{FF2B5EF4-FFF2-40B4-BE49-F238E27FC236}">
-                <a16:creationId xmlns:a16="http://schemas.microsoft.com/office/drawing/2014/main" id="{735162D7-DC09-4C97-8788-D34DA27A7FE9}"/>
-              </a:ext>
-            </a:extLst>
-          </p:cNvPr>
-          <p:cNvSpPr>
-            <a:spLocks noGrp="1"/>
-          </p:cNvSpPr>
-          <p:nvPr>
-            <p:ph type="title"/>
-          </p:nvPr>
-        </p:nvSpPr>
-        <p:spPr/>
-        <p:txBody>
-          <a:bodyPr>
-            <a:normAutofit fontScale="90000"/>
-          </a:bodyPr>
-          <a:lstStyle/>
-          <a:p>
-            <a:r>
-              <a:rPr lang="en-US" altLang="zh-TW" sz="6000" dirty="0">
-                <a:solidFill>
-                  <a:srgbClr val="FFFFFF"/>
-                </a:solidFill>
-                <a:latin typeface="Times New Roman" panose="02020603050405020304" pitchFamily="18" charset="0"/>
-                <a:ea typeface="標楷體" panose="03000509000000000000" pitchFamily="65" charset="-120"/>
-                <a:cs typeface="Times New Roman" panose="02020603050405020304" pitchFamily="18" charset="0"/>
-                <a:sym typeface="王漢宗顏楷體"/>
-              </a:rPr>
-              <a:t>This</a:t>
-            </a:r>
-            <a:endParaRPr lang="zh-TW" altLang="en-US" dirty="0"/>
-          </a:p>
-        </p:txBody>
-      </p:sp>
-      <p:sp>
-        <p:nvSpPr>
-          <p:cNvPr id="4" name="文字版面配置區 3">
-            <a:extLst>
-              <a:ext uri="{FF2B5EF4-FFF2-40B4-BE49-F238E27FC236}">
-                <a16:creationId xmlns:a16="http://schemas.microsoft.com/office/drawing/2014/main" id="{04276CA9-1A5B-45AF-9188-BD92D1B6607D}"/>
-              </a:ext>
-            </a:extLst>
-          </p:cNvPr>
-          <p:cNvSpPr>
-            <a:spLocks noGrp="1"/>
-          </p:cNvSpPr>
-          <p:nvPr>
-            <p:ph type="body" sz="quarter" idx="11"/>
-          </p:nvPr>
-        </p:nvSpPr>
-        <p:spPr/>
-        <p:txBody>
-          <a:bodyPr>
-            <a:normAutofit lnSpcReduction="10000"/>
-          </a:bodyPr>
-          <a:lstStyle/>
-          <a:p>
-            <a:endParaRPr lang="zh-TW" altLang="en-US"/>
-          </a:p>
-        </p:txBody>
-      </p:sp>
-      <p:pic>
-        <p:nvPicPr>
-          <p:cNvPr id="6" name="圖片 5">
-            <a:extLst>
-              <a:ext uri="{FF2B5EF4-FFF2-40B4-BE49-F238E27FC236}">
-                <a16:creationId xmlns:a16="http://schemas.microsoft.com/office/drawing/2014/main" id="{6E938851-A273-4A9D-90F9-43D9A3B01835}"/>
-              </a:ext>
-            </a:extLst>
-          </p:cNvPr>
-          <p:cNvPicPr>
-            <a:picLocks noChangeAspect="1"/>
-          </p:cNvPicPr>
-          <p:nvPr/>
-        </p:nvPicPr>
-        <p:blipFill>
-          <a:blip r:embed="rId2"/>
-          <a:stretch>
-            <a:fillRect/>
-          </a:stretch>
-        </p:blipFill>
-        <p:spPr>
-          <a:xfrm>
-            <a:off x="4682649" y="1358556"/>
-            <a:ext cx="6087571" cy="631200"/>
-          </a:xfrm>
-          <a:prstGeom prst="rect">
-            <a:avLst/>
-          </a:prstGeom>
-        </p:spPr>
-      </p:pic>
-      <p:pic>
-        <p:nvPicPr>
-          <p:cNvPr id="7" name="圖片 6">
-            <a:extLst>
-              <a:ext uri="{FF2B5EF4-FFF2-40B4-BE49-F238E27FC236}">
-                <a16:creationId xmlns:a16="http://schemas.microsoft.com/office/drawing/2014/main" id="{D66F93BA-91C8-4E6C-AC66-E89F83701633}"/>
-              </a:ext>
-            </a:extLst>
-          </p:cNvPr>
-          <p:cNvPicPr>
-            <a:picLocks noChangeAspect="1"/>
-          </p:cNvPicPr>
-          <p:nvPr/>
-        </p:nvPicPr>
-        <p:blipFill>
-          <a:blip r:embed="rId3"/>
-          <a:stretch>
-            <a:fillRect/>
-          </a:stretch>
-        </p:blipFill>
-        <p:spPr>
-          <a:xfrm>
-            <a:off x="7155542" y="2405747"/>
-            <a:ext cx="4960257" cy="4424979"/>
-          </a:xfrm>
-          <a:prstGeom prst="rect">
-            <a:avLst/>
-          </a:prstGeom>
-        </p:spPr>
-      </p:pic>
-      <p:pic>
-        <p:nvPicPr>
-          <p:cNvPr id="9" name="圖片 8">
-            <a:extLst>
-              <a:ext uri="{FF2B5EF4-FFF2-40B4-BE49-F238E27FC236}">
-                <a16:creationId xmlns:a16="http://schemas.microsoft.com/office/drawing/2014/main" id="{78DE1D18-398F-4863-A789-9C8F23EFE204}"/>
-              </a:ext>
-            </a:extLst>
-          </p:cNvPr>
-          <p:cNvPicPr>
-            <a:picLocks noChangeAspect="1"/>
-          </p:cNvPicPr>
-          <p:nvPr/>
-        </p:nvPicPr>
-        <p:blipFill>
-          <a:blip r:embed="rId4">
-            <a:extLst>
-              <a:ext uri="{28A0092B-C50C-407E-A947-70E740481C1C}">
-                <a14:useLocalDpi xmlns:a14="http://schemas.microsoft.com/office/drawing/2010/main" val="0"/>
-              </a:ext>
-            </a:extLst>
-          </a:blip>
-          <a:srcRect/>
-          <a:stretch/>
-        </p:blipFill>
-        <p:spPr>
-          <a:xfrm>
-            <a:off x="76200" y="4065373"/>
-            <a:ext cx="4633962" cy="2765353"/>
-          </a:xfrm>
-          <a:prstGeom prst="rect">
-            <a:avLst/>
-          </a:prstGeom>
-        </p:spPr>
-      </p:pic>
-    </p:spTree>
-    <p:extLst>
-      <p:ext uri="{BB962C8B-B14F-4D97-AF65-F5344CB8AC3E}">
-        <p14:creationId xmlns:p14="http://schemas.microsoft.com/office/powerpoint/2010/main" val="2071433550"/>
-      </p:ext>
-    </p:extLst>
-  </p:cSld>
-  <p:clrMapOvr>
-    <a:masterClrMapping/>
-  </p:clrMapOvr>
-</p:sld>
-</file>
-
-<file path=ppt/slides/slide33.xml><?xml version="1.0" encoding="utf-8"?>
-<p:sld xmlns:a="http://schemas.openxmlformats.org/drawingml/2006/main" xmlns:r="http://schemas.openxmlformats.org/officeDocument/2006/relationships" xmlns:p="http://schemas.openxmlformats.org/presentationml/2006/main">
-  <p:cSld>
-    <p:spTree>
-      <p:nvGrpSpPr>
-        <p:cNvPr id="1" name=""/>
-        <p:cNvGrpSpPr/>
-        <p:nvPr/>
-      </p:nvGrpSpPr>
-      <p:grpSpPr>
-        <a:xfrm>
-          <a:off x="0" y="0"/>
-          <a:ext cx="0" cy="0"/>
-          <a:chOff x="0" y="0"/>
-          <a:chExt cx="0" cy="0"/>
-        </a:xfrm>
-      </p:grpSpPr>
-      <p:sp>
-        <p:nvSpPr>
-          <p:cNvPr id="2" name="內容版面配置區 1">
-            <a:extLst>
-              <a:ext uri="{FF2B5EF4-FFF2-40B4-BE49-F238E27FC236}">
-                <a16:creationId xmlns:a16="http://schemas.microsoft.com/office/drawing/2014/main" id="{802C0A02-2C75-4047-AD2D-1172F37A2AE6}"/>
-              </a:ext>
-            </a:extLst>
-          </p:cNvPr>
-          <p:cNvSpPr>
-            <a:spLocks noGrp="1"/>
-          </p:cNvSpPr>
-          <p:nvPr>
-            <p:ph sz="quarter" idx="12"/>
-          </p:nvPr>
-        </p:nvSpPr>
-        <p:spPr>
-          <a:xfrm>
-            <a:off x="0" y="973384"/>
-            <a:ext cx="12115800" cy="5494091"/>
-          </a:xfrm>
-        </p:spPr>
-        <p:txBody>
-          <a:bodyPr>
-            <a:normAutofit/>
-          </a:bodyPr>
-          <a:lstStyle/>
-          <a:p>
-            <a:r>
-              <a:rPr lang="en-US" altLang="zh-TW" dirty="0">
-                <a:latin typeface="Times New Roman" panose="02020603050405020304" pitchFamily="18" charset="0"/>
-                <a:ea typeface="標楷體" panose="03000509000000000000" pitchFamily="65" charset="-120"/>
-                <a:cs typeface="王漢宗顏楷體"/>
-                <a:sym typeface="王漢宗顏楷體"/>
-              </a:rPr>
-              <a:t>this</a:t>
-            </a:r>
-            <a:r>
-              <a:rPr lang="zh-TW" altLang="en-US" dirty="0">
-                <a:latin typeface="Times New Roman" panose="02020603050405020304" pitchFamily="18" charset="0"/>
-                <a:ea typeface="標楷體" panose="03000509000000000000" pitchFamily="65" charset="-120"/>
-                <a:cs typeface="王漢宗顏楷體"/>
-                <a:sym typeface="王漢宗顏楷體"/>
-              </a:rPr>
-              <a:t>是透過物建中的建構子產生，</a:t>
-            </a:r>
-            <a:r>
-              <a:rPr lang="en-US" altLang="zh-TW" dirty="0">
-                <a:latin typeface="Times New Roman" panose="02020603050405020304" pitchFamily="18" charset="0"/>
-                <a:ea typeface="標楷體" panose="03000509000000000000" pitchFamily="65" charset="-120"/>
-                <a:cs typeface="王漢宗顏楷體"/>
-                <a:sym typeface="王漢宗顏楷體"/>
-              </a:rPr>
-              <a:t>this</a:t>
-            </a:r>
-            <a:r>
-              <a:rPr lang="zh-TW" altLang="en-US" dirty="0">
-                <a:latin typeface="Times New Roman" panose="02020603050405020304" pitchFamily="18" charset="0"/>
-                <a:ea typeface="標楷體" panose="03000509000000000000" pitchFamily="65" charset="-120"/>
-                <a:cs typeface="王漢宗顏楷體"/>
-                <a:sym typeface="王漢宗顏楷體"/>
-              </a:rPr>
-              <a:t>會指向建構子。</a:t>
-            </a:r>
-          </a:p>
-          <a:p>
-            <a:r>
-              <a:rPr lang="zh-TW" altLang="en-US" dirty="0">
-                <a:latin typeface="Times New Roman" panose="02020603050405020304" pitchFamily="18" charset="0"/>
-                <a:ea typeface="標楷體" panose="03000509000000000000" pitchFamily="65" charset="-120"/>
-                <a:cs typeface="王漢宗顏楷體"/>
-                <a:sym typeface="王漢宗顏楷體"/>
-              </a:rPr>
-              <a:t>當要存取或執行自己的成員時，就可以透過</a:t>
-            </a:r>
-            <a:r>
-              <a:rPr lang="en-US" altLang="zh-TW" dirty="0">
-                <a:latin typeface="Times New Roman" panose="02020603050405020304" pitchFamily="18" charset="0"/>
-                <a:ea typeface="標楷體" panose="03000509000000000000" pitchFamily="65" charset="-120"/>
-                <a:cs typeface="王漢宗顏楷體"/>
-                <a:sym typeface="王漢宗顏楷體"/>
-              </a:rPr>
-              <a:t>this</a:t>
-            </a:r>
-            <a:r>
-              <a:rPr lang="zh-TW" altLang="en-US" dirty="0">
-                <a:latin typeface="Times New Roman" panose="02020603050405020304" pitchFamily="18" charset="0"/>
-                <a:ea typeface="標楷體" panose="03000509000000000000" pitchFamily="65" charset="-120"/>
-                <a:cs typeface="王漢宗顏楷體"/>
-                <a:sym typeface="王漢宗顏楷體"/>
-              </a:rPr>
-              <a:t>來進行。</a:t>
-            </a:r>
-            <a:endParaRPr lang="en-US" altLang="zh-TW" dirty="0">
-              <a:latin typeface="Times New Roman" panose="02020603050405020304" pitchFamily="18" charset="0"/>
-              <a:ea typeface="標楷體" panose="03000509000000000000" pitchFamily="65" charset="-120"/>
-              <a:cs typeface="王漢宗顏楷體"/>
-              <a:sym typeface="王漢宗顏楷體"/>
-            </a:endParaRPr>
-          </a:p>
-          <a:p>
-            <a:r>
-              <a:rPr lang="zh-TW" altLang="en-US" sz="1800" dirty="0">
-                <a:latin typeface="Times New Roman" panose="02020603050405020304" pitchFamily="18" charset="0"/>
-                <a:ea typeface="標楷體" panose="03000509000000000000" pitchFamily="65" charset="-120"/>
-                <a:cs typeface="王漢宗顏楷體"/>
-                <a:sym typeface="王漢宗顏楷體"/>
-              </a:rPr>
-              <a:t>不過在</a:t>
-            </a:r>
-            <a:r>
-              <a:rPr lang="en-US" altLang="zh-TW" sz="1800" dirty="0">
-                <a:latin typeface="Times New Roman" panose="02020603050405020304" pitchFamily="18" charset="0"/>
-                <a:ea typeface="標楷體" panose="03000509000000000000" pitchFamily="65" charset="-120"/>
-                <a:cs typeface="王漢宗顏楷體"/>
-                <a:sym typeface="王漢宗顏楷體"/>
-              </a:rPr>
-              <a:t>JavaScript</a:t>
-            </a:r>
-            <a:r>
-              <a:rPr lang="zh-TW" altLang="en-US" sz="1800" dirty="0">
-                <a:latin typeface="Times New Roman" panose="02020603050405020304" pitchFamily="18" charset="0"/>
-                <a:ea typeface="標楷體" panose="03000509000000000000" pitchFamily="65" charset="-120"/>
-                <a:cs typeface="王漢宗顏楷體"/>
-                <a:sym typeface="王漢宗顏楷體"/>
-              </a:rPr>
-              <a:t>中，</a:t>
-            </a:r>
-            <a:r>
-              <a:rPr lang="en-US" altLang="zh-TW" sz="1800" dirty="0">
-                <a:latin typeface="Times New Roman" panose="02020603050405020304" pitchFamily="18" charset="0"/>
-                <a:ea typeface="標楷體" panose="03000509000000000000" pitchFamily="65" charset="-120"/>
-                <a:cs typeface="王漢宗顏楷體"/>
-                <a:sym typeface="王漢宗顏楷體"/>
-              </a:rPr>
-              <a:t>this</a:t>
-            </a:r>
-            <a:r>
-              <a:rPr lang="zh-TW" altLang="en-US" sz="1800" dirty="0">
-                <a:latin typeface="Times New Roman" panose="02020603050405020304" pitchFamily="18" charset="0"/>
-                <a:ea typeface="標楷體" panose="03000509000000000000" pitchFamily="65" charset="-120"/>
-                <a:cs typeface="王漢宗顏楷體"/>
-                <a:sym typeface="王漢宗顏楷體"/>
-              </a:rPr>
-              <a:t>關鍵字會隨著執行環境、特殊的語法、函式呼叫的方式等會有變動。</a:t>
-            </a:r>
-          </a:p>
-          <a:p>
-            <a:r>
-              <a:rPr lang="zh-TW" altLang="en-US" sz="1800" dirty="0">
-                <a:latin typeface="Times New Roman" panose="02020603050405020304" pitchFamily="18" charset="0"/>
-                <a:ea typeface="標楷體" panose="03000509000000000000" pitchFamily="65" charset="-120"/>
-                <a:cs typeface="王漢宗顏楷體"/>
-                <a:sym typeface="王漢宗顏楷體"/>
-              </a:rPr>
-              <a:t>這種動態決定函式執行環境中</a:t>
-            </a:r>
-            <a:r>
-              <a:rPr lang="en-US" altLang="zh-TW" sz="1800" dirty="0">
-                <a:latin typeface="Times New Roman" panose="02020603050405020304" pitchFamily="18" charset="0"/>
-                <a:ea typeface="標楷體" panose="03000509000000000000" pitchFamily="65" charset="-120"/>
-                <a:cs typeface="王漢宗顏楷體"/>
-                <a:sym typeface="王漢宗顏楷體"/>
-              </a:rPr>
-              <a:t>this</a:t>
-            </a:r>
-            <a:r>
-              <a:rPr lang="zh-TW" altLang="en-US" sz="1800" dirty="0">
-                <a:latin typeface="Times New Roman" panose="02020603050405020304" pitchFamily="18" charset="0"/>
-                <a:ea typeface="標楷體" panose="03000509000000000000" pitchFamily="65" charset="-120"/>
-                <a:cs typeface="王漢宗顏楷體"/>
-                <a:sym typeface="王漢宗顏楷體"/>
-              </a:rPr>
-              <a:t>對象，我們通常叫做「綁定」</a:t>
-            </a:r>
-            <a:r>
-              <a:rPr lang="en-US" altLang="zh-TW" sz="1800" dirty="0">
-                <a:latin typeface="Times New Roman" panose="02020603050405020304" pitchFamily="18" charset="0"/>
-                <a:ea typeface="標楷體" panose="03000509000000000000" pitchFamily="65" charset="-120"/>
-                <a:cs typeface="王漢宗顏楷體"/>
-                <a:sym typeface="王漢宗顏楷體"/>
-              </a:rPr>
-              <a:t>(binding)</a:t>
-            </a:r>
-            <a:r>
-              <a:rPr lang="zh-TW" altLang="en-US" sz="1800" dirty="0">
-                <a:latin typeface="Times New Roman" panose="02020603050405020304" pitchFamily="18" charset="0"/>
-                <a:ea typeface="標楷體" panose="03000509000000000000" pitchFamily="65" charset="-120"/>
-                <a:cs typeface="王漢宗顏楷體"/>
-                <a:sym typeface="王漢宗顏楷體"/>
-              </a:rPr>
-              <a:t>。</a:t>
-            </a:r>
-            <a:endParaRPr lang="en-US" altLang="zh-TW" sz="1800" dirty="0">
-              <a:latin typeface="Times New Roman" panose="02020603050405020304" pitchFamily="18" charset="0"/>
-              <a:ea typeface="標楷體" panose="03000509000000000000" pitchFamily="65" charset="-120"/>
-              <a:cs typeface="王漢宗顏楷體"/>
-              <a:sym typeface="王漢宗顏楷體"/>
-            </a:endParaRPr>
-          </a:p>
-        </p:txBody>
-      </p:sp>
-      <p:sp>
-        <p:nvSpPr>
-          <p:cNvPr id="3" name="標題 2">
-            <a:extLst>
-              <a:ext uri="{FF2B5EF4-FFF2-40B4-BE49-F238E27FC236}">
-                <a16:creationId xmlns:a16="http://schemas.microsoft.com/office/drawing/2014/main" id="{735162D7-DC09-4C97-8788-D34DA27A7FE9}"/>
-              </a:ext>
-            </a:extLst>
-          </p:cNvPr>
-          <p:cNvSpPr>
-            <a:spLocks noGrp="1"/>
-          </p:cNvSpPr>
-          <p:nvPr>
-            <p:ph type="title"/>
-          </p:nvPr>
-        </p:nvSpPr>
-        <p:spPr/>
-        <p:txBody>
-          <a:bodyPr>
-            <a:normAutofit fontScale="90000"/>
-          </a:bodyPr>
-          <a:lstStyle/>
-          <a:p>
-            <a:r>
-              <a:rPr lang="en-US" altLang="zh-TW" sz="6000" dirty="0">
-                <a:solidFill>
-                  <a:srgbClr val="FFFFFF"/>
-                </a:solidFill>
-                <a:latin typeface="Times New Roman" panose="02020603050405020304" pitchFamily="18" charset="0"/>
-                <a:ea typeface="標楷體" panose="03000509000000000000" pitchFamily="65" charset="-120"/>
-                <a:cs typeface="Times New Roman" panose="02020603050405020304" pitchFamily="18" charset="0"/>
-                <a:sym typeface="王漢宗顏楷體"/>
-              </a:rPr>
-              <a:t>This</a:t>
-            </a:r>
-            <a:endParaRPr lang="zh-TW" altLang="en-US" dirty="0"/>
-          </a:p>
-        </p:txBody>
-      </p:sp>
-      <p:sp>
-        <p:nvSpPr>
-          <p:cNvPr id="4" name="文字版面配置區 3">
-            <a:extLst>
-              <a:ext uri="{FF2B5EF4-FFF2-40B4-BE49-F238E27FC236}">
-                <a16:creationId xmlns:a16="http://schemas.microsoft.com/office/drawing/2014/main" id="{04276CA9-1A5B-45AF-9188-BD92D1B6607D}"/>
-              </a:ext>
-            </a:extLst>
-          </p:cNvPr>
-          <p:cNvSpPr>
-            <a:spLocks noGrp="1"/>
-          </p:cNvSpPr>
-          <p:nvPr>
-            <p:ph type="body" sz="quarter" idx="11"/>
-          </p:nvPr>
-        </p:nvSpPr>
-        <p:spPr/>
-        <p:txBody>
-          <a:bodyPr>
-            <a:normAutofit lnSpcReduction="10000"/>
-          </a:bodyPr>
-          <a:lstStyle/>
-          <a:p>
-            <a:endParaRPr lang="zh-TW" altLang="en-US"/>
-          </a:p>
-        </p:txBody>
-      </p:sp>
-    </p:spTree>
-    <p:extLst>
-      <p:ext uri="{BB962C8B-B14F-4D97-AF65-F5344CB8AC3E}">
-        <p14:creationId xmlns:p14="http://schemas.microsoft.com/office/powerpoint/2010/main" val="76627502"/>
-      </p:ext>
-    </p:extLst>
-  </p:cSld>
-  <p:clrMapOvr>
-    <a:masterClrMapping/>
-  </p:clrMapOvr>
-</p:sld>
-</file>
-
-<file path=ppt/slides/slide34.xml><?xml version="1.0" encoding="utf-8"?>
-<p:sld xmlns:a="http://schemas.openxmlformats.org/drawingml/2006/main" xmlns:r="http://schemas.openxmlformats.org/officeDocument/2006/relationships" xmlns:p="http://schemas.openxmlformats.org/presentationml/2006/main">
-  <p:cSld>
-    <p:spTree>
-      <p:nvGrpSpPr>
-        <p:cNvPr id="1" name=""/>
-        <p:cNvGrpSpPr/>
-        <p:nvPr/>
-      </p:nvGrpSpPr>
-      <p:grpSpPr>
-        <a:xfrm>
-          <a:off x="0" y="0"/>
-          <a:ext cx="0" cy="0"/>
-          <a:chOff x="0" y="0"/>
-          <a:chExt cx="0" cy="0"/>
-        </a:xfrm>
-      </p:grpSpPr>
-      <p:sp>
-        <p:nvSpPr>
-          <p:cNvPr id="2" name="內容版面配置區 1">
-            <a:extLst>
-              <a:ext uri="{FF2B5EF4-FFF2-40B4-BE49-F238E27FC236}">
-                <a16:creationId xmlns:a16="http://schemas.microsoft.com/office/drawing/2014/main" id="{802C0A02-2C75-4047-AD2D-1172F37A2AE6}"/>
-              </a:ext>
-            </a:extLst>
-          </p:cNvPr>
-          <p:cNvSpPr>
-            <a:spLocks noGrp="1"/>
-          </p:cNvSpPr>
-          <p:nvPr>
-            <p:ph sz="quarter" idx="12"/>
-          </p:nvPr>
-        </p:nvSpPr>
-        <p:spPr/>
-        <p:txBody>
-          <a:bodyPr/>
-          <a:lstStyle/>
-          <a:p>
-            <a:r>
-              <a:rPr lang="zh-TW" altLang="en-US" dirty="0">
-                <a:latin typeface="Times New Roman" panose="02020603050405020304" pitchFamily="18" charset="0"/>
-                <a:ea typeface="標楷體" panose="03000509000000000000" pitchFamily="65" charset="-120"/>
-                <a:cs typeface="王漢宗顏楷體"/>
-                <a:sym typeface="王漢宗顏楷體"/>
-              </a:rPr>
-              <a:t>全域宣告的函式，</a:t>
-            </a:r>
-            <a:r>
-              <a:rPr lang="en-US" altLang="zh-TW" dirty="0">
-                <a:latin typeface="Times New Roman" panose="02020603050405020304" pitchFamily="18" charset="0"/>
-                <a:ea typeface="標楷體" panose="03000509000000000000" pitchFamily="65" charset="-120"/>
-                <a:cs typeface="王漢宗顏楷體"/>
-                <a:sym typeface="王漢宗顏楷體"/>
-              </a:rPr>
-              <a:t>this</a:t>
-            </a:r>
-            <a:r>
-              <a:rPr lang="zh-TW" altLang="en-US" dirty="0">
-                <a:latin typeface="Times New Roman" panose="02020603050405020304" pitchFamily="18" charset="0"/>
-                <a:ea typeface="標楷體" panose="03000509000000000000" pitchFamily="65" charset="-120"/>
-                <a:cs typeface="王漢宗顏楷體"/>
-                <a:sym typeface="王漢宗顏楷體"/>
-              </a:rPr>
-              <a:t>會預設指向全域物件</a:t>
-            </a:r>
-            <a:r>
-              <a:rPr lang="en-US" altLang="zh-TW" dirty="0">
-                <a:latin typeface="Times New Roman" panose="02020603050405020304" pitchFamily="18" charset="0"/>
-                <a:ea typeface="標楷體" panose="03000509000000000000" pitchFamily="65" charset="-120"/>
-                <a:cs typeface="王漢宗顏楷體"/>
-                <a:sym typeface="王漢宗顏楷體"/>
-              </a:rPr>
-              <a:t>(</a:t>
-            </a:r>
-            <a:r>
-              <a:rPr lang="zh-TW" altLang="en-US" dirty="0">
-                <a:latin typeface="Times New Roman" panose="02020603050405020304" pitchFamily="18" charset="0"/>
-                <a:ea typeface="標楷體" panose="03000509000000000000" pitchFamily="65" charset="-120"/>
-                <a:cs typeface="王漢宗顏楷體"/>
-                <a:sym typeface="王漢宗顏楷體"/>
-              </a:rPr>
-              <a:t>可能是瀏覽器中的</a:t>
-            </a:r>
-            <a:r>
-              <a:rPr lang="en-US" altLang="zh-TW" dirty="0">
-                <a:latin typeface="Times New Roman" panose="02020603050405020304" pitchFamily="18" charset="0"/>
-                <a:ea typeface="標楷體" panose="03000509000000000000" pitchFamily="65" charset="-120"/>
-                <a:cs typeface="王漢宗顏楷體"/>
-                <a:sym typeface="王漢宗顏楷體"/>
-              </a:rPr>
-              <a:t>window</a:t>
-            </a:r>
-            <a:r>
-              <a:rPr lang="zh-TW" altLang="en-US" dirty="0">
-                <a:latin typeface="Times New Roman" panose="02020603050405020304" pitchFamily="18" charset="0"/>
-                <a:ea typeface="標楷體" panose="03000509000000000000" pitchFamily="65" charset="-120"/>
-                <a:cs typeface="王漢宗顏楷體"/>
-                <a:sym typeface="王漢宗顏楷體"/>
-              </a:rPr>
-              <a:t>，或是</a:t>
-            </a:r>
-            <a:r>
-              <a:rPr lang="en-US" altLang="zh-TW" dirty="0">
-                <a:latin typeface="Times New Roman" panose="02020603050405020304" pitchFamily="18" charset="0"/>
-                <a:ea typeface="標楷體" panose="03000509000000000000" pitchFamily="65" charset="-120"/>
-                <a:cs typeface="王漢宗顏楷體"/>
-                <a:sym typeface="王漢宗顏楷體"/>
-              </a:rPr>
-              <a:t>Node.js</a:t>
-            </a:r>
-            <a:r>
-              <a:rPr lang="zh-TW" altLang="en-US" dirty="0">
-                <a:latin typeface="Times New Roman" panose="02020603050405020304" pitchFamily="18" charset="0"/>
-                <a:ea typeface="標楷體" panose="03000509000000000000" pitchFamily="65" charset="-120"/>
-                <a:cs typeface="王漢宗顏楷體"/>
-                <a:sym typeface="王漢宗顏楷體"/>
-              </a:rPr>
-              <a:t>中的</a:t>
-            </a:r>
-            <a:r>
-              <a:rPr lang="en-US" altLang="zh-TW" dirty="0">
-                <a:latin typeface="Times New Roman" panose="02020603050405020304" pitchFamily="18" charset="0"/>
-                <a:ea typeface="標楷體" panose="03000509000000000000" pitchFamily="65" charset="-120"/>
-                <a:cs typeface="王漢宗顏楷體"/>
-                <a:sym typeface="王漢宗顏楷體"/>
-              </a:rPr>
-              <a:t>global)</a:t>
-            </a:r>
-          </a:p>
-          <a:p>
-            <a:r>
-              <a:rPr lang="zh-TW" altLang="en-US" dirty="0">
-                <a:cs typeface="王漢宗顏楷體"/>
-                <a:sym typeface="王漢宗顏楷體"/>
-              </a:rPr>
-              <a:t>對於</a:t>
-            </a:r>
-            <a:r>
-              <a:rPr lang="en-US" altLang="zh-TW" kern="1200" dirty="0">
-                <a:solidFill>
-                  <a:srgbClr val="000000"/>
-                </a:solidFill>
-                <a:effectLst/>
-                <a:latin typeface="Times New Roman" panose="02020603050405020304" pitchFamily="18" charset="0"/>
-                <a:ea typeface="標楷體" panose="03000509000000000000" pitchFamily="65" charset="-120"/>
-                <a:cs typeface="王漢宗顏楷體"/>
-              </a:rPr>
-              <a:t>Arrow Function</a:t>
-            </a:r>
-            <a:r>
-              <a:rPr lang="zh-TW" altLang="en-US" kern="1200" dirty="0">
-                <a:solidFill>
-                  <a:srgbClr val="000000"/>
-                </a:solidFill>
-                <a:effectLst/>
-                <a:latin typeface="Times New Roman" panose="02020603050405020304" pitchFamily="18" charset="0"/>
-                <a:ea typeface="標楷體" panose="03000509000000000000" pitchFamily="65" charset="-120"/>
-                <a:cs typeface="王漢宗顏楷體"/>
-              </a:rPr>
-              <a:t>，</a:t>
-            </a:r>
-            <a:r>
-              <a:rPr lang="zh-TW" altLang="en-US" dirty="0">
-                <a:latin typeface="Times New Roman" panose="02020603050405020304" pitchFamily="18" charset="0"/>
-                <a:ea typeface="標楷體" panose="03000509000000000000" pitchFamily="65" charset="-120"/>
-                <a:cs typeface="王漢宗顏楷體"/>
-                <a:sym typeface="王漢宗顏楷體"/>
-              </a:rPr>
-              <a:t>不會依循預設綁定。它的 </a:t>
-            </a:r>
-            <a:r>
-              <a:rPr lang="en-US" altLang="zh-TW" dirty="0">
-                <a:latin typeface="Times New Roman" panose="02020603050405020304" pitchFamily="18" charset="0"/>
-                <a:ea typeface="標楷體" panose="03000509000000000000" pitchFamily="65" charset="-120"/>
-                <a:cs typeface="王漢宗顏楷體"/>
-                <a:sym typeface="王漢宗顏楷體"/>
-              </a:rPr>
-              <a:t>this </a:t>
-            </a:r>
-            <a:r>
-              <a:rPr lang="zh-TW" altLang="en-US" dirty="0">
-                <a:latin typeface="Times New Roman" panose="02020603050405020304" pitchFamily="18" charset="0"/>
-                <a:ea typeface="標楷體" panose="03000509000000000000" pitchFamily="65" charset="-120"/>
-                <a:cs typeface="王漢宗顏楷體"/>
-                <a:sym typeface="王漢宗顏楷體"/>
-              </a:rPr>
-              <a:t>是由定義時的作用域決定，而非執行時決定</a:t>
-            </a:r>
-            <a:endParaRPr lang="en-US" altLang="zh-TW" dirty="0">
-              <a:cs typeface="王漢宗顏楷體"/>
-              <a:sym typeface="王漢宗顏楷體"/>
-            </a:endParaRPr>
-          </a:p>
-          <a:p>
-            <a:pPr lvl="1"/>
-            <a:endParaRPr lang="zh-TW" altLang="en-US" dirty="0"/>
-          </a:p>
-        </p:txBody>
-      </p:sp>
-      <p:sp>
-        <p:nvSpPr>
-          <p:cNvPr id="3" name="標題 2">
-            <a:extLst>
-              <a:ext uri="{FF2B5EF4-FFF2-40B4-BE49-F238E27FC236}">
-                <a16:creationId xmlns:a16="http://schemas.microsoft.com/office/drawing/2014/main" id="{735162D7-DC09-4C97-8788-D34DA27A7FE9}"/>
-              </a:ext>
-            </a:extLst>
-          </p:cNvPr>
-          <p:cNvSpPr>
-            <a:spLocks noGrp="1"/>
-          </p:cNvSpPr>
-          <p:nvPr>
-            <p:ph type="title"/>
-          </p:nvPr>
-        </p:nvSpPr>
-        <p:spPr/>
-        <p:txBody>
-          <a:bodyPr>
-            <a:normAutofit fontScale="90000"/>
-          </a:bodyPr>
-          <a:lstStyle/>
-          <a:p>
-            <a:r>
-              <a:rPr lang="zh-TW" altLang="en-US" sz="6000" dirty="0">
-                <a:latin typeface="Times New Roman" panose="02020603050405020304" pitchFamily="18" charset="0"/>
-                <a:ea typeface="標楷體" panose="03000509000000000000" pitchFamily="65" charset="-120"/>
-                <a:cs typeface="王漢宗顏楷體"/>
-                <a:sym typeface="王漢宗顏楷體"/>
-              </a:rPr>
-              <a:t>預設綁定</a:t>
-            </a:r>
-            <a:r>
-              <a:rPr lang="en-US" altLang="zh-TW" sz="6000" dirty="0">
-                <a:latin typeface="Times New Roman" panose="02020603050405020304" pitchFamily="18" charset="0"/>
-                <a:ea typeface="標楷體" panose="03000509000000000000" pitchFamily="65" charset="-120"/>
-                <a:cs typeface="王漢宗顏楷體"/>
-                <a:sym typeface="王漢宗顏楷體"/>
-              </a:rPr>
-              <a:t>(Default binding)</a:t>
-            </a:r>
-            <a:endParaRPr lang="zh-TW" altLang="en-US" dirty="0"/>
-          </a:p>
-        </p:txBody>
-      </p:sp>
-      <p:sp>
-        <p:nvSpPr>
-          <p:cNvPr id="4" name="文字版面配置區 3">
-            <a:extLst>
-              <a:ext uri="{FF2B5EF4-FFF2-40B4-BE49-F238E27FC236}">
-                <a16:creationId xmlns:a16="http://schemas.microsoft.com/office/drawing/2014/main" id="{04276CA9-1A5B-45AF-9188-BD92D1B6607D}"/>
-              </a:ext>
-            </a:extLst>
-          </p:cNvPr>
-          <p:cNvSpPr>
-            <a:spLocks noGrp="1"/>
-          </p:cNvSpPr>
-          <p:nvPr>
-            <p:ph type="body" sz="quarter" idx="11"/>
-          </p:nvPr>
-        </p:nvSpPr>
-        <p:spPr/>
-        <p:txBody>
-          <a:bodyPr>
-            <a:normAutofit lnSpcReduction="10000"/>
-          </a:bodyPr>
-          <a:lstStyle/>
-          <a:p>
-            <a:endParaRPr lang="zh-TW" altLang="en-US"/>
-          </a:p>
-        </p:txBody>
-      </p:sp>
-      <p:pic>
-        <p:nvPicPr>
-          <p:cNvPr id="5" name="圖片 4">
-            <a:extLst>
-              <a:ext uri="{FF2B5EF4-FFF2-40B4-BE49-F238E27FC236}">
-                <a16:creationId xmlns:a16="http://schemas.microsoft.com/office/drawing/2014/main" id="{B9504895-4532-413C-8CCA-426D9F43BBDB}"/>
-              </a:ext>
-            </a:extLst>
-          </p:cNvPr>
-          <p:cNvPicPr>
-            <a:picLocks noChangeAspect="1"/>
-          </p:cNvPicPr>
-          <p:nvPr/>
-        </p:nvPicPr>
-        <p:blipFill>
-          <a:blip r:embed="rId2"/>
-          <a:stretch>
-            <a:fillRect/>
-          </a:stretch>
-        </p:blipFill>
-        <p:spPr>
-          <a:xfrm>
-            <a:off x="142875" y="1765740"/>
-            <a:ext cx="8305800" cy="3454012"/>
-          </a:xfrm>
-          <a:prstGeom prst="rect">
-            <a:avLst/>
-          </a:prstGeom>
-        </p:spPr>
-      </p:pic>
-    </p:spTree>
-    <p:extLst>
-      <p:ext uri="{BB962C8B-B14F-4D97-AF65-F5344CB8AC3E}">
-        <p14:creationId xmlns:p14="http://schemas.microsoft.com/office/powerpoint/2010/main" val="2906361643"/>
-      </p:ext>
-    </p:extLst>
-  </p:cSld>
-  <p:clrMapOvr>
-    <a:masterClrMapping/>
-  </p:clrMapOvr>
-</p:sld>
-</file>
-
-<file path=ppt/slides/slide35.xml><?xml version="1.0" encoding="utf-8"?>
-<p:sld xmlns:a="http://schemas.openxmlformats.org/drawingml/2006/main" xmlns:r="http://schemas.openxmlformats.org/officeDocument/2006/relationships" xmlns:p="http://schemas.openxmlformats.org/presentationml/2006/main">
-  <p:cSld>
-    <p:spTree>
-      <p:nvGrpSpPr>
-        <p:cNvPr id="1" name=""/>
-        <p:cNvGrpSpPr/>
-        <p:nvPr/>
-      </p:nvGrpSpPr>
-      <p:grpSpPr>
-        <a:xfrm>
-          <a:off x="0" y="0"/>
-          <a:ext cx="0" cy="0"/>
-          <a:chOff x="0" y="0"/>
-          <a:chExt cx="0" cy="0"/>
-        </a:xfrm>
-      </p:grpSpPr>
-      <p:sp>
-        <p:nvSpPr>
-          <p:cNvPr id="2" name="內容版面配置區 1">
-            <a:extLst>
-              <a:ext uri="{FF2B5EF4-FFF2-40B4-BE49-F238E27FC236}">
-                <a16:creationId xmlns:a16="http://schemas.microsoft.com/office/drawing/2014/main" id="{802C0A02-2C75-4047-AD2D-1172F37A2AE6}"/>
-              </a:ext>
-            </a:extLst>
-          </p:cNvPr>
-          <p:cNvSpPr>
-            <a:spLocks noGrp="1"/>
-          </p:cNvSpPr>
-          <p:nvPr>
-            <p:ph sz="quarter" idx="12"/>
-          </p:nvPr>
-        </p:nvSpPr>
-        <p:spPr/>
-        <p:txBody>
-          <a:bodyPr/>
-          <a:lstStyle/>
-          <a:p>
-            <a:r>
-              <a:rPr lang="zh-TW" altLang="en-US" dirty="0">
-                <a:latin typeface="Times New Roman" panose="02020603050405020304" pitchFamily="18" charset="0"/>
-                <a:ea typeface="標楷體" panose="03000509000000000000" pitchFamily="65" charset="-120"/>
-                <a:cs typeface="王漢宗顏楷體"/>
-                <a:sym typeface="王漢宗顏楷體"/>
-              </a:rPr>
-              <a:t>當函式被作為物件的方法呼叫時，</a:t>
-            </a:r>
-            <a:r>
-              <a:rPr lang="en-US" altLang="zh-TW" dirty="0">
-                <a:latin typeface="Times New Roman" panose="02020603050405020304" pitchFamily="18" charset="0"/>
-                <a:ea typeface="標楷體" panose="03000509000000000000" pitchFamily="65" charset="-120"/>
-                <a:cs typeface="王漢宗顏楷體"/>
-                <a:sym typeface="王漢宗顏楷體"/>
-              </a:rPr>
-              <a:t>this </a:t>
-            </a:r>
-            <a:r>
-              <a:rPr lang="zh-TW" altLang="en-US" dirty="0">
-                <a:latin typeface="Times New Roman" panose="02020603050405020304" pitchFamily="18" charset="0"/>
-                <a:ea typeface="標楷體" panose="03000509000000000000" pitchFamily="65" charset="-120"/>
-                <a:cs typeface="王漢宗顏楷體"/>
-                <a:sym typeface="王漢宗顏楷體"/>
-              </a:rPr>
-              <a:t>會被綁定到呼叫該函式的物件。</a:t>
-            </a:r>
-            <a:endParaRPr lang="en-US" altLang="zh-TW" dirty="0">
-              <a:latin typeface="Times New Roman" panose="02020603050405020304" pitchFamily="18" charset="0"/>
-              <a:ea typeface="標楷體" panose="03000509000000000000" pitchFamily="65" charset="-120"/>
-              <a:cs typeface="王漢宗顏楷體"/>
-              <a:sym typeface="王漢宗顏楷體"/>
-            </a:endParaRPr>
-          </a:p>
-          <a:p>
-            <a:r>
-              <a:rPr lang="zh-TW" altLang="en-US" dirty="0">
-                <a:latin typeface="Times New Roman" panose="02020603050405020304" pitchFamily="18" charset="0"/>
-                <a:ea typeface="標楷體" panose="03000509000000000000" pitchFamily="65" charset="-120"/>
-                <a:cs typeface="王漢宗顏楷體"/>
-                <a:sym typeface="王漢宗顏楷體"/>
-              </a:rPr>
-              <a:t>箭頭函式不會符合隱式綁定規則，因為它的 </a:t>
-            </a:r>
-            <a:r>
-              <a:rPr lang="en-US" altLang="zh-TW" dirty="0">
-                <a:latin typeface="Times New Roman" panose="02020603050405020304" pitchFamily="18" charset="0"/>
-                <a:ea typeface="標楷體" panose="03000509000000000000" pitchFamily="65" charset="-120"/>
-                <a:cs typeface="王漢宗顏楷體"/>
-                <a:sym typeface="王漢宗顏楷體"/>
-              </a:rPr>
-              <a:t>this </a:t>
-            </a:r>
-            <a:r>
-              <a:rPr lang="zh-TW" altLang="en-US" dirty="0">
-                <a:latin typeface="Times New Roman" panose="02020603050405020304" pitchFamily="18" charset="0"/>
-                <a:ea typeface="標楷體" panose="03000509000000000000" pitchFamily="65" charset="-120"/>
-                <a:cs typeface="王漢宗顏楷體"/>
-                <a:sym typeface="王漢宗顏楷體"/>
-              </a:rPr>
-              <a:t>始終由它定義時的作用域決定。</a:t>
-            </a:r>
-            <a:endParaRPr lang="en-US" altLang="zh-TW" dirty="0">
-              <a:latin typeface="Times New Roman" panose="02020603050405020304" pitchFamily="18" charset="0"/>
-              <a:ea typeface="標楷體" panose="03000509000000000000" pitchFamily="65" charset="-120"/>
-              <a:cs typeface="王漢宗顏楷體"/>
-              <a:sym typeface="王漢宗顏楷體"/>
-            </a:endParaRPr>
-          </a:p>
-          <a:p>
-            <a:endParaRPr lang="zh-TW" altLang="en-US" dirty="0"/>
-          </a:p>
-        </p:txBody>
-      </p:sp>
-      <p:sp>
-        <p:nvSpPr>
-          <p:cNvPr id="3" name="標題 2">
-            <a:extLst>
-              <a:ext uri="{FF2B5EF4-FFF2-40B4-BE49-F238E27FC236}">
-                <a16:creationId xmlns:a16="http://schemas.microsoft.com/office/drawing/2014/main" id="{735162D7-DC09-4C97-8788-D34DA27A7FE9}"/>
-              </a:ext>
-            </a:extLst>
-          </p:cNvPr>
-          <p:cNvSpPr>
-            <a:spLocks noGrp="1"/>
-          </p:cNvSpPr>
-          <p:nvPr>
-            <p:ph type="title"/>
-          </p:nvPr>
-        </p:nvSpPr>
-        <p:spPr/>
-        <p:txBody>
-          <a:bodyPr>
-            <a:normAutofit fontScale="90000"/>
-          </a:bodyPr>
-          <a:lstStyle/>
-          <a:p>
-            <a:r>
-              <a:rPr lang="zh-TW" altLang="en-US" sz="6000" dirty="0">
-                <a:latin typeface="Times New Roman" panose="02020603050405020304" pitchFamily="18" charset="0"/>
-                <a:ea typeface="標楷體" panose="03000509000000000000" pitchFamily="65" charset="-120"/>
-                <a:cs typeface="王漢宗顏楷體"/>
-                <a:sym typeface="王漢宗顏楷體"/>
-              </a:rPr>
-              <a:t>隱式綁定 </a:t>
-            </a:r>
-            <a:r>
-              <a:rPr lang="en-US" altLang="zh-TW" sz="6000" dirty="0">
-                <a:latin typeface="Times New Roman" panose="02020603050405020304" pitchFamily="18" charset="0"/>
-                <a:ea typeface="標楷體" panose="03000509000000000000" pitchFamily="65" charset="-120"/>
-                <a:cs typeface="王漢宗顏楷體"/>
-                <a:sym typeface="王漢宗顏楷體"/>
-              </a:rPr>
-              <a:t>(Implicit Binding)</a:t>
-            </a:r>
-          </a:p>
-        </p:txBody>
-      </p:sp>
-      <p:sp>
-        <p:nvSpPr>
-          <p:cNvPr id="4" name="文字版面配置區 3">
-            <a:extLst>
-              <a:ext uri="{FF2B5EF4-FFF2-40B4-BE49-F238E27FC236}">
-                <a16:creationId xmlns:a16="http://schemas.microsoft.com/office/drawing/2014/main" id="{04276CA9-1A5B-45AF-9188-BD92D1B6607D}"/>
-              </a:ext>
-            </a:extLst>
-          </p:cNvPr>
-          <p:cNvSpPr>
-            <a:spLocks noGrp="1"/>
-          </p:cNvSpPr>
-          <p:nvPr>
-            <p:ph type="body" sz="quarter" idx="11"/>
-          </p:nvPr>
-        </p:nvSpPr>
-        <p:spPr/>
-        <p:txBody>
-          <a:bodyPr>
-            <a:normAutofit lnSpcReduction="10000"/>
-          </a:bodyPr>
-          <a:lstStyle/>
-          <a:p>
-            <a:endParaRPr lang="zh-TW" altLang="en-US"/>
-          </a:p>
-        </p:txBody>
-      </p:sp>
-      <p:pic>
-        <p:nvPicPr>
-          <p:cNvPr id="5" name="圖片 4">
-            <a:extLst>
-              <a:ext uri="{FF2B5EF4-FFF2-40B4-BE49-F238E27FC236}">
-                <a16:creationId xmlns:a16="http://schemas.microsoft.com/office/drawing/2014/main" id="{CA39CE17-9FA0-40D3-BB9C-D8A2F62D1CE2}"/>
-              </a:ext>
-            </a:extLst>
-          </p:cNvPr>
-          <p:cNvPicPr>
-            <a:picLocks noChangeAspect="1"/>
-          </p:cNvPicPr>
-          <p:nvPr/>
-        </p:nvPicPr>
-        <p:blipFill>
-          <a:blip r:embed="rId2"/>
-          <a:stretch>
-            <a:fillRect/>
-          </a:stretch>
-        </p:blipFill>
-        <p:spPr>
-          <a:xfrm>
-            <a:off x="76200" y="1858397"/>
-            <a:ext cx="9543163" cy="2882830"/>
-          </a:xfrm>
-          <a:prstGeom prst="rect">
-            <a:avLst/>
-          </a:prstGeom>
-        </p:spPr>
-      </p:pic>
-    </p:spTree>
-    <p:extLst>
-      <p:ext uri="{BB962C8B-B14F-4D97-AF65-F5344CB8AC3E}">
-        <p14:creationId xmlns:p14="http://schemas.microsoft.com/office/powerpoint/2010/main" val="432567708"/>
-      </p:ext>
-    </p:extLst>
-  </p:cSld>
-  <p:clrMapOvr>
-    <a:masterClrMapping/>
-  </p:clrMapOvr>
-</p:sld>
-</file>
-
-<file path=ppt/slides/slide36.xml><?xml version="1.0" encoding="utf-8"?>
-<p:sld xmlns:a="http://schemas.openxmlformats.org/drawingml/2006/main" xmlns:r="http://schemas.openxmlformats.org/officeDocument/2006/relationships" xmlns:p="http://schemas.openxmlformats.org/presentationml/2006/main">
-  <p:cSld>
-    <p:spTree>
-      <p:nvGrpSpPr>
-        <p:cNvPr id="1" name=""/>
-        <p:cNvGrpSpPr/>
-        <p:nvPr/>
-      </p:nvGrpSpPr>
-      <p:grpSpPr>
-        <a:xfrm>
-          <a:off x="0" y="0"/>
-          <a:ext cx="0" cy="0"/>
-          <a:chOff x="0" y="0"/>
-          <a:chExt cx="0" cy="0"/>
-        </a:xfrm>
-      </p:grpSpPr>
-      <p:sp>
-        <p:nvSpPr>
-          <p:cNvPr id="2" name="內容版面配置區 1">
-            <a:extLst>
-              <a:ext uri="{FF2B5EF4-FFF2-40B4-BE49-F238E27FC236}">
-                <a16:creationId xmlns:a16="http://schemas.microsoft.com/office/drawing/2014/main" id="{802C0A02-2C75-4047-AD2D-1172F37A2AE6}"/>
-              </a:ext>
-            </a:extLst>
-          </p:cNvPr>
-          <p:cNvSpPr>
-            <a:spLocks noGrp="1"/>
-          </p:cNvSpPr>
-          <p:nvPr>
-            <p:ph sz="quarter" idx="12"/>
-          </p:nvPr>
-        </p:nvSpPr>
-        <p:spPr/>
-        <p:txBody>
-          <a:bodyPr/>
-          <a:lstStyle/>
-          <a:p>
-            <a:r>
-              <a:rPr lang="zh-TW" altLang="en-US" sz="1800" dirty="0">
-                <a:latin typeface="Times New Roman" panose="02020603050405020304" pitchFamily="18" charset="0"/>
-                <a:ea typeface="標楷體" panose="03000509000000000000" pitchFamily="65" charset="-120"/>
-                <a:cs typeface="王漢宗顏楷體"/>
-                <a:sym typeface="王漢宗顏楷體"/>
-              </a:rPr>
-              <a:t>在 </a:t>
-            </a:r>
-            <a:r>
-              <a:rPr lang="en-US" altLang="zh-TW" sz="1800" dirty="0">
-                <a:latin typeface="Times New Roman" panose="02020603050405020304" pitchFamily="18" charset="0"/>
-                <a:ea typeface="標楷體" panose="03000509000000000000" pitchFamily="65" charset="-120"/>
-                <a:cs typeface="王漢宗顏楷體"/>
-                <a:sym typeface="王漢宗顏楷體"/>
-              </a:rPr>
-              <a:t>JavaScript </a:t>
-            </a:r>
-            <a:r>
-              <a:rPr lang="zh-TW" altLang="en-US" sz="1800" dirty="0">
-                <a:latin typeface="Times New Roman" panose="02020603050405020304" pitchFamily="18" charset="0"/>
-                <a:ea typeface="標楷體" panose="03000509000000000000" pitchFamily="65" charset="-120"/>
-                <a:cs typeface="王漢宗顏楷體"/>
-                <a:sym typeface="王漢宗顏楷體"/>
-              </a:rPr>
-              <a:t>中，當我們希望函式的</a:t>
-            </a:r>
-            <a:r>
-              <a:rPr lang="en-US" altLang="zh-TW" sz="1800" dirty="0">
-                <a:latin typeface="Times New Roman" panose="02020603050405020304" pitchFamily="18" charset="0"/>
-                <a:ea typeface="標楷體" panose="03000509000000000000" pitchFamily="65" charset="-120"/>
-                <a:cs typeface="王漢宗顏楷體"/>
-                <a:sym typeface="王漢宗顏楷體"/>
-              </a:rPr>
-              <a:t>this</a:t>
-            </a:r>
-            <a:r>
-              <a:rPr lang="zh-TW" altLang="en-US" sz="1800" dirty="0">
-                <a:latin typeface="Times New Roman" panose="02020603050405020304" pitchFamily="18" charset="0"/>
-                <a:ea typeface="標楷體" panose="03000509000000000000" pitchFamily="65" charset="-120"/>
-                <a:cs typeface="王漢宗顏楷體"/>
-                <a:sym typeface="王漢宗顏楷體"/>
-              </a:rPr>
-              <a:t>被綁定到特定對象，或者想在呼叫函式時自動傳入一些固定的參數。</a:t>
-            </a:r>
-            <a:endParaRPr lang="en-US" altLang="zh-TW" sz="1800" dirty="0">
-              <a:latin typeface="Times New Roman" panose="02020603050405020304" pitchFamily="18" charset="0"/>
-              <a:ea typeface="標楷體" panose="03000509000000000000" pitchFamily="65" charset="-120"/>
-              <a:cs typeface="王漢宗顏楷體"/>
-              <a:sym typeface="王漢宗顏楷體"/>
-            </a:endParaRPr>
-          </a:p>
-          <a:p>
-            <a:r>
-              <a:rPr lang="zh-TW" altLang="en-US" sz="1800" dirty="0">
-                <a:latin typeface="Times New Roman" panose="02020603050405020304" pitchFamily="18" charset="0"/>
-                <a:ea typeface="標楷體" panose="03000509000000000000" pitchFamily="65" charset="-120"/>
-                <a:cs typeface="王漢宗顏楷體"/>
-                <a:sym typeface="王漢宗顏楷體"/>
-              </a:rPr>
-              <a:t>綁定函數</a:t>
-            </a:r>
-            <a:r>
-              <a:rPr lang="zh-TW" altLang="en-US" dirty="0">
-                <a:cs typeface="王漢宗顏楷體"/>
-                <a:sym typeface="王漢宗顏楷體"/>
-              </a:rPr>
-              <a:t>：</a:t>
-            </a:r>
-            <a:r>
-              <a:rPr lang="en-US" altLang="zh-TW" dirty="0">
-                <a:cs typeface="王漢宗顏楷體"/>
-                <a:sym typeface="王漢宗顏楷體"/>
-              </a:rPr>
-              <a:t>find</a:t>
-            </a:r>
-          </a:p>
-          <a:p>
-            <a:pPr lvl="1"/>
-            <a:r>
-              <a:rPr lang="en-US" altLang="zh-TW" dirty="0">
-                <a:latin typeface="Times New Roman" panose="02020603050405020304" pitchFamily="18" charset="0"/>
-                <a:ea typeface="標楷體" panose="03000509000000000000" pitchFamily="65" charset="-120"/>
-                <a:cs typeface="王漢宗顏楷體"/>
-                <a:sym typeface="王漢宗顏楷體"/>
-              </a:rPr>
-              <a:t>bind</a:t>
-            </a:r>
-            <a:r>
-              <a:rPr lang="zh-TW" altLang="en-US" dirty="0">
-                <a:latin typeface="Times New Roman" panose="02020603050405020304" pitchFamily="18" charset="0"/>
-                <a:ea typeface="標楷體" panose="03000509000000000000" pitchFamily="65" charset="-120"/>
-                <a:cs typeface="王漢宗顏楷體"/>
-                <a:sym typeface="王漢宗顏楷體"/>
-              </a:rPr>
-              <a:t>可以讓你創建一個新的函式，這個函式的</a:t>
-            </a:r>
-            <a:r>
-              <a:rPr lang="en-US" altLang="zh-TW" dirty="0">
-                <a:latin typeface="Times New Roman" panose="02020603050405020304" pitchFamily="18" charset="0"/>
-                <a:ea typeface="標楷體" panose="03000509000000000000" pitchFamily="65" charset="-120"/>
-                <a:cs typeface="王漢宗顏楷體"/>
-                <a:sym typeface="王漢宗顏楷體"/>
-              </a:rPr>
-              <a:t>this</a:t>
-            </a:r>
-            <a:r>
-              <a:rPr lang="zh-TW" altLang="en-US" dirty="0">
-                <a:latin typeface="Times New Roman" panose="02020603050405020304" pitchFamily="18" charset="0"/>
-                <a:ea typeface="標楷體" panose="03000509000000000000" pitchFamily="65" charset="-120"/>
-                <a:cs typeface="王漢宗顏楷體"/>
-                <a:sym typeface="王漢宗顏楷體"/>
-              </a:rPr>
-              <a:t>被綁定到特定對象，並且可以預設某些參數。</a:t>
-            </a:r>
-          </a:p>
-          <a:p>
-            <a:pPr lvl="1"/>
-            <a:r>
-              <a:rPr lang="en-US" altLang="zh-TW" dirty="0" err="1">
-                <a:latin typeface="Times New Roman" panose="02020603050405020304" pitchFamily="18" charset="0"/>
-                <a:ea typeface="標楷體" panose="03000509000000000000" pitchFamily="65" charset="-120"/>
-                <a:cs typeface="王漢宗顏楷體"/>
-                <a:sym typeface="王漢宗顏楷體"/>
-              </a:rPr>
-              <a:t>function.bind</a:t>
-            </a:r>
-            <a:r>
-              <a:rPr lang="en-US" altLang="zh-TW" dirty="0">
-                <a:latin typeface="Times New Roman" panose="02020603050405020304" pitchFamily="18" charset="0"/>
-                <a:ea typeface="標楷體" panose="03000509000000000000" pitchFamily="65" charset="-120"/>
-                <a:cs typeface="王漢宗顏楷體"/>
-                <a:sym typeface="王漢宗顏楷體"/>
-              </a:rPr>
-              <a:t>(</a:t>
-            </a:r>
-            <a:r>
-              <a:rPr lang="en-US" altLang="zh-TW" dirty="0" err="1">
-                <a:latin typeface="Times New Roman" panose="02020603050405020304" pitchFamily="18" charset="0"/>
-                <a:ea typeface="標楷體" panose="03000509000000000000" pitchFamily="65" charset="-120"/>
-                <a:cs typeface="王漢宗顏楷體"/>
-                <a:sym typeface="王漢宗顏楷體"/>
-              </a:rPr>
-              <a:t>thisValue</a:t>
-            </a:r>
-            <a:r>
-              <a:rPr lang="en-US" altLang="zh-TW" dirty="0">
-                <a:latin typeface="Times New Roman" panose="02020603050405020304" pitchFamily="18" charset="0"/>
-                <a:ea typeface="標楷體" panose="03000509000000000000" pitchFamily="65" charset="-120"/>
-                <a:cs typeface="王漢宗顏楷體"/>
-                <a:sym typeface="王漢宗顏楷體"/>
-              </a:rPr>
-              <a:t>, arg1, arg2, ..., </a:t>
-            </a:r>
-            <a:r>
-              <a:rPr lang="en-US" altLang="zh-TW" dirty="0" err="1">
-                <a:latin typeface="Times New Roman" panose="02020603050405020304" pitchFamily="18" charset="0"/>
-                <a:ea typeface="標楷體" panose="03000509000000000000" pitchFamily="65" charset="-120"/>
-                <a:cs typeface="王漢宗顏楷體"/>
-                <a:sym typeface="王漢宗顏楷體"/>
-              </a:rPr>
-              <a:t>argN</a:t>
-            </a:r>
-            <a:r>
-              <a:rPr lang="en-US" altLang="zh-TW" dirty="0">
-                <a:latin typeface="Times New Roman" panose="02020603050405020304" pitchFamily="18" charset="0"/>
-                <a:ea typeface="標楷體" panose="03000509000000000000" pitchFamily="65" charset="-120"/>
-                <a:cs typeface="王漢宗顏楷體"/>
-                <a:sym typeface="王漢宗顏楷體"/>
-              </a:rPr>
-              <a:t>);</a:t>
-            </a:r>
-          </a:p>
-          <a:p>
-            <a:pPr lvl="2"/>
-            <a:r>
-              <a:rPr lang="en-US" altLang="zh-TW" dirty="0" err="1">
-                <a:latin typeface="Times New Roman" panose="02020603050405020304" pitchFamily="18" charset="0"/>
-                <a:ea typeface="標楷體" panose="03000509000000000000" pitchFamily="65" charset="-120"/>
-                <a:cs typeface="王漢宗顏楷體"/>
-                <a:sym typeface="王漢宗顏楷體"/>
-              </a:rPr>
-              <a:t>thisValue</a:t>
-            </a:r>
-            <a:r>
-              <a:rPr lang="zh-TW" altLang="en-US" dirty="0">
-                <a:latin typeface="Times New Roman" panose="02020603050405020304" pitchFamily="18" charset="0"/>
-                <a:ea typeface="標楷體" panose="03000509000000000000" pitchFamily="65" charset="-120"/>
-                <a:cs typeface="王漢宗顏楷體"/>
-                <a:sym typeface="王漢宗顏楷體"/>
-              </a:rPr>
-              <a:t>：要綁定的</a:t>
-            </a:r>
-            <a:r>
-              <a:rPr lang="en-US" altLang="zh-TW" dirty="0">
-                <a:latin typeface="Times New Roman" panose="02020603050405020304" pitchFamily="18" charset="0"/>
-                <a:ea typeface="標楷體" panose="03000509000000000000" pitchFamily="65" charset="-120"/>
-                <a:cs typeface="王漢宗顏楷體"/>
-                <a:sym typeface="王漢宗顏楷體"/>
-              </a:rPr>
-              <a:t>this</a:t>
-            </a:r>
-            <a:r>
-              <a:rPr lang="zh-TW" altLang="en-US" dirty="0">
-                <a:latin typeface="Times New Roman" panose="02020603050405020304" pitchFamily="18" charset="0"/>
-                <a:ea typeface="標楷體" panose="03000509000000000000" pitchFamily="65" charset="-120"/>
-                <a:cs typeface="王漢宗顏楷體"/>
-                <a:sym typeface="王漢宗顏楷體"/>
-              </a:rPr>
-              <a:t>對象，必須指定。</a:t>
-            </a:r>
-          </a:p>
-          <a:p>
-            <a:pPr lvl="2"/>
-            <a:r>
-              <a:rPr lang="en-US" altLang="zh-TW" dirty="0">
-                <a:latin typeface="Times New Roman" panose="02020603050405020304" pitchFamily="18" charset="0"/>
-                <a:ea typeface="標楷體" panose="03000509000000000000" pitchFamily="65" charset="-120"/>
-                <a:cs typeface="王漢宗顏楷體"/>
-                <a:sym typeface="王漢宗顏楷體"/>
-              </a:rPr>
-              <a:t>arg1, arg2, ..., </a:t>
-            </a:r>
-            <a:r>
-              <a:rPr lang="en-US" altLang="zh-TW" dirty="0" err="1">
-                <a:latin typeface="Times New Roman" panose="02020603050405020304" pitchFamily="18" charset="0"/>
-                <a:ea typeface="標楷體" panose="03000509000000000000" pitchFamily="65" charset="-120"/>
-                <a:cs typeface="王漢宗顏楷體"/>
-                <a:sym typeface="王漢宗顏楷體"/>
-              </a:rPr>
-              <a:t>argN</a:t>
-            </a:r>
-            <a:r>
-              <a:rPr lang="zh-TW" altLang="en-US" dirty="0">
-                <a:latin typeface="Times New Roman" panose="02020603050405020304" pitchFamily="18" charset="0"/>
-                <a:ea typeface="標楷體" panose="03000509000000000000" pitchFamily="65" charset="-120"/>
-                <a:cs typeface="王漢宗顏楷體"/>
-                <a:sym typeface="王漢宗顏楷體"/>
-              </a:rPr>
-              <a:t>：可選的參數列表。</a:t>
-            </a:r>
-          </a:p>
-          <a:p>
-            <a:endParaRPr lang="zh-TW" altLang="en-US" sz="1800" dirty="0">
-              <a:latin typeface="Times New Roman" panose="02020603050405020304" pitchFamily="18" charset="0"/>
-              <a:ea typeface="標楷體" panose="03000509000000000000" pitchFamily="65" charset="-120"/>
-              <a:cs typeface="王漢宗顏楷體"/>
-              <a:sym typeface="王漢宗顏楷體"/>
-            </a:endParaRPr>
-          </a:p>
-        </p:txBody>
-      </p:sp>
-      <p:sp>
-        <p:nvSpPr>
-          <p:cNvPr id="3" name="標題 2">
-            <a:extLst>
-              <a:ext uri="{FF2B5EF4-FFF2-40B4-BE49-F238E27FC236}">
-                <a16:creationId xmlns:a16="http://schemas.microsoft.com/office/drawing/2014/main" id="{735162D7-DC09-4C97-8788-D34DA27A7FE9}"/>
-              </a:ext>
-            </a:extLst>
-          </p:cNvPr>
-          <p:cNvSpPr>
-            <a:spLocks noGrp="1"/>
-          </p:cNvSpPr>
-          <p:nvPr>
-            <p:ph type="title"/>
-          </p:nvPr>
-        </p:nvSpPr>
-        <p:spPr/>
-        <p:txBody>
-          <a:bodyPr>
-            <a:normAutofit fontScale="90000"/>
-          </a:bodyPr>
-          <a:lstStyle/>
-          <a:p>
-            <a:r>
-              <a:rPr lang="zh-TW" altLang="en-US" sz="6000" dirty="0">
-                <a:solidFill>
-                  <a:srgbClr val="FFFFFF"/>
-                </a:solidFill>
-                <a:latin typeface="Times New Roman" panose="02020603050405020304" pitchFamily="18" charset="0"/>
-                <a:ea typeface="標楷體" panose="03000509000000000000" pitchFamily="65" charset="-120"/>
-                <a:cs typeface="Times New Roman" panose="02020603050405020304" pitchFamily="18" charset="0"/>
-                <a:sym typeface="王漢宗顏楷體"/>
-              </a:rPr>
-              <a:t>顯式綁定</a:t>
-            </a:r>
-            <a:r>
-              <a:rPr lang="en-US" altLang="zh-TW" sz="6000" dirty="0">
-                <a:solidFill>
-                  <a:srgbClr val="FFFFFF"/>
-                </a:solidFill>
-                <a:latin typeface="Times New Roman" panose="02020603050405020304" pitchFamily="18" charset="0"/>
-                <a:ea typeface="標楷體" panose="03000509000000000000" pitchFamily="65" charset="-120"/>
-                <a:cs typeface="Times New Roman" panose="02020603050405020304" pitchFamily="18" charset="0"/>
-                <a:sym typeface="王漢宗顏楷體"/>
-              </a:rPr>
-              <a:t>(Explicit binding)</a:t>
-            </a:r>
-          </a:p>
-        </p:txBody>
-      </p:sp>
-      <p:sp>
-        <p:nvSpPr>
-          <p:cNvPr id="4" name="文字版面配置區 3">
-            <a:extLst>
-              <a:ext uri="{FF2B5EF4-FFF2-40B4-BE49-F238E27FC236}">
-                <a16:creationId xmlns:a16="http://schemas.microsoft.com/office/drawing/2014/main" id="{04276CA9-1A5B-45AF-9188-BD92D1B6607D}"/>
-              </a:ext>
-            </a:extLst>
-          </p:cNvPr>
-          <p:cNvSpPr>
-            <a:spLocks noGrp="1"/>
-          </p:cNvSpPr>
-          <p:nvPr>
-            <p:ph type="body" sz="quarter" idx="11"/>
-          </p:nvPr>
-        </p:nvSpPr>
-        <p:spPr/>
-        <p:txBody>
-          <a:bodyPr>
-            <a:normAutofit lnSpcReduction="10000"/>
-          </a:bodyPr>
-          <a:lstStyle/>
-          <a:p>
-            <a:endParaRPr lang="zh-TW" altLang="en-US"/>
-          </a:p>
-        </p:txBody>
-      </p:sp>
-      <p:pic>
-        <p:nvPicPr>
-          <p:cNvPr id="6" name="圖片 5">
-            <a:extLst>
-              <a:ext uri="{FF2B5EF4-FFF2-40B4-BE49-F238E27FC236}">
-                <a16:creationId xmlns:a16="http://schemas.microsoft.com/office/drawing/2014/main" id="{7F872C43-23C8-40D5-A10C-775EF38AA5B2}"/>
-              </a:ext>
-            </a:extLst>
-          </p:cNvPr>
-          <p:cNvPicPr>
-            <a:picLocks noChangeAspect="1"/>
-          </p:cNvPicPr>
-          <p:nvPr/>
-        </p:nvPicPr>
-        <p:blipFill>
-          <a:blip r:embed="rId2"/>
-          <a:stretch>
-            <a:fillRect/>
-          </a:stretch>
-        </p:blipFill>
-        <p:spPr>
-          <a:xfrm>
-            <a:off x="6029691" y="3120613"/>
-            <a:ext cx="6086109" cy="2200687"/>
-          </a:xfrm>
-          <a:prstGeom prst="rect">
-            <a:avLst/>
-          </a:prstGeom>
-        </p:spPr>
-      </p:pic>
-      <p:pic>
-        <p:nvPicPr>
-          <p:cNvPr id="7" name="圖片 6">
-            <a:extLst>
-              <a:ext uri="{FF2B5EF4-FFF2-40B4-BE49-F238E27FC236}">
-                <a16:creationId xmlns:a16="http://schemas.microsoft.com/office/drawing/2014/main" id="{432A55F3-3723-44BC-A51B-A4E434ECEBFB}"/>
-              </a:ext>
-            </a:extLst>
-          </p:cNvPr>
-          <p:cNvPicPr>
-            <a:picLocks noChangeAspect="1"/>
-          </p:cNvPicPr>
-          <p:nvPr/>
-        </p:nvPicPr>
-        <p:blipFill>
-          <a:blip r:embed="rId3"/>
-          <a:stretch>
-            <a:fillRect/>
-          </a:stretch>
-        </p:blipFill>
-        <p:spPr>
-          <a:xfrm>
-            <a:off x="56556" y="3120613"/>
-            <a:ext cx="5874039" cy="2543587"/>
-          </a:xfrm>
-          <a:prstGeom prst="rect">
-            <a:avLst/>
-          </a:prstGeom>
-        </p:spPr>
-      </p:pic>
-    </p:spTree>
-    <p:extLst>
-      <p:ext uri="{BB962C8B-B14F-4D97-AF65-F5344CB8AC3E}">
-        <p14:creationId xmlns:p14="http://schemas.microsoft.com/office/powerpoint/2010/main" val="1853559873"/>
-      </p:ext>
-    </p:extLst>
-  </p:cSld>
-  <p:clrMapOvr>
-    <a:masterClrMapping/>
-  </p:clrMapOvr>
-</p:sld>
-</file>
-
-<file path=ppt/slides/slide37.xml><?xml version="1.0" encoding="utf-8"?>
-<p:sld xmlns:a="http://schemas.openxmlformats.org/drawingml/2006/main" xmlns:r="http://schemas.openxmlformats.org/officeDocument/2006/relationships" xmlns:p="http://schemas.openxmlformats.org/presentationml/2006/main">
-  <p:cSld>
-    <p:spTree>
-      <p:nvGrpSpPr>
-        <p:cNvPr id="1" name=""/>
-        <p:cNvGrpSpPr/>
-        <p:nvPr/>
-      </p:nvGrpSpPr>
-      <p:grpSpPr>
-        <a:xfrm>
-          <a:off x="0" y="0"/>
-          <a:ext cx="0" cy="0"/>
-          <a:chOff x="0" y="0"/>
-          <a:chExt cx="0" cy="0"/>
-        </a:xfrm>
-      </p:grpSpPr>
-      <p:sp>
-        <p:nvSpPr>
-          <p:cNvPr id="2" name="內容版面配置區 1">
-            <a:extLst>
-              <a:ext uri="{FF2B5EF4-FFF2-40B4-BE49-F238E27FC236}">
-                <a16:creationId xmlns:a16="http://schemas.microsoft.com/office/drawing/2014/main" id="{802C0A02-2C75-4047-AD2D-1172F37A2AE6}"/>
-              </a:ext>
-            </a:extLst>
-          </p:cNvPr>
-          <p:cNvSpPr>
-            <a:spLocks noGrp="1"/>
-          </p:cNvSpPr>
-          <p:nvPr>
-            <p:ph sz="quarter" idx="12"/>
-          </p:nvPr>
-        </p:nvSpPr>
-        <p:spPr/>
-        <p:txBody>
-          <a:bodyPr/>
-          <a:lstStyle/>
-          <a:p>
-            <a:r>
-              <a:rPr lang="zh-TW" altLang="en-US" sz="1800" dirty="0">
-                <a:latin typeface="Times New Roman" panose="02020603050405020304" pitchFamily="18" charset="0"/>
-                <a:ea typeface="標楷體" panose="03000509000000000000" pitchFamily="65" charset="-120"/>
-                <a:cs typeface="王漢宗顏楷體"/>
-                <a:sym typeface="王漢宗顏楷體"/>
-              </a:rPr>
-              <a:t>綁定函數</a:t>
-            </a:r>
-            <a:r>
-              <a:rPr lang="zh-TW" altLang="en-US" dirty="0">
-                <a:cs typeface="王漢宗顏楷體"/>
-                <a:sym typeface="王漢宗顏楷體"/>
-              </a:rPr>
-              <a:t>：</a:t>
-            </a:r>
-            <a:r>
-              <a:rPr lang="en-US" altLang="zh-TW" dirty="0">
-                <a:cs typeface="王漢宗顏楷體"/>
-                <a:sym typeface="王漢宗顏楷體"/>
-              </a:rPr>
-              <a:t>find</a:t>
-            </a:r>
-          </a:p>
-          <a:p>
-            <a:pPr lvl="1"/>
-            <a:r>
-              <a:rPr lang="en-US" altLang="zh-TW" dirty="0">
-                <a:latin typeface="Times New Roman" panose="02020603050405020304" pitchFamily="18" charset="0"/>
-                <a:ea typeface="標楷體" panose="03000509000000000000" pitchFamily="65" charset="-120"/>
-                <a:cs typeface="王漢宗顏楷體"/>
-                <a:sym typeface="王漢宗顏楷體"/>
-              </a:rPr>
-              <a:t>bind</a:t>
-            </a:r>
-            <a:r>
-              <a:rPr lang="zh-TW" altLang="en-US" dirty="0">
-                <a:latin typeface="Times New Roman" panose="02020603050405020304" pitchFamily="18" charset="0"/>
-                <a:ea typeface="標楷體" panose="03000509000000000000" pitchFamily="65" charset="-120"/>
-                <a:cs typeface="王漢宗顏楷體"/>
-                <a:sym typeface="王漢宗顏楷體"/>
-              </a:rPr>
-              <a:t>可以讓你創建一個新的函式，這個函式的</a:t>
-            </a:r>
-            <a:r>
-              <a:rPr lang="en-US" altLang="zh-TW" dirty="0">
-                <a:latin typeface="Times New Roman" panose="02020603050405020304" pitchFamily="18" charset="0"/>
-                <a:ea typeface="標楷體" panose="03000509000000000000" pitchFamily="65" charset="-120"/>
-                <a:cs typeface="王漢宗顏楷體"/>
-                <a:sym typeface="王漢宗顏楷體"/>
-              </a:rPr>
-              <a:t>this</a:t>
-            </a:r>
-            <a:r>
-              <a:rPr lang="zh-TW" altLang="en-US" dirty="0">
-                <a:latin typeface="Times New Roman" panose="02020603050405020304" pitchFamily="18" charset="0"/>
-                <a:ea typeface="標楷體" panose="03000509000000000000" pitchFamily="65" charset="-120"/>
-                <a:cs typeface="王漢宗顏楷體"/>
-                <a:sym typeface="王漢宗顏楷體"/>
-              </a:rPr>
-              <a:t>被綁定到特定對象，並且可以預設某些參數。</a:t>
-            </a:r>
-          </a:p>
-          <a:p>
-            <a:pPr lvl="1"/>
-            <a:r>
-              <a:rPr lang="en-US" altLang="zh-TW" dirty="0" err="1">
-                <a:latin typeface="Times New Roman" panose="02020603050405020304" pitchFamily="18" charset="0"/>
-                <a:ea typeface="標楷體" panose="03000509000000000000" pitchFamily="65" charset="-120"/>
-                <a:cs typeface="王漢宗顏楷體"/>
-                <a:sym typeface="王漢宗顏楷體"/>
-              </a:rPr>
-              <a:t>function.bind</a:t>
-            </a:r>
-            <a:r>
-              <a:rPr lang="en-US" altLang="zh-TW" dirty="0">
-                <a:latin typeface="Times New Roman" panose="02020603050405020304" pitchFamily="18" charset="0"/>
-                <a:ea typeface="標楷體" panose="03000509000000000000" pitchFamily="65" charset="-120"/>
-                <a:cs typeface="王漢宗顏楷體"/>
-                <a:sym typeface="王漢宗顏楷體"/>
-              </a:rPr>
-              <a:t>(</a:t>
-            </a:r>
-            <a:r>
-              <a:rPr lang="en-US" altLang="zh-TW" dirty="0" err="1">
-                <a:latin typeface="Times New Roman" panose="02020603050405020304" pitchFamily="18" charset="0"/>
-                <a:ea typeface="標楷體" panose="03000509000000000000" pitchFamily="65" charset="-120"/>
-                <a:cs typeface="王漢宗顏楷體"/>
-                <a:sym typeface="王漢宗顏楷體"/>
-              </a:rPr>
-              <a:t>thisValue</a:t>
-            </a:r>
-            <a:r>
-              <a:rPr lang="en-US" altLang="zh-TW" dirty="0">
-                <a:latin typeface="Times New Roman" panose="02020603050405020304" pitchFamily="18" charset="0"/>
-                <a:ea typeface="標楷體" panose="03000509000000000000" pitchFamily="65" charset="-120"/>
-                <a:cs typeface="王漢宗顏楷體"/>
-                <a:sym typeface="王漢宗顏楷體"/>
-              </a:rPr>
-              <a:t>, arg1, arg2, ..., </a:t>
-            </a:r>
-            <a:r>
-              <a:rPr lang="en-US" altLang="zh-TW" dirty="0" err="1">
-                <a:latin typeface="Times New Roman" panose="02020603050405020304" pitchFamily="18" charset="0"/>
-                <a:ea typeface="標楷體" panose="03000509000000000000" pitchFamily="65" charset="-120"/>
-                <a:cs typeface="王漢宗顏楷體"/>
-                <a:sym typeface="王漢宗顏楷體"/>
-              </a:rPr>
-              <a:t>argN</a:t>
-            </a:r>
-            <a:r>
-              <a:rPr lang="en-US" altLang="zh-TW" dirty="0">
-                <a:latin typeface="Times New Roman" panose="02020603050405020304" pitchFamily="18" charset="0"/>
-                <a:ea typeface="標楷體" panose="03000509000000000000" pitchFamily="65" charset="-120"/>
-                <a:cs typeface="王漢宗顏楷體"/>
-                <a:sym typeface="王漢宗顏楷體"/>
-              </a:rPr>
-              <a:t>);</a:t>
-            </a:r>
-          </a:p>
-          <a:p>
-            <a:pPr lvl="2"/>
-            <a:r>
-              <a:rPr lang="en-US" altLang="zh-TW" dirty="0" err="1">
-                <a:latin typeface="Times New Roman" panose="02020603050405020304" pitchFamily="18" charset="0"/>
-                <a:ea typeface="標楷體" panose="03000509000000000000" pitchFamily="65" charset="-120"/>
-                <a:cs typeface="王漢宗顏楷體"/>
-                <a:sym typeface="王漢宗顏楷體"/>
-              </a:rPr>
-              <a:t>thisValue</a:t>
-            </a:r>
-            <a:r>
-              <a:rPr lang="zh-TW" altLang="en-US" dirty="0">
-                <a:latin typeface="Times New Roman" panose="02020603050405020304" pitchFamily="18" charset="0"/>
-                <a:ea typeface="標楷體" panose="03000509000000000000" pitchFamily="65" charset="-120"/>
-                <a:cs typeface="王漢宗顏楷體"/>
-                <a:sym typeface="王漢宗顏楷體"/>
-              </a:rPr>
-              <a:t>：要綁定的</a:t>
-            </a:r>
-            <a:r>
-              <a:rPr lang="en-US" altLang="zh-TW" dirty="0">
-                <a:latin typeface="Times New Roman" panose="02020603050405020304" pitchFamily="18" charset="0"/>
-                <a:ea typeface="標楷體" panose="03000509000000000000" pitchFamily="65" charset="-120"/>
-                <a:cs typeface="王漢宗顏楷體"/>
-                <a:sym typeface="王漢宗顏楷體"/>
-              </a:rPr>
-              <a:t>this</a:t>
-            </a:r>
-            <a:r>
-              <a:rPr lang="zh-TW" altLang="en-US" dirty="0">
-                <a:latin typeface="Times New Roman" panose="02020603050405020304" pitchFamily="18" charset="0"/>
-                <a:ea typeface="標楷體" panose="03000509000000000000" pitchFamily="65" charset="-120"/>
-                <a:cs typeface="王漢宗顏楷體"/>
-                <a:sym typeface="王漢宗顏楷體"/>
-              </a:rPr>
-              <a:t>對象，必須指定。</a:t>
-            </a:r>
-          </a:p>
-          <a:p>
-            <a:pPr lvl="2"/>
-            <a:r>
-              <a:rPr lang="en-US" altLang="zh-TW" dirty="0">
-                <a:latin typeface="Times New Roman" panose="02020603050405020304" pitchFamily="18" charset="0"/>
-                <a:ea typeface="標楷體" panose="03000509000000000000" pitchFamily="65" charset="-120"/>
-                <a:cs typeface="王漢宗顏楷體"/>
-                <a:sym typeface="王漢宗顏楷體"/>
-              </a:rPr>
-              <a:t>arg1, arg2, ..., </a:t>
-            </a:r>
-            <a:r>
-              <a:rPr lang="en-US" altLang="zh-TW" dirty="0" err="1">
-                <a:latin typeface="Times New Roman" panose="02020603050405020304" pitchFamily="18" charset="0"/>
-                <a:ea typeface="標楷體" panose="03000509000000000000" pitchFamily="65" charset="-120"/>
-                <a:cs typeface="王漢宗顏楷體"/>
-                <a:sym typeface="王漢宗顏楷體"/>
-              </a:rPr>
-              <a:t>argN</a:t>
-            </a:r>
-            <a:r>
-              <a:rPr lang="zh-TW" altLang="en-US" dirty="0">
-                <a:latin typeface="Times New Roman" panose="02020603050405020304" pitchFamily="18" charset="0"/>
-                <a:ea typeface="標楷體" panose="03000509000000000000" pitchFamily="65" charset="-120"/>
-                <a:cs typeface="王漢宗顏楷體"/>
-                <a:sym typeface="王漢宗顏楷體"/>
-              </a:rPr>
-              <a:t>：可選的參數列表。</a:t>
-            </a:r>
-          </a:p>
-        </p:txBody>
-      </p:sp>
-      <p:sp>
-        <p:nvSpPr>
-          <p:cNvPr id="3" name="標題 2">
-            <a:extLst>
-              <a:ext uri="{FF2B5EF4-FFF2-40B4-BE49-F238E27FC236}">
-                <a16:creationId xmlns:a16="http://schemas.microsoft.com/office/drawing/2014/main" id="{735162D7-DC09-4C97-8788-D34DA27A7FE9}"/>
-              </a:ext>
-            </a:extLst>
-          </p:cNvPr>
-          <p:cNvSpPr>
-            <a:spLocks noGrp="1"/>
-          </p:cNvSpPr>
-          <p:nvPr>
-            <p:ph type="title"/>
-          </p:nvPr>
-        </p:nvSpPr>
-        <p:spPr/>
-        <p:txBody>
-          <a:bodyPr>
-            <a:normAutofit fontScale="90000"/>
-          </a:bodyPr>
-          <a:lstStyle/>
-          <a:p>
-            <a:r>
-              <a:rPr lang="zh-TW" altLang="en-US" sz="6000" dirty="0">
-                <a:solidFill>
-                  <a:srgbClr val="FFFFFF"/>
-                </a:solidFill>
-                <a:latin typeface="Times New Roman" panose="02020603050405020304" pitchFamily="18" charset="0"/>
-                <a:ea typeface="標楷體" panose="03000509000000000000" pitchFamily="65" charset="-120"/>
-                <a:cs typeface="Times New Roman" panose="02020603050405020304" pitchFamily="18" charset="0"/>
-                <a:sym typeface="王漢宗顏楷體"/>
-              </a:rPr>
-              <a:t>顯式綁定</a:t>
-            </a:r>
-            <a:r>
-              <a:rPr lang="en-US" altLang="zh-TW" sz="6000" dirty="0">
-                <a:solidFill>
-                  <a:srgbClr val="FFFFFF"/>
-                </a:solidFill>
-                <a:latin typeface="Times New Roman" panose="02020603050405020304" pitchFamily="18" charset="0"/>
-                <a:ea typeface="標楷體" panose="03000509000000000000" pitchFamily="65" charset="-120"/>
-                <a:cs typeface="Times New Roman" panose="02020603050405020304" pitchFamily="18" charset="0"/>
-                <a:sym typeface="王漢宗顏楷體"/>
-              </a:rPr>
-              <a:t>(Explicit binding)</a:t>
-            </a:r>
-            <a:endParaRPr lang="zh-TW" altLang="en-US" dirty="0"/>
-          </a:p>
-        </p:txBody>
-      </p:sp>
-      <p:sp>
-        <p:nvSpPr>
-          <p:cNvPr id="4" name="文字版面配置區 3">
-            <a:extLst>
-              <a:ext uri="{FF2B5EF4-FFF2-40B4-BE49-F238E27FC236}">
-                <a16:creationId xmlns:a16="http://schemas.microsoft.com/office/drawing/2014/main" id="{04276CA9-1A5B-45AF-9188-BD92D1B6607D}"/>
-              </a:ext>
-            </a:extLst>
-          </p:cNvPr>
-          <p:cNvSpPr>
-            <a:spLocks noGrp="1"/>
-          </p:cNvSpPr>
-          <p:nvPr>
-            <p:ph type="body" sz="quarter" idx="11"/>
-          </p:nvPr>
-        </p:nvSpPr>
-        <p:spPr/>
-        <p:txBody>
-          <a:bodyPr>
-            <a:normAutofit lnSpcReduction="10000"/>
-          </a:bodyPr>
-          <a:lstStyle/>
-          <a:p>
-            <a:endParaRPr lang="zh-TW" altLang="en-US"/>
-          </a:p>
-        </p:txBody>
-      </p:sp>
-      <p:pic>
-        <p:nvPicPr>
-          <p:cNvPr id="5" name="圖片 4">
-            <a:extLst>
-              <a:ext uri="{FF2B5EF4-FFF2-40B4-BE49-F238E27FC236}">
-                <a16:creationId xmlns:a16="http://schemas.microsoft.com/office/drawing/2014/main" id="{C38A9CCD-06C1-48A5-A014-ED27EEFFA95A}"/>
-              </a:ext>
-            </a:extLst>
-          </p:cNvPr>
-          <p:cNvPicPr>
-            <a:picLocks noChangeAspect="1"/>
-          </p:cNvPicPr>
-          <p:nvPr/>
-        </p:nvPicPr>
-        <p:blipFill>
-          <a:blip r:embed="rId2"/>
-          <a:stretch>
-            <a:fillRect/>
-          </a:stretch>
-        </p:blipFill>
-        <p:spPr>
-          <a:xfrm>
-            <a:off x="76200" y="2724489"/>
-            <a:ext cx="10929621" cy="3952536"/>
-          </a:xfrm>
-          <a:prstGeom prst="rect">
-            <a:avLst/>
-          </a:prstGeom>
-        </p:spPr>
-      </p:pic>
-    </p:spTree>
-    <p:extLst>
-      <p:ext uri="{BB962C8B-B14F-4D97-AF65-F5344CB8AC3E}">
-        <p14:creationId xmlns:p14="http://schemas.microsoft.com/office/powerpoint/2010/main" val="434214108"/>
-      </p:ext>
-    </p:extLst>
-  </p:cSld>
-  <p:clrMapOvr>
-    <a:masterClrMapping/>
-  </p:clrMapOvr>
-</p:sld>
-</file>
-
-<file path=ppt/slides/slide38.xml><?xml version="1.0" encoding="utf-8"?>
-<p:sld xmlns:a="http://schemas.openxmlformats.org/drawingml/2006/main" xmlns:r="http://schemas.openxmlformats.org/officeDocument/2006/relationships" xmlns:p="http://schemas.openxmlformats.org/presentationml/2006/main">
-  <p:cSld>
-    <p:spTree>
-      <p:nvGrpSpPr>
-        <p:cNvPr id="1" name=""/>
-        <p:cNvGrpSpPr/>
-        <p:nvPr/>
-      </p:nvGrpSpPr>
-      <p:grpSpPr>
-        <a:xfrm>
-          <a:off x="0" y="0"/>
-          <a:ext cx="0" cy="0"/>
-          <a:chOff x="0" y="0"/>
-          <a:chExt cx="0" cy="0"/>
-        </a:xfrm>
-      </p:grpSpPr>
-      <p:sp>
-        <p:nvSpPr>
-          <p:cNvPr id="2" name="內容版面配置區 1">
-            <a:extLst>
-              <a:ext uri="{FF2B5EF4-FFF2-40B4-BE49-F238E27FC236}">
-                <a16:creationId xmlns:a16="http://schemas.microsoft.com/office/drawing/2014/main" id="{802C0A02-2C75-4047-AD2D-1172F37A2AE6}"/>
-              </a:ext>
-            </a:extLst>
-          </p:cNvPr>
-          <p:cNvSpPr>
-            <a:spLocks noGrp="1"/>
-          </p:cNvSpPr>
-          <p:nvPr>
-            <p:ph sz="quarter" idx="12"/>
-          </p:nvPr>
-        </p:nvSpPr>
-        <p:spPr/>
-        <p:txBody>
-          <a:bodyPr/>
-          <a:lstStyle/>
-          <a:p>
-            <a:r>
-              <a:rPr lang="zh-TW" altLang="en-US" sz="1800" dirty="0">
-                <a:latin typeface="Times New Roman" panose="02020603050405020304" pitchFamily="18" charset="0"/>
-                <a:ea typeface="標楷體" panose="03000509000000000000" pitchFamily="65" charset="-120"/>
-                <a:cs typeface="王漢宗顏楷體"/>
-                <a:sym typeface="王漢宗顏楷體"/>
-              </a:rPr>
-              <a:t>綁定函數</a:t>
-            </a:r>
-            <a:r>
-              <a:rPr lang="zh-TW" altLang="en-US" dirty="0">
-                <a:cs typeface="王漢宗顏楷體"/>
-                <a:sym typeface="王漢宗顏楷體"/>
-              </a:rPr>
-              <a:t>：</a:t>
-            </a:r>
-            <a:r>
-              <a:rPr lang="en-US" altLang="zh-TW" dirty="0">
-                <a:cs typeface="王漢宗顏楷體"/>
-                <a:sym typeface="王漢宗顏楷體"/>
-              </a:rPr>
-              <a:t>call</a:t>
-            </a:r>
-          </a:p>
-          <a:p>
-            <a:r>
-              <a:rPr lang="en-US" altLang="zh-TW" dirty="0">
-                <a:cs typeface="王漢宗顏楷體"/>
-                <a:sym typeface="王漢宗顏楷體"/>
-              </a:rPr>
-              <a:t>call</a:t>
-            </a:r>
-            <a:r>
-              <a:rPr lang="zh-TW" altLang="en-US" dirty="0">
-                <a:cs typeface="王漢宗顏楷體"/>
-                <a:sym typeface="王漢宗顏楷體"/>
-              </a:rPr>
-              <a:t>是 </a:t>
-            </a:r>
-            <a:r>
-              <a:rPr lang="en-US" altLang="zh-TW" dirty="0">
-                <a:cs typeface="王漢宗顏楷體"/>
-                <a:sym typeface="王漢宗顏楷體"/>
-              </a:rPr>
-              <a:t>JavaScript</a:t>
-            </a:r>
-            <a:r>
-              <a:rPr lang="zh-TW" altLang="en-US" dirty="0">
-                <a:cs typeface="王漢宗顏楷體"/>
-                <a:sym typeface="王漢宗顏楷體"/>
-              </a:rPr>
-              <a:t>中的一個函式方法，用於改變函式內部的</a:t>
-            </a:r>
-            <a:r>
-              <a:rPr lang="en-US" altLang="zh-TW" dirty="0">
-                <a:cs typeface="王漢宗顏楷體"/>
-                <a:sym typeface="王漢宗顏楷體"/>
-              </a:rPr>
-              <a:t>this</a:t>
-            </a:r>
-            <a:r>
-              <a:rPr lang="zh-TW" altLang="en-US" dirty="0">
-                <a:cs typeface="王漢宗顏楷體"/>
-                <a:sym typeface="王漢宗顏楷體"/>
-              </a:rPr>
-              <a:t>指向，並立即執行該函式。</a:t>
-            </a:r>
-          </a:p>
-          <a:p>
-            <a:r>
-              <a:rPr lang="zh-TW" altLang="en-US" dirty="0">
-                <a:cs typeface="王漢宗顏楷體"/>
-                <a:sym typeface="王漢宗顏楷體"/>
-              </a:rPr>
-              <a:t>與</a:t>
-            </a:r>
-            <a:r>
-              <a:rPr lang="en-US" altLang="zh-TW" dirty="0">
-                <a:cs typeface="王漢宗顏楷體"/>
-                <a:sym typeface="王漢宗顏楷體"/>
-              </a:rPr>
-              <a:t>bind</a:t>
-            </a:r>
-            <a:r>
-              <a:rPr lang="zh-TW" altLang="en-US" dirty="0">
-                <a:cs typeface="王漢宗顏楷體"/>
-                <a:sym typeface="王漢宗顏楷體"/>
-              </a:rPr>
-              <a:t>不同的是，</a:t>
-            </a:r>
-            <a:r>
-              <a:rPr lang="en-US" altLang="zh-TW" dirty="0">
-                <a:cs typeface="王漢宗顏楷體"/>
-                <a:sym typeface="王漢宗顏楷體"/>
-              </a:rPr>
-              <a:t>call</a:t>
-            </a:r>
-            <a:r>
-              <a:rPr lang="zh-TW" altLang="en-US" dirty="0">
-                <a:cs typeface="王漢宗顏楷體"/>
-                <a:sym typeface="王漢宗顏楷體"/>
-              </a:rPr>
-              <a:t>不會返回一個新的函式，而是直接執行。</a:t>
-            </a:r>
-          </a:p>
-          <a:p>
-            <a:endParaRPr lang="en-US" altLang="zh-TW" dirty="0">
-              <a:cs typeface="王漢宗顏楷體"/>
-              <a:sym typeface="王漢宗顏楷體"/>
-            </a:endParaRPr>
-          </a:p>
-        </p:txBody>
-      </p:sp>
-      <p:sp>
-        <p:nvSpPr>
-          <p:cNvPr id="3" name="標題 2">
-            <a:extLst>
-              <a:ext uri="{FF2B5EF4-FFF2-40B4-BE49-F238E27FC236}">
-                <a16:creationId xmlns:a16="http://schemas.microsoft.com/office/drawing/2014/main" id="{735162D7-DC09-4C97-8788-D34DA27A7FE9}"/>
-              </a:ext>
-            </a:extLst>
-          </p:cNvPr>
-          <p:cNvSpPr>
-            <a:spLocks noGrp="1"/>
-          </p:cNvSpPr>
-          <p:nvPr>
-            <p:ph type="title"/>
-          </p:nvPr>
-        </p:nvSpPr>
-        <p:spPr/>
-        <p:txBody>
-          <a:bodyPr>
-            <a:normAutofit fontScale="90000"/>
-          </a:bodyPr>
-          <a:lstStyle/>
-          <a:p>
-            <a:r>
-              <a:rPr lang="zh-TW" altLang="en-US" sz="6000" dirty="0">
-                <a:solidFill>
-                  <a:srgbClr val="FFFFFF"/>
-                </a:solidFill>
-                <a:latin typeface="Times New Roman" panose="02020603050405020304" pitchFamily="18" charset="0"/>
-                <a:ea typeface="標楷體" panose="03000509000000000000" pitchFamily="65" charset="-120"/>
-                <a:cs typeface="Times New Roman" panose="02020603050405020304" pitchFamily="18" charset="0"/>
-                <a:sym typeface="王漢宗顏楷體"/>
-              </a:rPr>
-              <a:t>顯式綁定</a:t>
-            </a:r>
-            <a:r>
-              <a:rPr lang="en-US" altLang="zh-TW" sz="6000" dirty="0">
-                <a:solidFill>
-                  <a:srgbClr val="FFFFFF"/>
-                </a:solidFill>
-                <a:latin typeface="Times New Roman" panose="02020603050405020304" pitchFamily="18" charset="0"/>
-                <a:ea typeface="標楷體" panose="03000509000000000000" pitchFamily="65" charset="-120"/>
-                <a:cs typeface="Times New Roman" panose="02020603050405020304" pitchFamily="18" charset="0"/>
-                <a:sym typeface="王漢宗顏楷體"/>
-              </a:rPr>
-              <a:t>(Explicit binding)</a:t>
-            </a:r>
-            <a:endParaRPr lang="zh-TW" altLang="en-US" dirty="0"/>
-          </a:p>
-        </p:txBody>
-      </p:sp>
-      <p:sp>
-        <p:nvSpPr>
-          <p:cNvPr id="4" name="文字版面配置區 3">
-            <a:extLst>
-              <a:ext uri="{FF2B5EF4-FFF2-40B4-BE49-F238E27FC236}">
-                <a16:creationId xmlns:a16="http://schemas.microsoft.com/office/drawing/2014/main" id="{04276CA9-1A5B-45AF-9188-BD92D1B6607D}"/>
-              </a:ext>
-            </a:extLst>
-          </p:cNvPr>
-          <p:cNvSpPr>
-            <a:spLocks noGrp="1"/>
-          </p:cNvSpPr>
-          <p:nvPr>
-            <p:ph type="body" sz="quarter" idx="11"/>
-          </p:nvPr>
-        </p:nvSpPr>
-        <p:spPr/>
-        <p:txBody>
-          <a:bodyPr>
-            <a:normAutofit lnSpcReduction="10000"/>
-          </a:bodyPr>
-          <a:lstStyle/>
-          <a:p>
-            <a:endParaRPr lang="zh-TW" altLang="en-US"/>
-          </a:p>
-        </p:txBody>
-      </p:sp>
-      <p:pic>
-        <p:nvPicPr>
-          <p:cNvPr id="6" name="圖片 5">
-            <a:extLst>
-              <a:ext uri="{FF2B5EF4-FFF2-40B4-BE49-F238E27FC236}">
-                <a16:creationId xmlns:a16="http://schemas.microsoft.com/office/drawing/2014/main" id="{CFA9FE8A-2F71-4BCF-9378-AC9497A032DC}"/>
-              </a:ext>
-            </a:extLst>
-          </p:cNvPr>
-          <p:cNvPicPr>
-            <a:picLocks noChangeAspect="1"/>
-          </p:cNvPicPr>
-          <p:nvPr/>
-        </p:nvPicPr>
-        <p:blipFill>
-          <a:blip r:embed="rId2"/>
-          <a:stretch>
-            <a:fillRect/>
-          </a:stretch>
-        </p:blipFill>
-        <p:spPr>
-          <a:xfrm>
-            <a:off x="76200" y="3618271"/>
-            <a:ext cx="6269740" cy="3174409"/>
-          </a:xfrm>
-          <a:prstGeom prst="rect">
-            <a:avLst/>
-          </a:prstGeom>
-        </p:spPr>
-      </p:pic>
-      <p:pic>
-        <p:nvPicPr>
-          <p:cNvPr id="7" name="圖片 6">
-            <a:extLst>
-              <a:ext uri="{FF2B5EF4-FFF2-40B4-BE49-F238E27FC236}">
-                <a16:creationId xmlns:a16="http://schemas.microsoft.com/office/drawing/2014/main" id="{709D6141-9685-43C3-B047-738478D1B2BF}"/>
-              </a:ext>
-            </a:extLst>
-          </p:cNvPr>
-          <p:cNvPicPr>
-            <a:picLocks noChangeAspect="1"/>
-          </p:cNvPicPr>
-          <p:nvPr/>
-        </p:nvPicPr>
-        <p:blipFill>
-          <a:blip r:embed="rId3"/>
-          <a:stretch>
-            <a:fillRect/>
-          </a:stretch>
-        </p:blipFill>
-        <p:spPr>
-          <a:xfrm>
-            <a:off x="6390321" y="3617549"/>
-            <a:ext cx="5725479" cy="3175131"/>
-          </a:xfrm>
-          <a:prstGeom prst="rect">
-            <a:avLst/>
-          </a:prstGeom>
-        </p:spPr>
-      </p:pic>
-      <p:pic>
-        <p:nvPicPr>
-          <p:cNvPr id="8" name="圖片 7">
-            <a:extLst>
-              <a:ext uri="{FF2B5EF4-FFF2-40B4-BE49-F238E27FC236}">
-                <a16:creationId xmlns:a16="http://schemas.microsoft.com/office/drawing/2014/main" id="{A6B7C297-073F-4716-99D2-90DE1388C4B0}"/>
-              </a:ext>
-            </a:extLst>
-          </p:cNvPr>
-          <p:cNvPicPr>
-            <a:picLocks noChangeAspect="1"/>
-          </p:cNvPicPr>
-          <p:nvPr/>
-        </p:nvPicPr>
-        <p:blipFill>
-          <a:blip r:embed="rId4"/>
-          <a:stretch>
-            <a:fillRect/>
-          </a:stretch>
-        </p:blipFill>
-        <p:spPr>
-          <a:xfrm>
-            <a:off x="76200" y="2083255"/>
-            <a:ext cx="7427686" cy="1459010"/>
-          </a:xfrm>
-          <a:prstGeom prst="rect">
-            <a:avLst/>
-          </a:prstGeom>
-        </p:spPr>
-      </p:pic>
-    </p:spTree>
-    <p:extLst>
-      <p:ext uri="{BB962C8B-B14F-4D97-AF65-F5344CB8AC3E}">
-        <p14:creationId xmlns:p14="http://schemas.microsoft.com/office/powerpoint/2010/main" val="536526241"/>
-      </p:ext>
-    </p:extLst>
-  </p:cSld>
-  <p:clrMapOvr>
-    <a:masterClrMapping/>
-  </p:clrMapOvr>
-</p:sld>
-</file>
-
-<file path=ppt/slides/slide39.xml><?xml version="1.0" encoding="utf-8"?>
+<file path=ppt/slides/slide40.xml><?xml version="1.0" encoding="utf-8"?>
 <p:sld xmlns:a="http://schemas.openxmlformats.org/drawingml/2006/main" xmlns:r="http://schemas.openxmlformats.org/officeDocument/2006/relationships" xmlns:p="http://schemas.openxmlformats.org/presentationml/2006/main">
   <p:cSld>
     <p:spTree>
@@ -11372,232 +11780,7 @@
 </p:sld>
 </file>
 
-<file path=ppt/slides/slide4.xml><?xml version="1.0" encoding="utf-8"?>
-<p:sld xmlns:a="http://schemas.openxmlformats.org/drawingml/2006/main" xmlns:r="http://schemas.openxmlformats.org/officeDocument/2006/relationships" xmlns:p="http://schemas.openxmlformats.org/presentationml/2006/main">
-  <p:cSld>
-    <p:spTree>
-      <p:nvGrpSpPr>
-        <p:cNvPr id="1" name=""/>
-        <p:cNvGrpSpPr/>
-        <p:nvPr/>
-      </p:nvGrpSpPr>
-      <p:grpSpPr>
-        <a:xfrm>
-          <a:off x="0" y="0"/>
-          <a:ext cx="0" cy="0"/>
-          <a:chOff x="0" y="0"/>
-          <a:chExt cx="0" cy="0"/>
-        </a:xfrm>
-      </p:grpSpPr>
-      <p:sp>
-        <p:nvSpPr>
-          <p:cNvPr id="2" name="內容版面配置區 1">
-            <a:extLst>
-              <a:ext uri="{FF2B5EF4-FFF2-40B4-BE49-F238E27FC236}">
-                <a16:creationId xmlns:a16="http://schemas.microsoft.com/office/drawing/2014/main" id="{B772A8B0-FE91-4141-B4C1-4355EB286847}"/>
-              </a:ext>
-            </a:extLst>
-          </p:cNvPr>
-          <p:cNvSpPr>
-            <a:spLocks noGrp="1"/>
-          </p:cNvSpPr>
-          <p:nvPr>
-            <p:ph sz="quarter" idx="12"/>
-          </p:nvPr>
-        </p:nvSpPr>
-        <p:spPr>
-          <a:xfrm>
-            <a:off x="0" y="973385"/>
-            <a:ext cx="12115800" cy="1096716"/>
-          </a:xfrm>
-        </p:spPr>
-        <p:txBody>
-          <a:bodyPr/>
-          <a:lstStyle/>
-          <a:p>
-            <a:r>
-              <a:rPr lang="zh-TW" altLang="en-US" dirty="0"/>
-              <a:t>寫在</a:t>
-            </a:r>
-            <a:r>
-              <a:rPr lang="en-US" altLang="zh-TW" dirty="0"/>
-              <a:t>&lt;script&gt;</a:t>
-            </a:r>
-            <a:r>
-              <a:rPr lang="zh-TW" altLang="en-US" dirty="0"/>
-              <a:t>裡面。</a:t>
-            </a:r>
-          </a:p>
-          <a:p>
-            <a:r>
-              <a:rPr lang="zh-TW" altLang="en-US" dirty="0"/>
-              <a:t>一般會建議寫在最後面，尤其是當有大的</a:t>
-            </a:r>
-            <a:r>
-              <a:rPr lang="en-US" altLang="zh-TW" dirty="0"/>
-              <a:t>JavaScript</a:t>
-            </a:r>
-            <a:r>
-              <a:rPr lang="zh-TW" altLang="en-US" dirty="0"/>
-              <a:t>程式時，先讓渲染引擎將網頁顯示出來再載入</a:t>
-            </a:r>
-            <a:r>
-              <a:rPr lang="en-US" altLang="zh-TW" dirty="0"/>
-              <a:t>JavaScript</a:t>
-            </a:r>
-            <a:r>
-              <a:rPr lang="zh-TW" altLang="en-US" dirty="0"/>
-              <a:t>程式，比較不會有畫面延遲的情況。</a:t>
-            </a:r>
-          </a:p>
-          <a:p>
-            <a:endParaRPr lang="zh-TW" altLang="en-US" dirty="0"/>
-          </a:p>
-        </p:txBody>
-      </p:sp>
-      <p:sp>
-        <p:nvSpPr>
-          <p:cNvPr id="3" name="標題 2">
-            <a:extLst>
-              <a:ext uri="{FF2B5EF4-FFF2-40B4-BE49-F238E27FC236}">
-                <a16:creationId xmlns:a16="http://schemas.microsoft.com/office/drawing/2014/main" id="{136199DA-B396-4C45-914C-6713419BCA1D}"/>
-              </a:ext>
-            </a:extLst>
-          </p:cNvPr>
-          <p:cNvSpPr>
-            <a:spLocks noGrp="1"/>
-          </p:cNvSpPr>
-          <p:nvPr>
-            <p:ph type="title"/>
-          </p:nvPr>
-        </p:nvSpPr>
-        <p:spPr/>
-        <p:txBody>
-          <a:bodyPr>
-            <a:normAutofit fontScale="90000"/>
-          </a:bodyPr>
-          <a:lstStyle/>
-          <a:p>
-            <a:r>
-              <a:rPr lang="zh-TW" altLang="en-US" sz="6000" dirty="0">
-                <a:solidFill>
-                  <a:srgbClr val="FFFFFF"/>
-                </a:solidFill>
-                <a:latin typeface="Times New Roman" panose="02020603050405020304" pitchFamily="18" charset="0"/>
-                <a:ea typeface="標楷體" panose="03000509000000000000" pitchFamily="65" charset="-120"/>
-                <a:cs typeface="Times New Roman" panose="02020603050405020304" pitchFamily="18" charset="0"/>
-                <a:sym typeface="王漢宗顏楷體"/>
-              </a:rPr>
-              <a:t>在</a:t>
-            </a:r>
-            <a:r>
-              <a:rPr lang="en-US" altLang="zh-TW" sz="6000" dirty="0">
-                <a:solidFill>
-                  <a:srgbClr val="FFFFFF"/>
-                </a:solidFill>
-                <a:latin typeface="Times New Roman" panose="02020603050405020304" pitchFamily="18" charset="0"/>
-                <a:ea typeface="標楷體" panose="03000509000000000000" pitchFamily="65" charset="-120"/>
-                <a:cs typeface="Times New Roman" panose="02020603050405020304" pitchFamily="18" charset="0"/>
-                <a:sym typeface="王漢宗顏楷體"/>
-              </a:rPr>
-              <a:t>HTML</a:t>
-            </a:r>
-            <a:r>
-              <a:rPr lang="zh-TW" altLang="en-US" sz="6000" dirty="0">
-                <a:solidFill>
-                  <a:srgbClr val="FFFFFF"/>
-                </a:solidFill>
-                <a:latin typeface="Times New Roman" panose="02020603050405020304" pitchFamily="18" charset="0"/>
-                <a:ea typeface="標楷體" panose="03000509000000000000" pitchFamily="65" charset="-120"/>
-                <a:cs typeface="Times New Roman" panose="02020603050405020304" pitchFamily="18" charset="0"/>
-                <a:sym typeface="王漢宗顏楷體"/>
-              </a:rPr>
-              <a:t>中寫</a:t>
-            </a:r>
-            <a:r>
-              <a:rPr lang="en-US" altLang="zh-TW" sz="6000" dirty="0">
-                <a:solidFill>
-                  <a:srgbClr val="FFFFFF"/>
-                </a:solidFill>
-                <a:latin typeface="Times New Roman" panose="02020603050405020304" pitchFamily="18" charset="0"/>
-                <a:ea typeface="標楷體" panose="03000509000000000000" pitchFamily="65" charset="-120"/>
-                <a:cs typeface="Times New Roman" panose="02020603050405020304" pitchFamily="18" charset="0"/>
-                <a:sym typeface="王漢宗顏楷體"/>
-              </a:rPr>
-              <a:t>JS</a:t>
-            </a:r>
-            <a:endParaRPr lang="zh-TW" altLang="en-US" dirty="0"/>
-          </a:p>
-        </p:txBody>
-      </p:sp>
-      <p:pic>
-        <p:nvPicPr>
-          <p:cNvPr id="5" name="Picture 2">
-            <a:extLst>
-              <a:ext uri="{FF2B5EF4-FFF2-40B4-BE49-F238E27FC236}">
-                <a16:creationId xmlns:a16="http://schemas.microsoft.com/office/drawing/2014/main" id="{868404A2-6FCE-4965-BBC4-294F6F7FBE68}"/>
-              </a:ext>
-            </a:extLst>
-          </p:cNvPr>
-          <p:cNvPicPr>
-            <a:picLocks noChangeAspect="1" noChangeArrowheads="1"/>
-          </p:cNvPicPr>
-          <p:nvPr/>
-        </p:nvPicPr>
-        <p:blipFill>
-          <a:blip r:embed="rId2">
-            <a:extLst>
-              <a:ext uri="{28A0092B-C50C-407E-A947-70E740481C1C}">
-                <a14:useLocalDpi xmlns:a14="http://schemas.microsoft.com/office/drawing/2010/main" val="0"/>
-              </a:ext>
-            </a:extLst>
-          </a:blip>
-          <a:srcRect/>
-          <a:stretch>
-            <a:fillRect/>
-          </a:stretch>
-        </p:blipFill>
-        <p:spPr bwMode="auto">
-          <a:xfrm>
-            <a:off x="343468" y="2095913"/>
-            <a:ext cx="8597331" cy="4654457"/>
-          </a:xfrm>
-          <a:prstGeom prst="rect">
-            <a:avLst/>
-          </a:prstGeom>
-          <a:noFill/>
-          <a:effectLst>
-            <a:outerShdw blurRad="50800" dist="38100" dir="2700000" algn="tl" rotWithShape="0">
-              <a:prstClr val="black">
-                <a:alpha val="40000"/>
-              </a:prstClr>
-            </a:outerShdw>
-          </a:effectLst>
-          <a:extLst>
-            <a:ext uri="{909E8E84-426E-40DD-AFC4-6F175D3DCCD1}">
-              <a14:hiddenFill xmlns:a14="http://schemas.microsoft.com/office/drawing/2010/main">
-                <a:solidFill>
-                  <a:srgbClr val="FFFFFF"/>
-                </a:solidFill>
-              </a14:hiddenFill>
-            </a:ext>
-          </a:extLst>
-        </p:spPr>
-      </p:pic>
-    </p:spTree>
-    <p:extLst>
-      <p:ext uri="{BB962C8B-B14F-4D97-AF65-F5344CB8AC3E}">
-        <p14:creationId xmlns:p14="http://schemas.microsoft.com/office/powerpoint/2010/main" val="1494345274"/>
-      </p:ext>
-    </p:extLst>
-  </p:cSld>
-  <p:clrMapOvr>
-    <a:masterClrMapping/>
-  </p:clrMapOvr>
-</p:sld>
-</file>
-
-<file path=ppt/slides/slide40.xml><?xml version="1.0" encoding="utf-8"?>
+<file path=ppt/slides/slide41.xml><?xml version="1.0" encoding="utf-8"?>
 <p:sld xmlns:a="http://schemas.openxmlformats.org/drawingml/2006/main" xmlns:r="http://schemas.openxmlformats.org/officeDocument/2006/relationships" xmlns:p="http://schemas.openxmlformats.org/presentationml/2006/main">
   <p:cSld>
     <p:spTree>
@@ -12313,7 +12496,7 @@
 </p:sld>
 </file>
 
-<file path=ppt/slides/slide41.xml><?xml version="1.0" encoding="utf-8"?>
+<file path=ppt/slides/slide42.xml><?xml version="1.0" encoding="utf-8"?>
 <p:sld xmlns:a="http://schemas.openxmlformats.org/drawingml/2006/main" xmlns:r="http://schemas.openxmlformats.org/officeDocument/2006/relationships" xmlns:p="http://schemas.openxmlformats.org/presentationml/2006/main">
   <p:cSld>
     <p:spTree>
@@ -12790,7 +12973,7 @@
 </p:sld>
 </file>
 
-<file path=ppt/slides/slide42.xml><?xml version="1.0" encoding="utf-8"?>
+<file path=ppt/slides/slide43.xml><?xml version="1.0" encoding="utf-8"?>
 <p:sld xmlns:a="http://schemas.openxmlformats.org/drawingml/2006/main" xmlns:r="http://schemas.openxmlformats.org/officeDocument/2006/relationships" xmlns:p="http://schemas.openxmlformats.org/presentationml/2006/main">
   <p:cSld>
     <p:spTree>
@@ -13470,7 +13653,7 @@
 </p:sld>
 </file>
 
-<file path=ppt/slides/slide43.xml><?xml version="1.0" encoding="utf-8"?>
+<file path=ppt/slides/slide44.xml><?xml version="1.0" encoding="utf-8"?>
 <p:sld xmlns:a="http://schemas.openxmlformats.org/drawingml/2006/main" xmlns:r="http://schemas.openxmlformats.org/officeDocument/2006/relationships" xmlns:p="http://schemas.openxmlformats.org/presentationml/2006/main">
   <p:cSld>
     <p:spTree>
@@ -14235,7 +14418,7 @@
 </p:sld>
 </file>
 
-<file path=ppt/slides/slide44.xml><?xml version="1.0" encoding="utf-8"?>
+<file path=ppt/slides/slide45.xml><?xml version="1.0" encoding="utf-8"?>
 <p:sld xmlns:a="http://schemas.openxmlformats.org/drawingml/2006/main" xmlns:r="http://schemas.openxmlformats.org/officeDocument/2006/relationships" xmlns:p="http://schemas.openxmlformats.org/presentationml/2006/main">
   <p:cSld>
     <p:spTree>
@@ -14620,7 +14803,7 @@
 </p:sld>
 </file>
 
-<file path=ppt/slides/slide45.xml><?xml version="1.0" encoding="utf-8"?>
+<file path=ppt/slides/slide46.xml><?xml version="1.0" encoding="utf-8"?>
 <p:sld xmlns:a="http://schemas.openxmlformats.org/drawingml/2006/main" xmlns:r="http://schemas.openxmlformats.org/officeDocument/2006/relationships" xmlns:p="http://schemas.openxmlformats.org/presentationml/2006/main">
   <p:cSld>
     <p:spTree>
@@ -14849,7 +15032,7 @@
 </p:sld>
 </file>
 
-<file path=ppt/slides/slide46.xml><?xml version="1.0" encoding="utf-8"?>
+<file path=ppt/slides/slide47.xml><?xml version="1.0" encoding="utf-8"?>
 <p:sld xmlns:a="http://schemas.openxmlformats.org/drawingml/2006/main" xmlns:r="http://schemas.openxmlformats.org/officeDocument/2006/relationships" xmlns:p="http://schemas.openxmlformats.org/presentationml/2006/main">
   <p:cSld>
     <p:spTree>
@@ -15423,7 +15606,7 @@
 </p:sld>
 </file>
 
-<file path=ppt/slides/slide47.xml><?xml version="1.0" encoding="utf-8"?>
+<file path=ppt/slides/slide48.xml><?xml version="1.0" encoding="utf-8"?>
 <p:sld xmlns:a="http://schemas.openxmlformats.org/drawingml/2006/main" xmlns:r="http://schemas.openxmlformats.org/officeDocument/2006/relationships" xmlns:p="http://schemas.openxmlformats.org/presentationml/2006/main">
   <p:cSld>
     <p:spTree>
@@ -15662,7 +15845,7 @@
 </p:sld>
 </file>
 
-<file path=ppt/slides/slide48.xml><?xml version="1.0" encoding="utf-8"?>
+<file path=ppt/slides/slide49.xml><?xml version="1.0" encoding="utf-8"?>
 <p:sld xmlns:a="http://schemas.openxmlformats.org/drawingml/2006/main" xmlns:r="http://schemas.openxmlformats.org/officeDocument/2006/relationships" xmlns:p="http://schemas.openxmlformats.org/presentationml/2006/main">
   <p:cSld>
     <p:spTree>
@@ -15955,7 +16138,232 @@
 </p:sld>
 </file>
 
-<file path=ppt/slides/slide49.xml><?xml version="1.0" encoding="utf-8"?>
+<file path=ppt/slides/slide5.xml><?xml version="1.0" encoding="utf-8"?>
+<p:sld xmlns:a="http://schemas.openxmlformats.org/drawingml/2006/main" xmlns:r="http://schemas.openxmlformats.org/officeDocument/2006/relationships" xmlns:p="http://schemas.openxmlformats.org/presentationml/2006/main">
+  <p:cSld>
+    <p:spTree>
+      <p:nvGrpSpPr>
+        <p:cNvPr id="1" name=""/>
+        <p:cNvGrpSpPr/>
+        <p:nvPr/>
+      </p:nvGrpSpPr>
+      <p:grpSpPr>
+        <a:xfrm>
+          <a:off x="0" y="0"/>
+          <a:ext cx="0" cy="0"/>
+          <a:chOff x="0" y="0"/>
+          <a:chExt cx="0" cy="0"/>
+        </a:xfrm>
+      </p:grpSpPr>
+      <p:sp>
+        <p:nvSpPr>
+          <p:cNvPr id="2" name="內容版面配置區 1">
+            <a:extLst>
+              <a:ext uri="{FF2B5EF4-FFF2-40B4-BE49-F238E27FC236}">
+                <a16:creationId xmlns:a16="http://schemas.microsoft.com/office/drawing/2014/main" id="{B772A8B0-FE91-4141-B4C1-4355EB286847}"/>
+              </a:ext>
+            </a:extLst>
+          </p:cNvPr>
+          <p:cNvSpPr>
+            <a:spLocks noGrp="1"/>
+          </p:cNvSpPr>
+          <p:nvPr>
+            <p:ph sz="quarter" idx="12"/>
+          </p:nvPr>
+        </p:nvSpPr>
+        <p:spPr>
+          <a:xfrm>
+            <a:off x="0" y="973385"/>
+            <a:ext cx="12115800" cy="1096716"/>
+          </a:xfrm>
+        </p:spPr>
+        <p:txBody>
+          <a:bodyPr/>
+          <a:lstStyle/>
+          <a:p>
+            <a:r>
+              <a:rPr lang="zh-TW" altLang="en-US" dirty="0"/>
+              <a:t>寫在</a:t>
+            </a:r>
+            <a:r>
+              <a:rPr lang="en-US" altLang="zh-TW" dirty="0"/>
+              <a:t>&lt;script&gt;</a:t>
+            </a:r>
+            <a:r>
+              <a:rPr lang="zh-TW" altLang="en-US" dirty="0"/>
+              <a:t>裡面。</a:t>
+            </a:r>
+          </a:p>
+          <a:p>
+            <a:r>
+              <a:rPr lang="zh-TW" altLang="en-US" dirty="0"/>
+              <a:t>一般會建議寫在最後面，尤其是當有大的</a:t>
+            </a:r>
+            <a:r>
+              <a:rPr lang="en-US" altLang="zh-TW" dirty="0"/>
+              <a:t>JavaScript</a:t>
+            </a:r>
+            <a:r>
+              <a:rPr lang="zh-TW" altLang="en-US" dirty="0"/>
+              <a:t>程式時，先讓渲染引擎將網頁顯示出來再載入</a:t>
+            </a:r>
+            <a:r>
+              <a:rPr lang="en-US" altLang="zh-TW" dirty="0"/>
+              <a:t>JavaScript</a:t>
+            </a:r>
+            <a:r>
+              <a:rPr lang="zh-TW" altLang="en-US" dirty="0"/>
+              <a:t>程式，比較不會有畫面延遲的情況。</a:t>
+            </a:r>
+          </a:p>
+          <a:p>
+            <a:endParaRPr lang="zh-TW" altLang="en-US" dirty="0"/>
+          </a:p>
+        </p:txBody>
+      </p:sp>
+      <p:sp>
+        <p:nvSpPr>
+          <p:cNvPr id="3" name="標題 2">
+            <a:extLst>
+              <a:ext uri="{FF2B5EF4-FFF2-40B4-BE49-F238E27FC236}">
+                <a16:creationId xmlns:a16="http://schemas.microsoft.com/office/drawing/2014/main" id="{136199DA-B396-4C45-914C-6713419BCA1D}"/>
+              </a:ext>
+            </a:extLst>
+          </p:cNvPr>
+          <p:cNvSpPr>
+            <a:spLocks noGrp="1"/>
+          </p:cNvSpPr>
+          <p:nvPr>
+            <p:ph type="title"/>
+          </p:nvPr>
+        </p:nvSpPr>
+        <p:spPr/>
+        <p:txBody>
+          <a:bodyPr>
+            <a:normAutofit fontScale="90000"/>
+          </a:bodyPr>
+          <a:lstStyle/>
+          <a:p>
+            <a:r>
+              <a:rPr lang="zh-TW" altLang="en-US" sz="6000" dirty="0">
+                <a:solidFill>
+                  <a:srgbClr val="FFFFFF"/>
+                </a:solidFill>
+                <a:latin typeface="Times New Roman" panose="02020603050405020304" pitchFamily="18" charset="0"/>
+                <a:ea typeface="標楷體" panose="03000509000000000000" pitchFamily="65" charset="-120"/>
+                <a:cs typeface="Times New Roman" panose="02020603050405020304" pitchFamily="18" charset="0"/>
+                <a:sym typeface="王漢宗顏楷體"/>
+              </a:rPr>
+              <a:t>在</a:t>
+            </a:r>
+            <a:r>
+              <a:rPr lang="en-US" altLang="zh-TW" sz="6000" dirty="0">
+                <a:solidFill>
+                  <a:srgbClr val="FFFFFF"/>
+                </a:solidFill>
+                <a:latin typeface="Times New Roman" panose="02020603050405020304" pitchFamily="18" charset="0"/>
+                <a:ea typeface="標楷體" panose="03000509000000000000" pitchFamily="65" charset="-120"/>
+                <a:cs typeface="Times New Roman" panose="02020603050405020304" pitchFamily="18" charset="0"/>
+                <a:sym typeface="王漢宗顏楷體"/>
+              </a:rPr>
+              <a:t>HTML</a:t>
+            </a:r>
+            <a:r>
+              <a:rPr lang="zh-TW" altLang="en-US" sz="6000" dirty="0">
+                <a:solidFill>
+                  <a:srgbClr val="FFFFFF"/>
+                </a:solidFill>
+                <a:latin typeface="Times New Roman" panose="02020603050405020304" pitchFamily="18" charset="0"/>
+                <a:ea typeface="標楷體" panose="03000509000000000000" pitchFamily="65" charset="-120"/>
+                <a:cs typeface="Times New Roman" panose="02020603050405020304" pitchFamily="18" charset="0"/>
+                <a:sym typeface="王漢宗顏楷體"/>
+              </a:rPr>
+              <a:t>中寫</a:t>
+            </a:r>
+            <a:r>
+              <a:rPr lang="en-US" altLang="zh-TW" sz="6000" dirty="0">
+                <a:solidFill>
+                  <a:srgbClr val="FFFFFF"/>
+                </a:solidFill>
+                <a:latin typeface="Times New Roman" panose="02020603050405020304" pitchFamily="18" charset="0"/>
+                <a:ea typeface="標楷體" panose="03000509000000000000" pitchFamily="65" charset="-120"/>
+                <a:cs typeface="Times New Roman" panose="02020603050405020304" pitchFamily="18" charset="0"/>
+                <a:sym typeface="王漢宗顏楷體"/>
+              </a:rPr>
+              <a:t>JS</a:t>
+            </a:r>
+            <a:endParaRPr lang="zh-TW" altLang="en-US" dirty="0"/>
+          </a:p>
+        </p:txBody>
+      </p:sp>
+      <p:pic>
+        <p:nvPicPr>
+          <p:cNvPr id="5" name="Picture 2">
+            <a:extLst>
+              <a:ext uri="{FF2B5EF4-FFF2-40B4-BE49-F238E27FC236}">
+                <a16:creationId xmlns:a16="http://schemas.microsoft.com/office/drawing/2014/main" id="{868404A2-6FCE-4965-BBC4-294F6F7FBE68}"/>
+              </a:ext>
+            </a:extLst>
+          </p:cNvPr>
+          <p:cNvPicPr>
+            <a:picLocks noChangeAspect="1" noChangeArrowheads="1"/>
+          </p:cNvPicPr>
+          <p:nvPr/>
+        </p:nvPicPr>
+        <p:blipFill>
+          <a:blip r:embed="rId2">
+            <a:extLst>
+              <a:ext uri="{28A0092B-C50C-407E-A947-70E740481C1C}">
+                <a14:useLocalDpi xmlns:a14="http://schemas.microsoft.com/office/drawing/2010/main" val="0"/>
+              </a:ext>
+            </a:extLst>
+          </a:blip>
+          <a:srcRect/>
+          <a:stretch>
+            <a:fillRect/>
+          </a:stretch>
+        </p:blipFill>
+        <p:spPr bwMode="auto">
+          <a:xfrm>
+            <a:off x="343468" y="2095913"/>
+            <a:ext cx="8597331" cy="4654457"/>
+          </a:xfrm>
+          <a:prstGeom prst="rect">
+            <a:avLst/>
+          </a:prstGeom>
+          <a:noFill/>
+          <a:effectLst>
+            <a:outerShdw blurRad="50800" dist="38100" dir="2700000" algn="tl" rotWithShape="0">
+              <a:prstClr val="black">
+                <a:alpha val="40000"/>
+              </a:prstClr>
+            </a:outerShdw>
+          </a:effectLst>
+          <a:extLst>
+            <a:ext uri="{909E8E84-426E-40DD-AFC4-6F175D3DCCD1}">
+              <a14:hiddenFill xmlns:a14="http://schemas.microsoft.com/office/drawing/2010/main">
+                <a:solidFill>
+                  <a:srgbClr val="FFFFFF"/>
+                </a:solidFill>
+              </a14:hiddenFill>
+            </a:ext>
+          </a:extLst>
+        </p:spPr>
+      </p:pic>
+    </p:spTree>
+    <p:extLst>
+      <p:ext uri="{BB962C8B-B14F-4D97-AF65-F5344CB8AC3E}">
+        <p14:creationId xmlns:p14="http://schemas.microsoft.com/office/powerpoint/2010/main" val="1494345274"/>
+      </p:ext>
+    </p:extLst>
+  </p:cSld>
+  <p:clrMapOvr>
+    <a:masterClrMapping/>
+  </p:clrMapOvr>
+</p:sld>
+</file>
+
+<file path=ppt/slides/slide50.xml><?xml version="1.0" encoding="utf-8"?>
 <p:sld xmlns:a="http://schemas.openxmlformats.org/drawingml/2006/main" xmlns:r="http://schemas.openxmlformats.org/officeDocument/2006/relationships" xmlns:p="http://schemas.openxmlformats.org/presentationml/2006/main">
   <p:cSld>
     <p:spTree>
@@ -16248,302 +16656,7 @@
 </p:sld>
 </file>
 
-<file path=ppt/slides/slide5.xml><?xml version="1.0" encoding="utf-8"?>
-<p:sld xmlns:a="http://schemas.openxmlformats.org/drawingml/2006/main" xmlns:r="http://schemas.openxmlformats.org/officeDocument/2006/relationships" xmlns:p="http://schemas.openxmlformats.org/presentationml/2006/main">
-  <p:cSld>
-    <p:spTree>
-      <p:nvGrpSpPr>
-        <p:cNvPr id="1" name=""/>
-        <p:cNvGrpSpPr/>
-        <p:nvPr/>
-      </p:nvGrpSpPr>
-      <p:grpSpPr>
-        <a:xfrm>
-          <a:off x="0" y="0"/>
-          <a:ext cx="0" cy="0"/>
-          <a:chOff x="0" y="0"/>
-          <a:chExt cx="0" cy="0"/>
-        </a:xfrm>
-      </p:grpSpPr>
-      <p:sp>
-        <p:nvSpPr>
-          <p:cNvPr id="2" name="內容版面配置區 1">
-            <a:extLst>
-              <a:ext uri="{FF2B5EF4-FFF2-40B4-BE49-F238E27FC236}">
-                <a16:creationId xmlns:a16="http://schemas.microsoft.com/office/drawing/2014/main" id="{802C0A02-2C75-4047-AD2D-1172F37A2AE6}"/>
-              </a:ext>
-            </a:extLst>
-          </p:cNvPr>
-          <p:cNvSpPr>
-            <a:spLocks noGrp="1"/>
-          </p:cNvSpPr>
-          <p:nvPr>
-            <p:ph sz="quarter" idx="12"/>
-          </p:nvPr>
-        </p:nvSpPr>
-        <p:spPr/>
-        <p:txBody>
-          <a:bodyPr/>
-          <a:lstStyle/>
-          <a:p>
-            <a:r>
-              <a:rPr lang="en-US" altLang="zh-TW" dirty="0"/>
-              <a:t>JavaScript</a:t>
-            </a:r>
-            <a:r>
-              <a:rPr lang="zh-TW" altLang="en-US" dirty="0"/>
-              <a:t>的型別分為基本型別</a:t>
-            </a:r>
-            <a:r>
-              <a:rPr lang="en-US" altLang="zh-TW" dirty="0"/>
-              <a:t>(primitive type)</a:t>
-            </a:r>
-            <a:r>
-              <a:rPr lang="zh-TW" altLang="en-US" dirty="0"/>
-              <a:t>與物件型別</a:t>
-            </a:r>
-            <a:r>
-              <a:rPr lang="en-US" altLang="zh-TW" dirty="0"/>
-              <a:t>(object type)</a:t>
-            </a:r>
-            <a:r>
-              <a:rPr lang="zh-TW" altLang="en-US" dirty="0"/>
-              <a:t>兩種類型。</a:t>
-            </a:r>
-          </a:p>
-          <a:p>
-            <a:r>
-              <a:rPr lang="zh-TW" altLang="en-US" dirty="0"/>
-              <a:t>基本型別</a:t>
-            </a:r>
-            <a:r>
-              <a:rPr lang="en-US" altLang="zh-TW" dirty="0"/>
-              <a:t>(primitive type</a:t>
-            </a:r>
-            <a:r>
-              <a:rPr lang="zh-TW" altLang="en-US" dirty="0"/>
-              <a:t>： </a:t>
-            </a:r>
-            <a:r>
-              <a:rPr lang="en-US" altLang="zh-TW" dirty="0"/>
-              <a:t>number </a:t>
-            </a:r>
-            <a:r>
-              <a:rPr lang="zh-TW" altLang="en-US" dirty="0"/>
-              <a:t>、 </a:t>
-            </a:r>
-            <a:r>
-              <a:rPr lang="en-US" altLang="zh-TW" dirty="0"/>
-              <a:t>string </a:t>
-            </a:r>
-            <a:r>
-              <a:rPr lang="zh-TW" altLang="en-US" dirty="0"/>
-              <a:t>、 </a:t>
-            </a:r>
-            <a:r>
-              <a:rPr lang="en-US" altLang="zh-TW" dirty="0" err="1"/>
-              <a:t>boolen</a:t>
-            </a:r>
-            <a:r>
-              <a:rPr lang="zh-TW" altLang="en-US" dirty="0"/>
-              <a:t>、 </a:t>
-            </a:r>
-            <a:r>
-              <a:rPr lang="en-US" altLang="zh-TW" dirty="0"/>
-              <a:t>undefined</a:t>
-            </a:r>
-            <a:r>
-              <a:rPr lang="zh-TW" altLang="en-US" dirty="0"/>
-              <a:t>、 </a:t>
-            </a:r>
-            <a:r>
-              <a:rPr lang="en-US" altLang="zh-TW" dirty="0"/>
-              <a:t>null</a:t>
-            </a:r>
-            <a:r>
-              <a:rPr lang="zh-TW" altLang="en-US" dirty="0"/>
-              <a:t>等。</a:t>
-            </a:r>
-          </a:p>
-          <a:p>
-            <a:r>
-              <a:rPr lang="zh-TW" altLang="en-US" dirty="0"/>
-              <a:t>物件型別</a:t>
-            </a:r>
-            <a:r>
-              <a:rPr lang="en-US" altLang="zh-TW" dirty="0"/>
-              <a:t>(object type)</a:t>
-            </a:r>
-            <a:r>
-              <a:rPr lang="zh-TW" altLang="en-US" dirty="0"/>
-              <a:t>：</a:t>
-            </a:r>
-          </a:p>
-          <a:p>
-            <a:pPr lvl="1"/>
-            <a:r>
-              <a:rPr lang="en-US" altLang="zh-TW" dirty="0" err="1"/>
-              <a:t>Funtion</a:t>
-            </a:r>
-            <a:endParaRPr lang="en-US" altLang="zh-TW" dirty="0"/>
-          </a:p>
-          <a:p>
-            <a:pPr lvl="1"/>
-            <a:r>
-              <a:rPr lang="en-US" altLang="zh-TW" dirty="0"/>
-              <a:t>Array</a:t>
-            </a:r>
-          </a:p>
-          <a:p>
-            <a:pPr lvl="1"/>
-            <a:r>
-              <a:rPr lang="en-US" altLang="zh-TW" dirty="0"/>
-              <a:t>Object(JS</a:t>
-            </a:r>
-            <a:r>
-              <a:rPr lang="zh-TW" altLang="en-US" dirty="0"/>
-              <a:t>的</a:t>
-            </a:r>
-            <a:r>
-              <a:rPr lang="en-US" altLang="zh-TW" dirty="0"/>
-              <a:t>Object</a:t>
-            </a:r>
-            <a:r>
-              <a:rPr lang="zh-TW" altLang="en-US" dirty="0"/>
-              <a:t>比較像是</a:t>
-            </a:r>
-            <a:r>
-              <a:rPr lang="en-US" altLang="zh-TW" dirty="0"/>
-              <a:t>python</a:t>
-            </a:r>
-            <a:r>
-              <a:rPr lang="zh-TW" altLang="en-US" dirty="0"/>
-              <a:t>的</a:t>
-            </a:r>
-            <a:r>
-              <a:rPr lang="en-US" altLang="zh-TW" dirty="0" err="1"/>
-              <a:t>dictionery</a:t>
-            </a:r>
-            <a:r>
-              <a:rPr lang="zh-TW" altLang="en-US" dirty="0"/>
-              <a:t>，屬於一種關聯陣列</a:t>
-            </a:r>
-            <a:r>
-              <a:rPr lang="en-US" altLang="zh-TW" dirty="0"/>
-              <a:t>(associative array))</a:t>
-            </a:r>
-          </a:p>
-          <a:p>
-            <a:endParaRPr lang="zh-TW" altLang="en-US" dirty="0"/>
-          </a:p>
-        </p:txBody>
-      </p:sp>
-      <p:sp>
-        <p:nvSpPr>
-          <p:cNvPr id="3" name="標題 2">
-            <a:extLst>
-              <a:ext uri="{FF2B5EF4-FFF2-40B4-BE49-F238E27FC236}">
-                <a16:creationId xmlns:a16="http://schemas.microsoft.com/office/drawing/2014/main" id="{735162D7-DC09-4C97-8788-D34DA27A7FE9}"/>
-              </a:ext>
-            </a:extLst>
-          </p:cNvPr>
-          <p:cNvSpPr>
-            <a:spLocks noGrp="1"/>
-          </p:cNvSpPr>
-          <p:nvPr>
-            <p:ph type="title"/>
-          </p:nvPr>
-        </p:nvSpPr>
-        <p:spPr/>
-        <p:txBody>
-          <a:bodyPr>
-            <a:normAutofit fontScale="90000"/>
-          </a:bodyPr>
-          <a:lstStyle/>
-          <a:p>
-            <a:r>
-              <a:rPr lang="en-US" altLang="zh-TW" sz="6000" dirty="0">
-                <a:solidFill>
-                  <a:srgbClr val="FFFFFF"/>
-                </a:solidFill>
-                <a:latin typeface="Times New Roman" panose="02020603050405020304" pitchFamily="18" charset="0"/>
-                <a:ea typeface="標楷體" panose="03000509000000000000" pitchFamily="65" charset="-120"/>
-                <a:cs typeface="Times New Roman" panose="02020603050405020304" pitchFamily="18" charset="0"/>
-                <a:sym typeface="王漢宗顏楷體"/>
-              </a:rPr>
-              <a:t>Data Type</a:t>
-            </a:r>
-          </a:p>
-        </p:txBody>
-      </p:sp>
-      <p:pic>
-        <p:nvPicPr>
-          <p:cNvPr id="1028" name="Picture 4">
-            <a:extLst>
-              <a:ext uri="{FF2B5EF4-FFF2-40B4-BE49-F238E27FC236}">
-                <a16:creationId xmlns:a16="http://schemas.microsoft.com/office/drawing/2014/main" id="{B1F2C052-57C0-43B9-A597-72819DE70FBA}"/>
-              </a:ext>
-            </a:extLst>
-          </p:cNvPr>
-          <p:cNvPicPr>
-            <a:picLocks noChangeAspect="1" noChangeArrowheads="1"/>
-          </p:cNvPicPr>
-          <p:nvPr/>
-        </p:nvPicPr>
-        <p:blipFill>
-          <a:blip r:embed="rId2">
-            <a:extLst>
-              <a:ext uri="{28A0092B-C50C-407E-A947-70E740481C1C}">
-                <a14:useLocalDpi xmlns:a14="http://schemas.microsoft.com/office/drawing/2010/main" val="0"/>
-              </a:ext>
-            </a:extLst>
-          </a:blip>
-          <a:srcRect/>
-          <a:stretch>
-            <a:fillRect/>
-          </a:stretch>
-        </p:blipFill>
-        <p:spPr bwMode="auto">
-          <a:xfrm>
-            <a:off x="76200" y="3429000"/>
-            <a:ext cx="4962435" cy="3332438"/>
-          </a:xfrm>
-          <a:prstGeom prst="rect">
-            <a:avLst/>
-          </a:prstGeom>
-          <a:noFill/>
-          <a:effectLst>
-            <a:outerShdw blurRad="50800" dist="38100" dir="2700000" algn="tl" rotWithShape="0">
-              <a:prstClr val="black">
-                <a:alpha val="40000"/>
-              </a:prstClr>
-            </a:outerShdw>
-          </a:effectLst>
-          <a:extLst>
-            <a:ext uri="{909E8E84-426E-40DD-AFC4-6F175D3DCCD1}">
-              <a14:hiddenFill xmlns:a14="http://schemas.microsoft.com/office/drawing/2010/main">
-                <a:solidFill>
-                  <a:srgbClr val="FFFFFF"/>
-                </a:solidFill>
-              </a14:hiddenFill>
-            </a:ext>
-          </a:extLst>
-        </p:spPr>
-      </p:pic>
-    </p:spTree>
-    <p:extLst>
-      <p:ext uri="{BB962C8B-B14F-4D97-AF65-F5344CB8AC3E}">
-        <p14:creationId xmlns:p14="http://schemas.microsoft.com/office/powerpoint/2010/main" val="381812509"/>
-      </p:ext>
-    </p:extLst>
-  </p:cSld>
-  <p:clrMapOvr>
-    <a:masterClrMapping/>
-  </p:clrMapOvr>
-</p:sld>
-</file>
-
-<file path=ppt/slides/slide50.xml><?xml version="1.0" encoding="utf-8"?>
+<file path=ppt/slides/slide51.xml><?xml version="1.0" encoding="utf-8"?>
 <p:sld xmlns:a="http://schemas.openxmlformats.org/drawingml/2006/main" xmlns:r="http://schemas.openxmlformats.org/officeDocument/2006/relationships" xmlns:p="http://schemas.openxmlformats.org/presentationml/2006/main">
   <p:cSld>
     <p:spTree>
@@ -16907,6 +17020,301 @@
           <a:lstStyle/>
           <a:p>
             <a:r>
+              <a:rPr lang="en-US" altLang="zh-TW" dirty="0"/>
+              <a:t>JavaScript</a:t>
+            </a:r>
+            <a:r>
+              <a:rPr lang="zh-TW" altLang="en-US" dirty="0"/>
+              <a:t>的型別分為基本型別</a:t>
+            </a:r>
+            <a:r>
+              <a:rPr lang="en-US" altLang="zh-TW" dirty="0"/>
+              <a:t>(primitive type)</a:t>
+            </a:r>
+            <a:r>
+              <a:rPr lang="zh-TW" altLang="en-US" dirty="0"/>
+              <a:t>與物件型別</a:t>
+            </a:r>
+            <a:r>
+              <a:rPr lang="en-US" altLang="zh-TW" dirty="0"/>
+              <a:t>(object type)</a:t>
+            </a:r>
+            <a:r>
+              <a:rPr lang="zh-TW" altLang="en-US" dirty="0"/>
+              <a:t>兩種類型。</a:t>
+            </a:r>
+          </a:p>
+          <a:p>
+            <a:r>
+              <a:rPr lang="zh-TW" altLang="en-US" dirty="0"/>
+              <a:t>基本型別</a:t>
+            </a:r>
+            <a:r>
+              <a:rPr lang="en-US" altLang="zh-TW" dirty="0"/>
+              <a:t>(primitive type</a:t>
+            </a:r>
+            <a:r>
+              <a:rPr lang="zh-TW" altLang="en-US" dirty="0"/>
+              <a:t>： </a:t>
+            </a:r>
+            <a:r>
+              <a:rPr lang="en-US" altLang="zh-TW" dirty="0"/>
+              <a:t>number </a:t>
+            </a:r>
+            <a:r>
+              <a:rPr lang="zh-TW" altLang="en-US" dirty="0"/>
+              <a:t>、 </a:t>
+            </a:r>
+            <a:r>
+              <a:rPr lang="en-US" altLang="zh-TW" dirty="0"/>
+              <a:t>string </a:t>
+            </a:r>
+            <a:r>
+              <a:rPr lang="zh-TW" altLang="en-US" dirty="0"/>
+              <a:t>、 </a:t>
+            </a:r>
+            <a:r>
+              <a:rPr lang="en-US" altLang="zh-TW" dirty="0" err="1"/>
+              <a:t>boolen</a:t>
+            </a:r>
+            <a:r>
+              <a:rPr lang="zh-TW" altLang="en-US" dirty="0"/>
+              <a:t>、 </a:t>
+            </a:r>
+            <a:r>
+              <a:rPr lang="en-US" altLang="zh-TW" dirty="0"/>
+              <a:t>undefined</a:t>
+            </a:r>
+            <a:r>
+              <a:rPr lang="zh-TW" altLang="en-US" dirty="0"/>
+              <a:t>、 </a:t>
+            </a:r>
+            <a:r>
+              <a:rPr lang="en-US" altLang="zh-TW" dirty="0"/>
+              <a:t>null</a:t>
+            </a:r>
+            <a:r>
+              <a:rPr lang="zh-TW" altLang="en-US" dirty="0"/>
+              <a:t>等。</a:t>
+            </a:r>
+          </a:p>
+          <a:p>
+            <a:r>
+              <a:rPr lang="zh-TW" altLang="en-US" dirty="0"/>
+              <a:t>物件型別</a:t>
+            </a:r>
+            <a:r>
+              <a:rPr lang="en-US" altLang="zh-TW" dirty="0"/>
+              <a:t>(object type)</a:t>
+            </a:r>
+            <a:r>
+              <a:rPr lang="zh-TW" altLang="en-US" dirty="0"/>
+              <a:t>：</a:t>
+            </a:r>
+          </a:p>
+          <a:p>
+            <a:pPr lvl="1"/>
+            <a:r>
+              <a:rPr lang="en-US" altLang="zh-TW" dirty="0" err="1"/>
+              <a:t>Funtion</a:t>
+            </a:r>
+            <a:endParaRPr lang="en-US" altLang="zh-TW" dirty="0"/>
+          </a:p>
+          <a:p>
+            <a:pPr lvl="1"/>
+            <a:r>
+              <a:rPr lang="en-US" altLang="zh-TW" dirty="0"/>
+              <a:t>Array</a:t>
+            </a:r>
+          </a:p>
+          <a:p>
+            <a:pPr lvl="1"/>
+            <a:r>
+              <a:rPr lang="en-US" altLang="zh-TW" dirty="0"/>
+              <a:t>Object(JS</a:t>
+            </a:r>
+            <a:r>
+              <a:rPr lang="zh-TW" altLang="en-US" dirty="0"/>
+              <a:t>的</a:t>
+            </a:r>
+            <a:r>
+              <a:rPr lang="en-US" altLang="zh-TW" dirty="0"/>
+              <a:t>Object</a:t>
+            </a:r>
+            <a:r>
+              <a:rPr lang="zh-TW" altLang="en-US" dirty="0"/>
+              <a:t>比較像是</a:t>
+            </a:r>
+            <a:r>
+              <a:rPr lang="en-US" altLang="zh-TW" dirty="0"/>
+              <a:t>python</a:t>
+            </a:r>
+            <a:r>
+              <a:rPr lang="zh-TW" altLang="en-US" dirty="0"/>
+              <a:t>的</a:t>
+            </a:r>
+            <a:r>
+              <a:rPr lang="en-US" altLang="zh-TW" dirty="0" err="1"/>
+              <a:t>dictionery</a:t>
+            </a:r>
+            <a:r>
+              <a:rPr lang="zh-TW" altLang="en-US" dirty="0"/>
+              <a:t>，屬於一種關聯陣列</a:t>
+            </a:r>
+            <a:r>
+              <a:rPr lang="en-US" altLang="zh-TW" dirty="0"/>
+              <a:t>(associative array))</a:t>
+            </a:r>
+          </a:p>
+          <a:p>
+            <a:endParaRPr lang="zh-TW" altLang="en-US" dirty="0"/>
+          </a:p>
+        </p:txBody>
+      </p:sp>
+      <p:sp>
+        <p:nvSpPr>
+          <p:cNvPr id="3" name="標題 2">
+            <a:extLst>
+              <a:ext uri="{FF2B5EF4-FFF2-40B4-BE49-F238E27FC236}">
+                <a16:creationId xmlns:a16="http://schemas.microsoft.com/office/drawing/2014/main" id="{735162D7-DC09-4C97-8788-D34DA27A7FE9}"/>
+              </a:ext>
+            </a:extLst>
+          </p:cNvPr>
+          <p:cNvSpPr>
+            <a:spLocks noGrp="1"/>
+          </p:cNvSpPr>
+          <p:nvPr>
+            <p:ph type="title"/>
+          </p:nvPr>
+        </p:nvSpPr>
+        <p:spPr/>
+        <p:txBody>
+          <a:bodyPr>
+            <a:normAutofit fontScale="90000"/>
+          </a:bodyPr>
+          <a:lstStyle/>
+          <a:p>
+            <a:r>
+              <a:rPr lang="en-US" altLang="zh-TW" sz="6000" dirty="0">
+                <a:solidFill>
+                  <a:srgbClr val="FFFFFF"/>
+                </a:solidFill>
+                <a:latin typeface="Times New Roman" panose="02020603050405020304" pitchFamily="18" charset="0"/>
+                <a:ea typeface="標楷體" panose="03000509000000000000" pitchFamily="65" charset="-120"/>
+                <a:cs typeface="Times New Roman" panose="02020603050405020304" pitchFamily="18" charset="0"/>
+                <a:sym typeface="王漢宗顏楷體"/>
+              </a:rPr>
+              <a:t>Data Type</a:t>
+            </a:r>
+          </a:p>
+        </p:txBody>
+      </p:sp>
+      <p:pic>
+        <p:nvPicPr>
+          <p:cNvPr id="1028" name="Picture 4">
+            <a:extLst>
+              <a:ext uri="{FF2B5EF4-FFF2-40B4-BE49-F238E27FC236}">
+                <a16:creationId xmlns:a16="http://schemas.microsoft.com/office/drawing/2014/main" id="{B1F2C052-57C0-43B9-A597-72819DE70FBA}"/>
+              </a:ext>
+            </a:extLst>
+          </p:cNvPr>
+          <p:cNvPicPr>
+            <a:picLocks noChangeAspect="1" noChangeArrowheads="1"/>
+          </p:cNvPicPr>
+          <p:nvPr/>
+        </p:nvPicPr>
+        <p:blipFill>
+          <a:blip r:embed="rId2">
+            <a:extLst>
+              <a:ext uri="{28A0092B-C50C-407E-A947-70E740481C1C}">
+                <a14:useLocalDpi xmlns:a14="http://schemas.microsoft.com/office/drawing/2010/main" val="0"/>
+              </a:ext>
+            </a:extLst>
+          </a:blip>
+          <a:srcRect/>
+          <a:stretch>
+            <a:fillRect/>
+          </a:stretch>
+        </p:blipFill>
+        <p:spPr bwMode="auto">
+          <a:xfrm>
+            <a:off x="76200" y="3429000"/>
+            <a:ext cx="4962435" cy="3332438"/>
+          </a:xfrm>
+          <a:prstGeom prst="rect">
+            <a:avLst/>
+          </a:prstGeom>
+          <a:noFill/>
+          <a:effectLst>
+            <a:outerShdw blurRad="50800" dist="38100" dir="2700000" algn="tl" rotWithShape="0">
+              <a:prstClr val="black">
+                <a:alpha val="40000"/>
+              </a:prstClr>
+            </a:outerShdw>
+          </a:effectLst>
+          <a:extLst>
+            <a:ext uri="{909E8E84-426E-40DD-AFC4-6F175D3DCCD1}">
+              <a14:hiddenFill xmlns:a14="http://schemas.microsoft.com/office/drawing/2010/main">
+                <a:solidFill>
+                  <a:srgbClr val="FFFFFF"/>
+                </a:solidFill>
+              </a14:hiddenFill>
+            </a:ext>
+          </a:extLst>
+        </p:spPr>
+      </p:pic>
+    </p:spTree>
+    <p:extLst>
+      <p:ext uri="{BB962C8B-B14F-4D97-AF65-F5344CB8AC3E}">
+        <p14:creationId xmlns:p14="http://schemas.microsoft.com/office/powerpoint/2010/main" val="381812509"/>
+      </p:ext>
+    </p:extLst>
+  </p:cSld>
+  <p:clrMapOvr>
+    <a:masterClrMapping/>
+  </p:clrMapOvr>
+</p:sld>
+</file>
+
+<file path=ppt/slides/slide7.xml><?xml version="1.0" encoding="utf-8"?>
+<p:sld xmlns:a="http://schemas.openxmlformats.org/drawingml/2006/main" xmlns:r="http://schemas.openxmlformats.org/officeDocument/2006/relationships" xmlns:p="http://schemas.openxmlformats.org/presentationml/2006/main">
+  <p:cSld>
+    <p:spTree>
+      <p:nvGrpSpPr>
+        <p:cNvPr id="1" name=""/>
+        <p:cNvGrpSpPr/>
+        <p:nvPr/>
+      </p:nvGrpSpPr>
+      <p:grpSpPr>
+        <a:xfrm>
+          <a:off x="0" y="0"/>
+          <a:ext cx="0" cy="0"/>
+          <a:chOff x="0" y="0"/>
+          <a:chExt cx="0" cy="0"/>
+        </a:xfrm>
+      </p:grpSpPr>
+      <p:sp>
+        <p:nvSpPr>
+          <p:cNvPr id="2" name="內容版面配置區 1">
+            <a:extLst>
+              <a:ext uri="{FF2B5EF4-FFF2-40B4-BE49-F238E27FC236}">
+                <a16:creationId xmlns:a16="http://schemas.microsoft.com/office/drawing/2014/main" id="{802C0A02-2C75-4047-AD2D-1172F37A2AE6}"/>
+              </a:ext>
+            </a:extLst>
+          </p:cNvPr>
+          <p:cNvSpPr>
+            <a:spLocks noGrp="1"/>
+          </p:cNvSpPr>
+          <p:nvPr>
+            <p:ph sz="quarter" idx="12"/>
+          </p:nvPr>
+        </p:nvSpPr>
+        <p:spPr/>
+        <p:txBody>
+          <a:bodyPr/>
+          <a:lstStyle/>
+          <a:p>
+            <a:r>
               <a:rPr lang="zh-TW" altLang="en-US" dirty="0"/>
               <a:t>全域作用域 </a:t>
             </a:r>
@@ -17129,7 +17537,7 @@
 </p:sld>
 </file>
 
-<file path=ppt/slides/slide7.xml><?xml version="1.0" encoding="utf-8"?>
+<file path=ppt/slides/slide8.xml><?xml version="1.0" encoding="utf-8"?>
 <p:sld xmlns:a="http://schemas.openxmlformats.org/drawingml/2006/main" xmlns:r="http://schemas.openxmlformats.org/officeDocument/2006/relationships" xmlns:p="http://schemas.openxmlformats.org/presentationml/2006/main">
   <p:cSld>
     <p:spTree>
@@ -17577,7 +17985,7 @@
 </p:sld>
 </file>
 
-<file path=ppt/slides/slide8.xml><?xml version="1.0" encoding="utf-8"?>
+<file path=ppt/slides/slide9.xml><?xml version="1.0" encoding="utf-8"?>
 <p:sld xmlns:a="http://schemas.openxmlformats.org/drawingml/2006/main" xmlns:r="http://schemas.openxmlformats.org/officeDocument/2006/relationships" xmlns:p="http://schemas.openxmlformats.org/presentationml/2006/main">
   <p:cSld>
     <p:spTree>
@@ -18147,273 +18555,6 @@
     <p:extLst>
       <p:ext uri="{BB962C8B-B14F-4D97-AF65-F5344CB8AC3E}">
         <p14:creationId xmlns:p14="http://schemas.microsoft.com/office/powerpoint/2010/main" val="1732933730"/>
-      </p:ext>
-    </p:extLst>
-  </p:cSld>
-  <p:clrMapOvr>
-    <a:masterClrMapping/>
-  </p:clrMapOvr>
-</p:sld>
-</file>
-
-<file path=ppt/slides/slide9.xml><?xml version="1.0" encoding="utf-8"?>
-<p:sld xmlns:a="http://schemas.openxmlformats.org/drawingml/2006/main" xmlns:r="http://schemas.openxmlformats.org/officeDocument/2006/relationships" xmlns:p="http://schemas.openxmlformats.org/presentationml/2006/main">
-  <p:cSld>
-    <p:spTree>
-      <p:nvGrpSpPr>
-        <p:cNvPr id="1" name=""/>
-        <p:cNvGrpSpPr/>
-        <p:nvPr/>
-      </p:nvGrpSpPr>
-      <p:grpSpPr>
-        <a:xfrm>
-          <a:off x="0" y="0"/>
-          <a:ext cx="0" cy="0"/>
-          <a:chOff x="0" y="0"/>
-          <a:chExt cx="0" cy="0"/>
-        </a:xfrm>
-      </p:grpSpPr>
-      <p:sp>
-        <p:nvSpPr>
-          <p:cNvPr id="2" name="內容版面配置區 1">
-            <a:extLst>
-              <a:ext uri="{FF2B5EF4-FFF2-40B4-BE49-F238E27FC236}">
-                <a16:creationId xmlns:a16="http://schemas.microsoft.com/office/drawing/2014/main" id="{802C0A02-2C75-4047-AD2D-1172F37A2AE6}"/>
-              </a:ext>
-            </a:extLst>
-          </p:cNvPr>
-          <p:cNvSpPr>
-            <a:spLocks noGrp="1"/>
-          </p:cNvSpPr>
-          <p:nvPr>
-            <p:ph sz="quarter" idx="12"/>
-          </p:nvPr>
-        </p:nvSpPr>
-        <p:spPr/>
-        <p:txBody>
-          <a:bodyPr/>
-          <a:lstStyle/>
-          <a:p>
-            <a:r>
-              <a:rPr lang="en-US" altLang="zh-TW" sz="1800" dirty="0">
-                <a:latin typeface="Times New Roman" panose="02020603050405020304" pitchFamily="18" charset="0"/>
-                <a:ea typeface="標楷體" panose="03000509000000000000" pitchFamily="65" charset="-120"/>
-                <a:cs typeface="王漢宗顏楷體"/>
-                <a:sym typeface="王漢宗顏楷體"/>
-              </a:rPr>
-              <a:t>Closure</a:t>
-            </a:r>
-            <a:r>
-              <a:rPr lang="zh-TW" altLang="en-US" sz="1800" dirty="0">
-                <a:latin typeface="Times New Roman" panose="02020603050405020304" pitchFamily="18" charset="0"/>
-                <a:ea typeface="標楷體" panose="03000509000000000000" pitchFamily="65" charset="-120"/>
-                <a:cs typeface="王漢宗顏楷體"/>
-                <a:sym typeface="王漢宗顏楷體"/>
-              </a:rPr>
-              <a:t>：是指在函式內部返回另一個函式時，內部函式可以「記住」外部函式的變數，即使外部函式已經執行完畢。</a:t>
-            </a:r>
-            <a:endParaRPr lang="en-US" altLang="zh-TW" sz="1800" dirty="0">
-              <a:latin typeface="Times New Roman" panose="02020603050405020304" pitchFamily="18" charset="0"/>
-              <a:ea typeface="標楷體" panose="03000509000000000000" pitchFamily="65" charset="-120"/>
-              <a:cs typeface="王漢宗顏楷體"/>
-              <a:sym typeface="王漢宗顏楷體"/>
-            </a:endParaRPr>
-          </a:p>
-          <a:p>
-            <a:pPr lvl="1"/>
-            <a:r>
-              <a:rPr lang="zh-TW" altLang="en-US" dirty="0"/>
-              <a:t>資料封裝：可以建立私有變數，避免外部存取。</a:t>
-            </a:r>
-            <a:endParaRPr lang="en-US" altLang="zh-TW" dirty="0"/>
-          </a:p>
-          <a:p>
-            <a:pPr lvl="1"/>
-            <a:r>
-              <a:rPr lang="zh-TW" altLang="en-US" dirty="0"/>
-              <a:t>延長變數的生命週期：外部函式執行完畢後，變數仍然存在。</a:t>
-            </a:r>
-            <a:endParaRPr lang="en-US" altLang="zh-TW" dirty="0"/>
-          </a:p>
-          <a:p>
-            <a:pPr lvl="1"/>
-            <a:r>
-              <a:rPr lang="zh-TW" altLang="en-US" dirty="0"/>
-              <a:t>減少全域變數污染：只將需要的變數暴露給內部函式。</a:t>
-            </a:r>
-          </a:p>
-        </p:txBody>
-      </p:sp>
-      <p:sp>
-        <p:nvSpPr>
-          <p:cNvPr id="3" name="標題 2">
-            <a:extLst>
-              <a:ext uri="{FF2B5EF4-FFF2-40B4-BE49-F238E27FC236}">
-                <a16:creationId xmlns:a16="http://schemas.microsoft.com/office/drawing/2014/main" id="{735162D7-DC09-4C97-8788-D34DA27A7FE9}"/>
-              </a:ext>
-            </a:extLst>
-          </p:cNvPr>
-          <p:cNvSpPr>
-            <a:spLocks noGrp="1"/>
-          </p:cNvSpPr>
-          <p:nvPr>
-            <p:ph type="title"/>
-          </p:nvPr>
-        </p:nvSpPr>
-        <p:spPr/>
-        <p:txBody>
-          <a:bodyPr>
-            <a:normAutofit fontScale="90000"/>
-          </a:bodyPr>
-          <a:lstStyle/>
-          <a:p>
-            <a:r>
-              <a:rPr lang="en-US" altLang="zh-TW" sz="6000" dirty="0">
-                <a:solidFill>
-                  <a:srgbClr val="FFFFFF"/>
-                </a:solidFill>
-                <a:latin typeface="Times New Roman" panose="02020603050405020304" pitchFamily="18" charset="0"/>
-                <a:ea typeface="標楷體" panose="03000509000000000000" pitchFamily="65" charset="-120"/>
-                <a:cs typeface="Times New Roman" panose="02020603050405020304" pitchFamily="18" charset="0"/>
-                <a:sym typeface="王漢宗顏楷體"/>
-              </a:rPr>
-              <a:t>Closure</a:t>
-            </a:r>
-            <a:r>
-              <a:rPr lang="zh-TW" altLang="en-US" sz="6000" dirty="0">
-                <a:solidFill>
-                  <a:srgbClr val="FFFFFF"/>
-                </a:solidFill>
-                <a:latin typeface="Times New Roman" panose="02020603050405020304" pitchFamily="18" charset="0"/>
-                <a:ea typeface="標楷體" panose="03000509000000000000" pitchFamily="65" charset="-120"/>
-                <a:cs typeface="Times New Roman" panose="02020603050405020304" pitchFamily="18" charset="0"/>
-                <a:sym typeface="王漢宗顏楷體"/>
-              </a:rPr>
-              <a:t> </a:t>
-            </a:r>
-            <a:r>
-              <a:rPr lang="en-US" altLang="zh-TW" sz="6000" dirty="0">
-                <a:solidFill>
-                  <a:srgbClr val="FFFFFF"/>
-                </a:solidFill>
-                <a:latin typeface="Times New Roman" panose="02020603050405020304" pitchFamily="18" charset="0"/>
-                <a:ea typeface="標楷體" panose="03000509000000000000" pitchFamily="65" charset="-120"/>
-                <a:cs typeface="Times New Roman" panose="02020603050405020304" pitchFamily="18" charset="0"/>
-                <a:sym typeface="王漢宗顏楷體"/>
-              </a:rPr>
-              <a:t>(</a:t>
-            </a:r>
-            <a:r>
-              <a:rPr lang="zh-TW" altLang="en-US" sz="6000" dirty="0">
-                <a:solidFill>
-                  <a:srgbClr val="FFFFFF"/>
-                </a:solidFill>
-                <a:latin typeface="Times New Roman" panose="02020603050405020304" pitchFamily="18" charset="0"/>
-                <a:ea typeface="標楷體" panose="03000509000000000000" pitchFamily="65" charset="-120"/>
-                <a:cs typeface="Times New Roman" panose="02020603050405020304" pitchFamily="18" charset="0"/>
-                <a:sym typeface="王漢宗顏楷體"/>
-              </a:rPr>
-              <a:t>閉包</a:t>
-            </a:r>
-            <a:r>
-              <a:rPr lang="en-US" altLang="zh-TW" sz="6000" dirty="0">
-                <a:solidFill>
-                  <a:srgbClr val="FFFFFF"/>
-                </a:solidFill>
-                <a:latin typeface="Times New Roman" panose="02020603050405020304" pitchFamily="18" charset="0"/>
-                <a:ea typeface="標楷體" panose="03000509000000000000" pitchFamily="65" charset="-120"/>
-                <a:cs typeface="Times New Roman" panose="02020603050405020304" pitchFamily="18" charset="0"/>
-                <a:sym typeface="王漢宗顏楷體"/>
-              </a:rPr>
-              <a:t>) </a:t>
-            </a:r>
-            <a:r>
-              <a:rPr lang="zh-TW" altLang="en-US" dirty="0">
-                <a:solidFill>
-                  <a:srgbClr val="FFFFFF"/>
-                </a:solidFill>
-                <a:cs typeface="Times New Roman" panose="02020603050405020304" pitchFamily="18" charset="0"/>
-                <a:sym typeface="王漢宗顏楷體"/>
-              </a:rPr>
-              <a:t>、</a:t>
-            </a:r>
-            <a:r>
-              <a:rPr lang="en-US" altLang="zh-TW" sz="6000" dirty="0">
-                <a:solidFill>
-                  <a:srgbClr val="FFFFFF"/>
-                </a:solidFill>
-                <a:latin typeface="Times New Roman" panose="02020603050405020304" pitchFamily="18" charset="0"/>
-                <a:ea typeface="標楷體" panose="03000509000000000000" pitchFamily="65" charset="-120"/>
-                <a:cs typeface="Times New Roman" panose="02020603050405020304" pitchFamily="18" charset="0"/>
-                <a:sym typeface="王漢宗顏楷體"/>
-              </a:rPr>
-              <a:t>Currying</a:t>
-            </a:r>
-            <a:endParaRPr lang="zh-TW" altLang="en-US" dirty="0"/>
-          </a:p>
-        </p:txBody>
-      </p:sp>
-      <p:sp>
-        <p:nvSpPr>
-          <p:cNvPr id="4" name="文字版面配置區 3">
-            <a:extLst>
-              <a:ext uri="{FF2B5EF4-FFF2-40B4-BE49-F238E27FC236}">
-                <a16:creationId xmlns:a16="http://schemas.microsoft.com/office/drawing/2014/main" id="{04276CA9-1A5B-45AF-9188-BD92D1B6607D}"/>
-              </a:ext>
-            </a:extLst>
-          </p:cNvPr>
-          <p:cNvSpPr>
-            <a:spLocks noGrp="1"/>
-          </p:cNvSpPr>
-          <p:nvPr>
-            <p:ph type="body" sz="quarter" idx="11"/>
-          </p:nvPr>
-        </p:nvSpPr>
-        <p:spPr/>
-        <p:txBody>
-          <a:bodyPr>
-            <a:normAutofit lnSpcReduction="10000"/>
-          </a:bodyPr>
-          <a:lstStyle/>
-          <a:p>
-            <a:endParaRPr lang="zh-TW" altLang="en-US"/>
-          </a:p>
-        </p:txBody>
-      </p:sp>
-      <p:pic>
-        <p:nvPicPr>
-          <p:cNvPr id="7" name="圖片 6">
-            <a:extLst>
-              <a:ext uri="{FF2B5EF4-FFF2-40B4-BE49-F238E27FC236}">
-                <a16:creationId xmlns:a16="http://schemas.microsoft.com/office/drawing/2014/main" id="{EA9CFEE6-6D45-4947-8811-1E7AC5D25BA7}"/>
-              </a:ext>
-            </a:extLst>
-          </p:cNvPr>
-          <p:cNvPicPr>
-            <a:picLocks noChangeAspect="1"/>
-          </p:cNvPicPr>
-          <p:nvPr/>
-        </p:nvPicPr>
-        <p:blipFill>
-          <a:blip r:embed="rId2"/>
-          <a:stretch>
-            <a:fillRect/>
-          </a:stretch>
-        </p:blipFill>
-        <p:spPr>
-          <a:xfrm>
-            <a:off x="256786" y="2442930"/>
-            <a:ext cx="7085133" cy="4234095"/>
-          </a:xfrm>
-          <a:prstGeom prst="rect">
-            <a:avLst/>
-          </a:prstGeom>
-        </p:spPr>
-      </p:pic>
-    </p:spTree>
-    <p:extLst>
-      <p:ext uri="{BB962C8B-B14F-4D97-AF65-F5344CB8AC3E}">
-        <p14:creationId xmlns:p14="http://schemas.microsoft.com/office/powerpoint/2010/main" val="950486002"/>
       </p:ext>
     </p:extLst>
   </p:cSld>
